--- a/dataStructures/searchTrees.pptx
+++ b/dataStructures/searchTrees.pptx
@@ -27223,555 +27223,12 @@
           </a:p>
         </p:txBody>
       </p:sp>
-      <p:sp>
-        <p:nvSpPr>
-          <p:cNvPr id="42" name="Line 76">
+      <p:grpSp>
+        <p:nvGrpSpPr>
+          <p:cNvPr id="4" name="Group 3">
             <a:extLst>
               <a:ext uri="{FF2B5EF4-FFF2-40B4-BE49-F238E27FC236}">
-                <a16:creationId xmlns:a16="http://schemas.microsoft.com/office/drawing/2014/main" id="{BA689000-5426-2846-92C3-25717ADFD19F}"/>
-              </a:ext>
-            </a:extLst>
-          </p:cNvPr>
-          <p:cNvSpPr>
-            <a:spLocks noChangeShapeType="1"/>
-          </p:cNvSpPr>
-          <p:nvPr/>
-        </p:nvSpPr>
-        <p:spPr bwMode="auto">
-          <a:xfrm flipH="1" flipV="1">
-            <a:off x="2544514" y="3016719"/>
-            <a:ext cx="603135" cy="421137"/>
-          </a:xfrm>
-          <a:prstGeom prst="line">
-            <a:avLst/>
-          </a:prstGeom>
-          <a:noFill/>
-          <a:ln w="12700">
-            <a:solidFill>
-              <a:schemeClr val="tx1"/>
-            </a:solidFill>
-            <a:round/>
-            <a:headEnd type="none" w="sm" len="sm"/>
-            <a:tailEnd type="none" w="sm" len="sm"/>
-          </a:ln>
-          <a:effectLst/>
-        </p:spPr>
-        <p:txBody>
-          <a:bodyPr/>
-          <a:lstStyle/>
-          <a:p>
-            <a:endParaRPr lang="en-US" sz="1400">
-              <a:latin typeface="+mn-lt"/>
-            </a:endParaRPr>
-          </a:p>
-        </p:txBody>
-      </p:sp>
-      <p:sp>
-        <p:nvSpPr>
-          <p:cNvPr id="44" name="Line 77">
-            <a:extLst>
-              <a:ext uri="{FF2B5EF4-FFF2-40B4-BE49-F238E27FC236}">
-                <a16:creationId xmlns:a16="http://schemas.microsoft.com/office/drawing/2014/main" id="{4EB6F0A7-0CB0-9348-8C9D-AA924BA677D0}"/>
-              </a:ext>
-            </a:extLst>
-          </p:cNvPr>
-          <p:cNvSpPr>
-            <a:spLocks noChangeShapeType="1"/>
-          </p:cNvSpPr>
-          <p:nvPr/>
-        </p:nvSpPr>
-        <p:spPr bwMode="auto">
-          <a:xfrm flipV="1">
-            <a:off x="1683642" y="3056069"/>
-            <a:ext cx="342914" cy="457197"/>
-          </a:xfrm>
-          <a:prstGeom prst="line">
-            <a:avLst/>
-          </a:prstGeom>
-          <a:noFill/>
-          <a:ln w="12700">
-            <a:solidFill>
-              <a:schemeClr val="tx1"/>
-            </a:solidFill>
-            <a:round/>
-            <a:headEnd type="none" w="sm" len="sm"/>
-            <a:tailEnd type="none" w="sm" len="sm"/>
-          </a:ln>
-          <a:effectLst/>
-        </p:spPr>
-        <p:txBody>
-          <a:bodyPr/>
-          <a:lstStyle/>
-          <a:p>
-            <a:endParaRPr lang="en-US" sz="1400">
-              <a:latin typeface="+mn-lt"/>
-            </a:endParaRPr>
-          </a:p>
-        </p:txBody>
-      </p:sp>
-      <p:sp>
-        <p:nvSpPr>
-          <p:cNvPr id="89" name="Line 83">
-            <a:extLst>
-              <a:ext uri="{FF2B5EF4-FFF2-40B4-BE49-F238E27FC236}">
-                <a16:creationId xmlns:a16="http://schemas.microsoft.com/office/drawing/2014/main" id="{7F27257E-822C-6E4B-9383-86781D6726E3}"/>
-              </a:ext>
-            </a:extLst>
-          </p:cNvPr>
-          <p:cNvSpPr>
-            <a:spLocks noChangeShapeType="1"/>
-          </p:cNvSpPr>
-          <p:nvPr/>
-        </p:nvSpPr>
-        <p:spPr bwMode="auto">
-          <a:xfrm flipV="1">
-            <a:off x="2454864" y="2101382"/>
-            <a:ext cx="1300612" cy="499333"/>
-          </a:xfrm>
-          <a:prstGeom prst="line">
-            <a:avLst/>
-          </a:prstGeom>
-          <a:noFill/>
-          <a:ln w="12700">
-            <a:solidFill>
-              <a:schemeClr val="tx1"/>
-            </a:solidFill>
-            <a:round/>
-            <a:headEnd type="none" w="sm" len="sm"/>
-            <a:tailEnd type="none" w="sm" len="sm"/>
-          </a:ln>
-          <a:effectLst/>
-        </p:spPr>
-        <p:txBody>
-          <a:bodyPr/>
-          <a:lstStyle/>
-          <a:p>
-            <a:endParaRPr lang="en-US" sz="1400">
-              <a:latin typeface="+mn-lt"/>
-            </a:endParaRPr>
-          </a:p>
-        </p:txBody>
-      </p:sp>
-      <p:sp>
-        <p:nvSpPr>
-          <p:cNvPr id="49" name="Line 78">
-            <a:extLst>
-              <a:ext uri="{FF2B5EF4-FFF2-40B4-BE49-F238E27FC236}">
-                <a16:creationId xmlns:a16="http://schemas.microsoft.com/office/drawing/2014/main" id="{BF6F5929-28D7-EA45-93F0-69D7B69DEC0A}"/>
-              </a:ext>
-            </a:extLst>
-          </p:cNvPr>
-          <p:cNvSpPr>
-            <a:spLocks noChangeShapeType="1"/>
-          </p:cNvSpPr>
-          <p:nvPr/>
-        </p:nvSpPr>
-        <p:spPr bwMode="auto">
-          <a:xfrm flipH="1" flipV="1">
-            <a:off x="5887516" y="3078759"/>
-            <a:ext cx="404273" cy="409741"/>
-          </a:xfrm>
-          <a:prstGeom prst="line">
-            <a:avLst/>
-          </a:prstGeom>
-          <a:noFill/>
-          <a:ln w="12700">
-            <a:solidFill>
-              <a:schemeClr val="tx1"/>
-            </a:solidFill>
-            <a:round/>
-            <a:headEnd type="none" w="sm" len="sm"/>
-            <a:tailEnd type="none" w="sm" len="sm"/>
-          </a:ln>
-          <a:effectLst/>
-        </p:spPr>
-        <p:txBody>
-          <a:bodyPr/>
-          <a:lstStyle/>
-          <a:p>
-            <a:endParaRPr lang="en-US" sz="1400">
-              <a:latin typeface="+mn-lt"/>
-            </a:endParaRPr>
-          </a:p>
-        </p:txBody>
-      </p:sp>
-      <p:sp>
-        <p:nvSpPr>
-          <p:cNvPr id="50" name="Line 79">
-            <a:extLst>
-              <a:ext uri="{FF2B5EF4-FFF2-40B4-BE49-F238E27FC236}">
-                <a16:creationId xmlns:a16="http://schemas.microsoft.com/office/drawing/2014/main" id="{D2E91EBA-FD2D-7D46-AD59-939B4A93F208}"/>
-              </a:ext>
-            </a:extLst>
-          </p:cNvPr>
-          <p:cNvSpPr>
-            <a:spLocks noChangeShapeType="1"/>
-          </p:cNvSpPr>
-          <p:nvPr/>
-        </p:nvSpPr>
-        <p:spPr bwMode="auto">
-          <a:xfrm flipV="1">
-            <a:off x="5039591" y="3078759"/>
-            <a:ext cx="390726" cy="421422"/>
-          </a:xfrm>
-          <a:prstGeom prst="line">
-            <a:avLst/>
-          </a:prstGeom>
-          <a:noFill/>
-          <a:ln w="12700">
-            <a:solidFill>
-              <a:schemeClr val="tx1"/>
-            </a:solidFill>
-            <a:round/>
-            <a:headEnd type="none" w="sm" len="sm"/>
-            <a:tailEnd type="none" w="sm" len="sm"/>
-          </a:ln>
-          <a:effectLst/>
-        </p:spPr>
-        <p:txBody>
-          <a:bodyPr/>
-          <a:lstStyle/>
-          <a:p>
-            <a:endParaRPr lang="en-US" sz="1400">
-              <a:latin typeface="+mn-lt"/>
-            </a:endParaRPr>
-          </a:p>
-        </p:txBody>
-      </p:sp>
-      <p:sp>
-        <p:nvSpPr>
-          <p:cNvPr id="53" name="Line 80">
-            <a:extLst>
-              <a:ext uri="{FF2B5EF4-FFF2-40B4-BE49-F238E27FC236}">
-                <a16:creationId xmlns:a16="http://schemas.microsoft.com/office/drawing/2014/main" id="{8D2D6EC6-E502-8A4A-94A2-2C4B47B593A7}"/>
-              </a:ext>
-            </a:extLst>
-          </p:cNvPr>
-          <p:cNvSpPr>
-            <a:spLocks noChangeShapeType="1"/>
-          </p:cNvSpPr>
-          <p:nvPr/>
-        </p:nvSpPr>
-        <p:spPr bwMode="auto">
-          <a:xfrm flipH="1" flipV="1">
-            <a:off x="5277916" y="3993159"/>
-            <a:ext cx="436327" cy="401563"/>
-          </a:xfrm>
-          <a:prstGeom prst="line">
-            <a:avLst/>
-          </a:prstGeom>
-          <a:noFill/>
-          <a:ln w="12700">
-            <a:solidFill>
-              <a:schemeClr val="tx1"/>
-            </a:solidFill>
-            <a:round/>
-            <a:headEnd type="none" w="sm" len="sm"/>
-            <a:tailEnd type="none" w="sm" len="sm"/>
-          </a:ln>
-          <a:effectLst/>
-        </p:spPr>
-        <p:txBody>
-          <a:bodyPr/>
-          <a:lstStyle/>
-          <a:p>
-            <a:endParaRPr lang="en-US" sz="1400">
-              <a:latin typeface="+mn-lt"/>
-            </a:endParaRPr>
-          </a:p>
-        </p:txBody>
-      </p:sp>
-      <p:sp>
-        <p:nvSpPr>
-          <p:cNvPr id="62" name="Line 81">
-            <a:extLst>
-              <a:ext uri="{FF2B5EF4-FFF2-40B4-BE49-F238E27FC236}">
-                <a16:creationId xmlns:a16="http://schemas.microsoft.com/office/drawing/2014/main" id="{E5A898E2-B6FF-0B4E-B4AE-E2F128CDB7A8}"/>
-              </a:ext>
-            </a:extLst>
-          </p:cNvPr>
-          <p:cNvSpPr>
-            <a:spLocks noChangeShapeType="1"/>
-          </p:cNvSpPr>
-          <p:nvPr/>
-        </p:nvSpPr>
-        <p:spPr bwMode="auto">
-          <a:xfrm flipV="1">
-            <a:off x="4377902" y="3993159"/>
-            <a:ext cx="442815" cy="409741"/>
-          </a:xfrm>
-          <a:prstGeom prst="line">
-            <a:avLst/>
-          </a:prstGeom>
-          <a:noFill/>
-          <a:ln w="12700">
-            <a:solidFill>
-              <a:schemeClr val="tx1"/>
-            </a:solidFill>
-            <a:round/>
-            <a:headEnd type="none" w="sm" len="sm"/>
-            <a:tailEnd type="none" w="sm" len="sm"/>
-          </a:ln>
-          <a:effectLst/>
-        </p:spPr>
-        <p:txBody>
-          <a:bodyPr/>
-          <a:lstStyle/>
-          <a:p>
-            <a:endParaRPr lang="en-US" sz="1400">
-              <a:latin typeface="+mn-lt"/>
-            </a:endParaRPr>
-          </a:p>
-        </p:txBody>
-      </p:sp>
-      <p:sp>
-        <p:nvSpPr>
-          <p:cNvPr id="64" name="Line 82">
-            <a:extLst>
-              <a:ext uri="{FF2B5EF4-FFF2-40B4-BE49-F238E27FC236}">
-                <a16:creationId xmlns:a16="http://schemas.microsoft.com/office/drawing/2014/main" id="{3EB0DEB6-3F9C-584B-B20C-2335FA7CD0AF}"/>
-              </a:ext>
-            </a:extLst>
-          </p:cNvPr>
-          <p:cNvSpPr>
-            <a:spLocks noChangeShapeType="1"/>
-          </p:cNvSpPr>
-          <p:nvPr/>
-        </p:nvSpPr>
-        <p:spPr bwMode="auto">
-          <a:xfrm flipH="1" flipV="1">
-            <a:off x="1848917" y="3993159"/>
-            <a:ext cx="378022" cy="437457"/>
-          </a:xfrm>
-          <a:prstGeom prst="line">
-            <a:avLst/>
-          </a:prstGeom>
-          <a:noFill/>
-          <a:ln w="12700">
-            <a:solidFill>
-              <a:schemeClr val="tx1"/>
-            </a:solidFill>
-            <a:round/>
-            <a:headEnd type="none" w="sm" len="sm"/>
-            <a:tailEnd type="none" w="sm" len="sm"/>
-          </a:ln>
-          <a:effectLst/>
-        </p:spPr>
-        <p:txBody>
-          <a:bodyPr/>
-          <a:lstStyle/>
-          <a:p>
-            <a:endParaRPr lang="en-US" sz="1400">
-              <a:latin typeface="+mn-lt"/>
-            </a:endParaRPr>
-          </a:p>
-        </p:txBody>
-      </p:sp>
-      <p:sp>
-        <p:nvSpPr>
-          <p:cNvPr id="90" name="Line 84">
-            <a:extLst>
-              <a:ext uri="{FF2B5EF4-FFF2-40B4-BE49-F238E27FC236}">
-                <a16:creationId xmlns:a16="http://schemas.microsoft.com/office/drawing/2014/main" id="{E473B1BC-A571-7C42-9A8B-7C2576FD1602}"/>
-              </a:ext>
-            </a:extLst>
-          </p:cNvPr>
-          <p:cNvSpPr>
-            <a:spLocks noChangeShapeType="1"/>
-          </p:cNvSpPr>
-          <p:nvPr/>
-        </p:nvSpPr>
-        <p:spPr bwMode="auto">
-          <a:xfrm>
-            <a:off x="4306201" y="2101382"/>
-            <a:ext cx="1124116" cy="520177"/>
-          </a:xfrm>
-          <a:prstGeom prst="line">
-            <a:avLst/>
-          </a:prstGeom>
-          <a:noFill/>
-          <a:ln w="12700">
-            <a:solidFill>
-              <a:schemeClr val="tx1"/>
-            </a:solidFill>
-            <a:round/>
-            <a:headEnd type="none" w="sm" len="sm"/>
-            <a:tailEnd type="none" w="sm" len="sm"/>
-          </a:ln>
-          <a:effectLst/>
-        </p:spPr>
-        <p:txBody>
-          <a:bodyPr/>
-          <a:lstStyle/>
-          <a:p>
-            <a:endParaRPr lang="en-US" sz="1400">
-              <a:latin typeface="+mn-lt"/>
-            </a:endParaRPr>
-          </a:p>
-        </p:txBody>
-      </p:sp>
-      <p:sp>
-        <p:nvSpPr>
-          <p:cNvPr id="118" name="Text Box 94">
-            <a:extLst>
-              <a:ext uri="{FF2B5EF4-FFF2-40B4-BE49-F238E27FC236}">
-                <a16:creationId xmlns:a16="http://schemas.microsoft.com/office/drawing/2014/main" id="{712E5C98-575D-6B43-808B-33F3494C3379}"/>
-              </a:ext>
-            </a:extLst>
-          </p:cNvPr>
-          <p:cNvSpPr txBox="1">
-            <a:spLocks noChangeArrowheads="1"/>
-          </p:cNvSpPr>
-          <p:nvPr/>
-        </p:nvSpPr>
-        <p:spPr bwMode="auto">
-          <a:xfrm>
-            <a:off x="2799687" y="2846782"/>
-            <a:ext cx="977387" cy="183127"/>
-          </a:xfrm>
-          <a:prstGeom prst="rect">
-            <a:avLst/>
-          </a:prstGeom>
-          <a:noFill/>
-          <a:ln w="12700">
-            <a:noFill/>
-            <a:miter lim="800000"/>
-            <a:headEnd type="none" w="sm" len="sm"/>
-            <a:tailEnd type="none" w="sm" len="sm"/>
-          </a:ln>
-          <a:effectLst/>
-        </p:spPr>
-        <p:txBody>
-          <a:bodyPr wrap="square" lIns="0" tIns="0" rIns="0" bIns="0">
-            <a:spAutoFit/>
-          </a:bodyPr>
-          <a:lstStyle/>
-          <a:p>
-            <a:pPr lvl="0">
-              <a:lnSpc>
-                <a:spcPct val="85000"/>
-              </a:lnSpc>
-              <a:spcBef>
-                <a:spcPct val="50000"/>
-              </a:spcBef>
-            </a:pPr>
-            <a:r>
-              <a:rPr lang="en-US" sz="1400" i="1" dirty="0">
-                <a:solidFill>
-                  <a:srgbClr val="000000"/>
-                </a:solidFill>
-                <a:latin typeface="Verdana"/>
-              </a:rPr>
-              <a:t>key</a:t>
-            </a:r>
-            <a:r>
-              <a:rPr lang="en-US" sz="1400" baseline="-25000" dirty="0">
-                <a:solidFill>
-                  <a:srgbClr val="000000"/>
-                </a:solidFill>
-                <a:latin typeface="Verdana"/>
-              </a:rPr>
-              <a:t>2</a:t>
-            </a:r>
-            <a:r>
-              <a:rPr lang="en-US" sz="1400" dirty="0">
-                <a:solidFill>
-                  <a:schemeClr val="tx1"/>
-                </a:solidFill>
-                <a:latin typeface="+mn-lt"/>
-              </a:rPr>
-              <a:t>,</a:t>
-            </a:r>
-            <a:r>
-              <a:rPr lang="en-US" sz="1400" i="1" dirty="0">
-                <a:solidFill>
-                  <a:schemeClr val="tx1"/>
-                </a:solidFill>
-                <a:latin typeface="+mn-lt"/>
-              </a:rPr>
-              <a:t>min</a:t>
-            </a:r>
-            <a:r>
-              <a:rPr lang="en-US" sz="1400" baseline="-25000" dirty="0">
-                <a:solidFill>
-                  <a:schemeClr val="tx1"/>
-                </a:solidFill>
-                <a:latin typeface="+mn-lt"/>
-              </a:rPr>
-              <a:t>2</a:t>
-            </a:r>
-          </a:p>
-        </p:txBody>
-      </p:sp>
-      <p:sp>
-        <p:nvSpPr>
-          <p:cNvPr id="120" name="Text Box 94">
-            <a:extLst>
-              <a:ext uri="{FF2B5EF4-FFF2-40B4-BE49-F238E27FC236}">
-                <a16:creationId xmlns:a16="http://schemas.microsoft.com/office/drawing/2014/main" id="{564FDD4E-8166-D349-86A9-05756A242A4C}"/>
-              </a:ext>
-            </a:extLst>
-          </p:cNvPr>
-          <p:cNvSpPr txBox="1">
-            <a:spLocks noChangeArrowheads="1"/>
-          </p:cNvSpPr>
-          <p:nvPr/>
-        </p:nvSpPr>
-        <p:spPr bwMode="auto">
-          <a:xfrm>
-            <a:off x="2758665" y="2615973"/>
-            <a:ext cx="318998" cy="183127"/>
-          </a:xfrm>
-          <a:prstGeom prst="rect">
-            <a:avLst/>
-          </a:prstGeom>
-          <a:noFill/>
-          <a:ln w="12700">
-            <a:noFill/>
-            <a:miter lim="800000"/>
-            <a:headEnd type="none" w="sm" len="sm"/>
-            <a:tailEnd type="none" w="sm" len="sm"/>
-          </a:ln>
-          <a:effectLst/>
-        </p:spPr>
-        <p:txBody>
-          <a:bodyPr wrap="none" lIns="0" tIns="0" rIns="0" bIns="0">
-            <a:spAutoFit/>
-          </a:bodyPr>
-          <a:lstStyle/>
-          <a:p>
-            <a:pPr>
-              <a:lnSpc>
-                <a:spcPct val="85000"/>
-              </a:lnSpc>
-              <a:spcBef>
-                <a:spcPct val="50000"/>
-              </a:spcBef>
-            </a:pPr>
-            <a:r>
-              <a:rPr lang="en-US" sz="1400" i="1" dirty="0">
-                <a:solidFill>
-                  <a:schemeClr val="tx1"/>
-                </a:solidFill>
-                <a:latin typeface="+mn-lt"/>
-              </a:rPr>
-              <a:t>key</a:t>
-            </a:r>
-            <a:endParaRPr lang="en-US" sz="1400" baseline="-25000" dirty="0">
-              <a:solidFill>
-                <a:schemeClr val="tx1"/>
-              </a:solidFill>
-              <a:latin typeface="+mn-lt"/>
-            </a:endParaRPr>
-          </a:p>
-        </p:txBody>
-      </p:sp>
-      <p:grpSp>
-        <p:nvGrpSpPr>
-          <p:cNvPr id="2" name="Group 1">
-            <a:extLst>
-              <a:ext uri="{FF2B5EF4-FFF2-40B4-BE49-F238E27FC236}">
-                <a16:creationId xmlns:a16="http://schemas.microsoft.com/office/drawing/2014/main" id="{3FCA1115-F2B3-8E4B-B504-F59E1615E63A}"/>
+                <a16:creationId xmlns:a16="http://schemas.microsoft.com/office/drawing/2014/main" id="{EC5199C1-80FF-2148-A2A6-2EB675A12408}"/>
               </a:ext>
             </a:extLst>
           </p:cNvPr>
@@ -27780,18 +27237,835 @@
         </p:nvGrpSpPr>
         <p:grpSpPr>
           <a:xfrm>
-            <a:off x="3544544" y="1630959"/>
-            <a:ext cx="836319" cy="609600"/>
-            <a:chOff x="3544544" y="1630959"/>
-            <a:chExt cx="836319" cy="609600"/>
+            <a:off x="1241012" y="1630959"/>
+            <a:ext cx="5441504" cy="3390907"/>
+            <a:chOff x="1241012" y="1630959"/>
+            <a:chExt cx="5441504" cy="3390907"/>
           </a:xfrm>
         </p:grpSpPr>
         <p:sp>
           <p:nvSpPr>
-            <p:cNvPr id="131" name="Oval 4">
+            <p:cNvPr id="42" name="Line 76">
               <a:extLst>
                 <a:ext uri="{FF2B5EF4-FFF2-40B4-BE49-F238E27FC236}">
-                  <a16:creationId xmlns:a16="http://schemas.microsoft.com/office/drawing/2014/main" id="{86C1F1E6-CB45-3F41-A906-624E59B373B9}"/>
+                  <a16:creationId xmlns:a16="http://schemas.microsoft.com/office/drawing/2014/main" id="{BA689000-5426-2846-92C3-25717ADFD19F}"/>
+                </a:ext>
+              </a:extLst>
+            </p:cNvPr>
+            <p:cNvSpPr>
+              <a:spLocks noChangeShapeType="1"/>
+            </p:cNvSpPr>
+            <p:nvPr/>
+          </p:nvSpPr>
+          <p:spPr bwMode="auto">
+            <a:xfrm flipH="1" flipV="1">
+              <a:off x="2544514" y="3016719"/>
+              <a:ext cx="603135" cy="421137"/>
+            </a:xfrm>
+            <a:prstGeom prst="line">
+              <a:avLst/>
+            </a:prstGeom>
+            <a:noFill/>
+            <a:ln w="12700">
+              <a:solidFill>
+                <a:schemeClr val="tx1"/>
+              </a:solidFill>
+              <a:round/>
+              <a:headEnd type="none" w="sm" len="sm"/>
+              <a:tailEnd type="none" w="sm" len="sm"/>
+            </a:ln>
+            <a:effectLst/>
+          </p:spPr>
+          <p:txBody>
+            <a:bodyPr/>
+            <a:lstStyle/>
+            <a:p>
+              <a:endParaRPr lang="en-US" sz="1400">
+                <a:latin typeface="+mn-lt"/>
+              </a:endParaRPr>
+            </a:p>
+          </p:txBody>
+        </p:sp>
+        <p:sp>
+          <p:nvSpPr>
+            <p:cNvPr id="44" name="Line 77">
+              <a:extLst>
+                <a:ext uri="{FF2B5EF4-FFF2-40B4-BE49-F238E27FC236}">
+                  <a16:creationId xmlns:a16="http://schemas.microsoft.com/office/drawing/2014/main" id="{4EB6F0A7-0CB0-9348-8C9D-AA924BA677D0}"/>
+                </a:ext>
+              </a:extLst>
+            </p:cNvPr>
+            <p:cNvSpPr>
+              <a:spLocks noChangeShapeType="1"/>
+            </p:cNvSpPr>
+            <p:nvPr/>
+          </p:nvSpPr>
+          <p:spPr bwMode="auto">
+            <a:xfrm flipV="1">
+              <a:off x="1683642" y="3056069"/>
+              <a:ext cx="342914" cy="457197"/>
+            </a:xfrm>
+            <a:prstGeom prst="line">
+              <a:avLst/>
+            </a:prstGeom>
+            <a:noFill/>
+            <a:ln w="12700">
+              <a:solidFill>
+                <a:schemeClr val="tx1"/>
+              </a:solidFill>
+              <a:round/>
+              <a:headEnd type="none" w="sm" len="sm"/>
+              <a:tailEnd type="none" w="sm" len="sm"/>
+            </a:ln>
+            <a:effectLst/>
+          </p:spPr>
+          <p:txBody>
+            <a:bodyPr/>
+            <a:lstStyle/>
+            <a:p>
+              <a:endParaRPr lang="en-US" sz="1400">
+                <a:latin typeface="+mn-lt"/>
+              </a:endParaRPr>
+            </a:p>
+          </p:txBody>
+        </p:sp>
+        <p:sp>
+          <p:nvSpPr>
+            <p:cNvPr id="89" name="Line 83">
+              <a:extLst>
+                <a:ext uri="{FF2B5EF4-FFF2-40B4-BE49-F238E27FC236}">
+                  <a16:creationId xmlns:a16="http://schemas.microsoft.com/office/drawing/2014/main" id="{7F27257E-822C-6E4B-9383-86781D6726E3}"/>
+                </a:ext>
+              </a:extLst>
+            </p:cNvPr>
+            <p:cNvSpPr>
+              <a:spLocks noChangeShapeType="1"/>
+            </p:cNvSpPr>
+            <p:nvPr/>
+          </p:nvSpPr>
+          <p:spPr bwMode="auto">
+            <a:xfrm flipV="1">
+              <a:off x="2454864" y="2101382"/>
+              <a:ext cx="1300612" cy="499333"/>
+            </a:xfrm>
+            <a:prstGeom prst="line">
+              <a:avLst/>
+            </a:prstGeom>
+            <a:noFill/>
+            <a:ln w="12700">
+              <a:solidFill>
+                <a:schemeClr val="tx1"/>
+              </a:solidFill>
+              <a:round/>
+              <a:headEnd type="none" w="sm" len="sm"/>
+              <a:tailEnd type="none" w="sm" len="sm"/>
+            </a:ln>
+            <a:effectLst/>
+          </p:spPr>
+          <p:txBody>
+            <a:bodyPr/>
+            <a:lstStyle/>
+            <a:p>
+              <a:endParaRPr lang="en-US" sz="1400">
+                <a:latin typeface="+mn-lt"/>
+              </a:endParaRPr>
+            </a:p>
+          </p:txBody>
+        </p:sp>
+        <p:sp>
+          <p:nvSpPr>
+            <p:cNvPr id="49" name="Line 78">
+              <a:extLst>
+                <a:ext uri="{FF2B5EF4-FFF2-40B4-BE49-F238E27FC236}">
+                  <a16:creationId xmlns:a16="http://schemas.microsoft.com/office/drawing/2014/main" id="{BF6F5929-28D7-EA45-93F0-69D7B69DEC0A}"/>
+                </a:ext>
+              </a:extLst>
+            </p:cNvPr>
+            <p:cNvSpPr>
+              <a:spLocks noChangeShapeType="1"/>
+            </p:cNvSpPr>
+            <p:nvPr/>
+          </p:nvSpPr>
+          <p:spPr bwMode="auto">
+            <a:xfrm flipH="1" flipV="1">
+              <a:off x="5887516" y="3078759"/>
+              <a:ext cx="404273" cy="409741"/>
+            </a:xfrm>
+            <a:prstGeom prst="line">
+              <a:avLst/>
+            </a:prstGeom>
+            <a:noFill/>
+            <a:ln w="12700">
+              <a:solidFill>
+                <a:schemeClr val="tx1"/>
+              </a:solidFill>
+              <a:round/>
+              <a:headEnd type="none" w="sm" len="sm"/>
+              <a:tailEnd type="none" w="sm" len="sm"/>
+            </a:ln>
+            <a:effectLst/>
+          </p:spPr>
+          <p:txBody>
+            <a:bodyPr/>
+            <a:lstStyle/>
+            <a:p>
+              <a:endParaRPr lang="en-US" sz="1400">
+                <a:latin typeface="+mn-lt"/>
+              </a:endParaRPr>
+            </a:p>
+          </p:txBody>
+        </p:sp>
+        <p:sp>
+          <p:nvSpPr>
+            <p:cNvPr id="50" name="Line 79">
+              <a:extLst>
+                <a:ext uri="{FF2B5EF4-FFF2-40B4-BE49-F238E27FC236}">
+                  <a16:creationId xmlns:a16="http://schemas.microsoft.com/office/drawing/2014/main" id="{D2E91EBA-FD2D-7D46-AD59-939B4A93F208}"/>
+                </a:ext>
+              </a:extLst>
+            </p:cNvPr>
+            <p:cNvSpPr>
+              <a:spLocks noChangeShapeType="1"/>
+            </p:cNvSpPr>
+            <p:nvPr/>
+          </p:nvSpPr>
+          <p:spPr bwMode="auto">
+            <a:xfrm flipV="1">
+              <a:off x="5039591" y="3078759"/>
+              <a:ext cx="390726" cy="421422"/>
+            </a:xfrm>
+            <a:prstGeom prst="line">
+              <a:avLst/>
+            </a:prstGeom>
+            <a:noFill/>
+            <a:ln w="12700">
+              <a:solidFill>
+                <a:schemeClr val="tx1"/>
+              </a:solidFill>
+              <a:round/>
+              <a:headEnd type="none" w="sm" len="sm"/>
+              <a:tailEnd type="none" w="sm" len="sm"/>
+            </a:ln>
+            <a:effectLst/>
+          </p:spPr>
+          <p:txBody>
+            <a:bodyPr/>
+            <a:lstStyle/>
+            <a:p>
+              <a:endParaRPr lang="en-US" sz="1400">
+                <a:latin typeface="+mn-lt"/>
+              </a:endParaRPr>
+            </a:p>
+          </p:txBody>
+        </p:sp>
+        <p:sp>
+          <p:nvSpPr>
+            <p:cNvPr id="53" name="Line 80">
+              <a:extLst>
+                <a:ext uri="{FF2B5EF4-FFF2-40B4-BE49-F238E27FC236}">
+                  <a16:creationId xmlns:a16="http://schemas.microsoft.com/office/drawing/2014/main" id="{8D2D6EC6-E502-8A4A-94A2-2C4B47B593A7}"/>
+                </a:ext>
+              </a:extLst>
+            </p:cNvPr>
+            <p:cNvSpPr>
+              <a:spLocks noChangeShapeType="1"/>
+            </p:cNvSpPr>
+            <p:nvPr/>
+          </p:nvSpPr>
+          <p:spPr bwMode="auto">
+            <a:xfrm flipH="1" flipV="1">
+              <a:off x="5277916" y="3993159"/>
+              <a:ext cx="436327" cy="401563"/>
+            </a:xfrm>
+            <a:prstGeom prst="line">
+              <a:avLst/>
+            </a:prstGeom>
+            <a:noFill/>
+            <a:ln w="12700">
+              <a:solidFill>
+                <a:schemeClr val="tx1"/>
+              </a:solidFill>
+              <a:round/>
+              <a:headEnd type="none" w="sm" len="sm"/>
+              <a:tailEnd type="none" w="sm" len="sm"/>
+            </a:ln>
+            <a:effectLst/>
+          </p:spPr>
+          <p:txBody>
+            <a:bodyPr/>
+            <a:lstStyle/>
+            <a:p>
+              <a:endParaRPr lang="en-US" sz="1400">
+                <a:latin typeface="+mn-lt"/>
+              </a:endParaRPr>
+            </a:p>
+          </p:txBody>
+        </p:sp>
+        <p:sp>
+          <p:nvSpPr>
+            <p:cNvPr id="62" name="Line 81">
+              <a:extLst>
+                <a:ext uri="{FF2B5EF4-FFF2-40B4-BE49-F238E27FC236}">
+                  <a16:creationId xmlns:a16="http://schemas.microsoft.com/office/drawing/2014/main" id="{E5A898E2-B6FF-0B4E-B4AE-E2F128CDB7A8}"/>
+                </a:ext>
+              </a:extLst>
+            </p:cNvPr>
+            <p:cNvSpPr>
+              <a:spLocks noChangeShapeType="1"/>
+            </p:cNvSpPr>
+            <p:nvPr/>
+          </p:nvSpPr>
+          <p:spPr bwMode="auto">
+            <a:xfrm flipV="1">
+              <a:off x="4377902" y="3993159"/>
+              <a:ext cx="442815" cy="409741"/>
+            </a:xfrm>
+            <a:prstGeom prst="line">
+              <a:avLst/>
+            </a:prstGeom>
+            <a:noFill/>
+            <a:ln w="12700">
+              <a:solidFill>
+                <a:schemeClr val="tx1"/>
+              </a:solidFill>
+              <a:round/>
+              <a:headEnd type="none" w="sm" len="sm"/>
+              <a:tailEnd type="none" w="sm" len="sm"/>
+            </a:ln>
+            <a:effectLst/>
+          </p:spPr>
+          <p:txBody>
+            <a:bodyPr/>
+            <a:lstStyle/>
+            <a:p>
+              <a:endParaRPr lang="en-US" sz="1400">
+                <a:latin typeface="+mn-lt"/>
+              </a:endParaRPr>
+            </a:p>
+          </p:txBody>
+        </p:sp>
+        <p:sp>
+          <p:nvSpPr>
+            <p:cNvPr id="64" name="Line 82">
+              <a:extLst>
+                <a:ext uri="{FF2B5EF4-FFF2-40B4-BE49-F238E27FC236}">
+                  <a16:creationId xmlns:a16="http://schemas.microsoft.com/office/drawing/2014/main" id="{3EB0DEB6-3F9C-584B-B20C-2335FA7CD0AF}"/>
+                </a:ext>
+              </a:extLst>
+            </p:cNvPr>
+            <p:cNvSpPr>
+              <a:spLocks noChangeShapeType="1"/>
+            </p:cNvSpPr>
+            <p:nvPr/>
+          </p:nvSpPr>
+          <p:spPr bwMode="auto">
+            <a:xfrm flipH="1" flipV="1">
+              <a:off x="1848917" y="3993159"/>
+              <a:ext cx="378022" cy="437457"/>
+            </a:xfrm>
+            <a:prstGeom prst="line">
+              <a:avLst/>
+            </a:prstGeom>
+            <a:noFill/>
+            <a:ln w="12700">
+              <a:solidFill>
+                <a:schemeClr val="tx1"/>
+              </a:solidFill>
+              <a:round/>
+              <a:headEnd type="none" w="sm" len="sm"/>
+              <a:tailEnd type="none" w="sm" len="sm"/>
+            </a:ln>
+            <a:effectLst/>
+          </p:spPr>
+          <p:txBody>
+            <a:bodyPr/>
+            <a:lstStyle/>
+            <a:p>
+              <a:endParaRPr lang="en-US" sz="1400">
+                <a:latin typeface="+mn-lt"/>
+              </a:endParaRPr>
+            </a:p>
+          </p:txBody>
+        </p:sp>
+        <p:sp>
+          <p:nvSpPr>
+            <p:cNvPr id="90" name="Line 84">
+              <a:extLst>
+                <a:ext uri="{FF2B5EF4-FFF2-40B4-BE49-F238E27FC236}">
+                  <a16:creationId xmlns:a16="http://schemas.microsoft.com/office/drawing/2014/main" id="{E473B1BC-A571-7C42-9A8B-7C2576FD1602}"/>
+                </a:ext>
+              </a:extLst>
+            </p:cNvPr>
+            <p:cNvSpPr>
+              <a:spLocks noChangeShapeType="1"/>
+            </p:cNvSpPr>
+            <p:nvPr/>
+          </p:nvSpPr>
+          <p:spPr bwMode="auto">
+            <a:xfrm>
+              <a:off x="4306201" y="2101382"/>
+              <a:ext cx="1124116" cy="520177"/>
+            </a:xfrm>
+            <a:prstGeom prst="line">
+              <a:avLst/>
+            </a:prstGeom>
+            <a:noFill/>
+            <a:ln w="12700">
+              <a:solidFill>
+                <a:schemeClr val="tx1"/>
+              </a:solidFill>
+              <a:round/>
+              <a:headEnd type="none" w="sm" len="sm"/>
+              <a:tailEnd type="none" w="sm" len="sm"/>
+            </a:ln>
+            <a:effectLst/>
+          </p:spPr>
+          <p:txBody>
+            <a:bodyPr/>
+            <a:lstStyle/>
+            <a:p>
+              <a:endParaRPr lang="en-US" sz="1400">
+                <a:latin typeface="+mn-lt"/>
+              </a:endParaRPr>
+            </a:p>
+          </p:txBody>
+        </p:sp>
+        <p:sp>
+          <p:nvSpPr>
+            <p:cNvPr id="118" name="Text Box 94">
+              <a:extLst>
+                <a:ext uri="{FF2B5EF4-FFF2-40B4-BE49-F238E27FC236}">
+                  <a16:creationId xmlns:a16="http://schemas.microsoft.com/office/drawing/2014/main" id="{712E5C98-575D-6B43-808B-33F3494C3379}"/>
+                </a:ext>
+              </a:extLst>
+            </p:cNvPr>
+            <p:cNvSpPr txBox="1">
+              <a:spLocks noChangeArrowheads="1"/>
+            </p:cNvSpPr>
+            <p:nvPr/>
+          </p:nvSpPr>
+          <p:spPr bwMode="auto">
+            <a:xfrm>
+              <a:off x="2799687" y="2846782"/>
+              <a:ext cx="977387" cy="183127"/>
+            </a:xfrm>
+            <a:prstGeom prst="rect">
+              <a:avLst/>
+            </a:prstGeom>
+            <a:noFill/>
+            <a:ln w="12700">
+              <a:noFill/>
+              <a:miter lim="800000"/>
+              <a:headEnd type="none" w="sm" len="sm"/>
+              <a:tailEnd type="none" w="sm" len="sm"/>
+            </a:ln>
+            <a:effectLst/>
+          </p:spPr>
+          <p:txBody>
+            <a:bodyPr wrap="square" lIns="0" tIns="0" rIns="0" bIns="0">
+              <a:spAutoFit/>
+            </a:bodyPr>
+            <a:lstStyle/>
+            <a:p>
+              <a:pPr lvl="0">
+                <a:lnSpc>
+                  <a:spcPct val="85000"/>
+                </a:lnSpc>
+                <a:spcBef>
+                  <a:spcPct val="50000"/>
+                </a:spcBef>
+              </a:pPr>
+              <a:r>
+                <a:rPr lang="en-US" sz="1400" i="1" dirty="0">
+                  <a:solidFill>
+                    <a:srgbClr val="000000"/>
+                  </a:solidFill>
+                  <a:latin typeface="Verdana"/>
+                </a:rPr>
+                <a:t>key</a:t>
+              </a:r>
+              <a:r>
+                <a:rPr lang="en-US" sz="1400" baseline="-25000" dirty="0">
+                  <a:solidFill>
+                    <a:srgbClr val="000000"/>
+                  </a:solidFill>
+                  <a:latin typeface="Verdana"/>
+                </a:rPr>
+                <a:t>2</a:t>
+              </a:r>
+              <a:r>
+                <a:rPr lang="en-US" sz="1400" dirty="0">
+                  <a:solidFill>
+                    <a:schemeClr val="tx1"/>
+                  </a:solidFill>
+                  <a:latin typeface="+mn-lt"/>
+                </a:rPr>
+                <a:t>,</a:t>
+              </a:r>
+              <a:r>
+                <a:rPr lang="en-US" sz="1400" i="1" dirty="0">
+                  <a:solidFill>
+                    <a:schemeClr val="tx1"/>
+                  </a:solidFill>
+                  <a:latin typeface="+mn-lt"/>
+                </a:rPr>
+                <a:t>min</a:t>
+              </a:r>
+              <a:r>
+                <a:rPr lang="en-US" sz="1400" baseline="-25000" dirty="0">
+                  <a:solidFill>
+                    <a:schemeClr val="tx1"/>
+                  </a:solidFill>
+                  <a:latin typeface="+mn-lt"/>
+                </a:rPr>
+                <a:t>2</a:t>
+              </a:r>
+            </a:p>
+          </p:txBody>
+        </p:sp>
+        <p:sp>
+          <p:nvSpPr>
+            <p:cNvPr id="120" name="Text Box 94">
+              <a:extLst>
+                <a:ext uri="{FF2B5EF4-FFF2-40B4-BE49-F238E27FC236}">
+                  <a16:creationId xmlns:a16="http://schemas.microsoft.com/office/drawing/2014/main" id="{564FDD4E-8166-D349-86A9-05756A242A4C}"/>
+                </a:ext>
+              </a:extLst>
+            </p:cNvPr>
+            <p:cNvSpPr txBox="1">
+              <a:spLocks noChangeArrowheads="1"/>
+            </p:cNvSpPr>
+            <p:nvPr/>
+          </p:nvSpPr>
+          <p:spPr bwMode="auto">
+            <a:xfrm>
+              <a:off x="2758665" y="2615973"/>
+              <a:ext cx="318998" cy="183127"/>
+            </a:xfrm>
+            <a:prstGeom prst="rect">
+              <a:avLst/>
+            </a:prstGeom>
+            <a:noFill/>
+            <a:ln w="12700">
+              <a:noFill/>
+              <a:miter lim="800000"/>
+              <a:headEnd type="none" w="sm" len="sm"/>
+              <a:tailEnd type="none" w="sm" len="sm"/>
+            </a:ln>
+            <a:effectLst/>
+          </p:spPr>
+          <p:txBody>
+            <a:bodyPr wrap="none" lIns="0" tIns="0" rIns="0" bIns="0">
+              <a:spAutoFit/>
+            </a:bodyPr>
+            <a:lstStyle/>
+            <a:p>
+              <a:pPr>
+                <a:lnSpc>
+                  <a:spcPct val="85000"/>
+                </a:lnSpc>
+                <a:spcBef>
+                  <a:spcPct val="50000"/>
+                </a:spcBef>
+              </a:pPr>
+              <a:r>
+                <a:rPr lang="en-US" sz="1400" i="1" dirty="0">
+                  <a:solidFill>
+                    <a:schemeClr val="tx1"/>
+                  </a:solidFill>
+                  <a:latin typeface="+mn-lt"/>
+                </a:rPr>
+                <a:t>key</a:t>
+              </a:r>
+              <a:endParaRPr lang="en-US" sz="1400" baseline="-25000" dirty="0">
+                <a:solidFill>
+                  <a:schemeClr val="tx1"/>
+                </a:solidFill>
+                <a:latin typeface="+mn-lt"/>
+              </a:endParaRPr>
+            </a:p>
+          </p:txBody>
+        </p:sp>
+        <p:grpSp>
+          <p:nvGrpSpPr>
+            <p:cNvPr id="2" name="Group 1">
+              <a:extLst>
+                <a:ext uri="{FF2B5EF4-FFF2-40B4-BE49-F238E27FC236}">
+                  <a16:creationId xmlns:a16="http://schemas.microsoft.com/office/drawing/2014/main" id="{3FCA1115-F2B3-8E4B-B504-F59E1615E63A}"/>
+                </a:ext>
+              </a:extLst>
+            </p:cNvPr>
+            <p:cNvGrpSpPr/>
+            <p:nvPr/>
+          </p:nvGrpSpPr>
+          <p:grpSpPr>
+            <a:xfrm>
+              <a:off x="3544544" y="1630959"/>
+              <a:ext cx="836319" cy="609600"/>
+              <a:chOff x="3544544" y="1630959"/>
+              <a:chExt cx="836319" cy="609600"/>
+            </a:xfrm>
+          </p:grpSpPr>
+          <p:sp>
+            <p:nvSpPr>
+              <p:cNvPr id="131" name="Oval 4">
+                <a:extLst>
+                  <a:ext uri="{FF2B5EF4-FFF2-40B4-BE49-F238E27FC236}">
+                    <a16:creationId xmlns:a16="http://schemas.microsoft.com/office/drawing/2014/main" id="{86C1F1E6-CB45-3F41-A906-624E59B373B9}"/>
+                  </a:ext>
+                </a:extLst>
+              </p:cNvPr>
+              <p:cNvSpPr>
+                <a:spLocks noChangeArrowheads="1"/>
+              </p:cNvSpPr>
+              <p:nvPr/>
+            </p:nvSpPr>
+            <p:spPr bwMode="auto">
+              <a:xfrm>
+                <a:off x="3652185" y="1630959"/>
+                <a:ext cx="728678" cy="609600"/>
+              </a:xfrm>
+              <a:prstGeom prst="ellipse">
+                <a:avLst/>
+              </a:prstGeom>
+              <a:solidFill>
+                <a:srgbClr val="CCFFFF"/>
+              </a:solidFill>
+              <a:ln w="12700">
+                <a:solidFill>
+                  <a:schemeClr val="tx1"/>
+                </a:solidFill>
+                <a:round/>
+                <a:headEnd type="none" w="sm" len="sm"/>
+                <a:tailEnd type="none" w="sm" len="sm"/>
+              </a:ln>
+              <a:effectLst/>
+            </p:spPr>
+            <p:txBody>
+              <a:bodyPr wrap="none" anchor="ctr"/>
+              <a:lstStyle/>
+              <a:p>
+                <a:endParaRPr lang="en-US" sz="1400">
+                  <a:latin typeface="+mn-lt"/>
+                </a:endParaRPr>
+              </a:p>
+            </p:txBody>
+          </p:sp>
+          <p:sp>
+            <p:nvSpPr>
+              <p:cNvPr id="132" name="Line 5">
+                <a:extLst>
+                  <a:ext uri="{FF2B5EF4-FFF2-40B4-BE49-F238E27FC236}">
+                    <a16:creationId xmlns:a16="http://schemas.microsoft.com/office/drawing/2014/main" id="{E36956EA-596A-E443-88C4-5228C41B41C9}"/>
+                  </a:ext>
+                </a:extLst>
+              </p:cNvPr>
+              <p:cNvSpPr>
+                <a:spLocks noChangeShapeType="1"/>
+              </p:cNvSpPr>
+              <p:nvPr/>
+            </p:nvSpPr>
+            <p:spPr bwMode="auto">
+              <a:xfrm>
+                <a:off x="3651945" y="1935759"/>
+                <a:ext cx="728918" cy="0"/>
+              </a:xfrm>
+              <a:prstGeom prst="line">
+                <a:avLst/>
+              </a:prstGeom>
+              <a:noFill/>
+              <a:ln w="12700">
+                <a:solidFill>
+                  <a:schemeClr val="tx1"/>
+                </a:solidFill>
+                <a:round/>
+                <a:headEnd type="none" w="sm" len="sm"/>
+                <a:tailEnd type="none" w="sm" len="sm"/>
+              </a:ln>
+              <a:effectLst/>
+            </p:spPr>
+            <p:txBody>
+              <a:bodyPr/>
+              <a:lstStyle/>
+              <a:p>
+                <a:endParaRPr lang="en-US" sz="1400">
+                  <a:latin typeface="+mn-lt"/>
+                </a:endParaRPr>
+              </a:p>
+            </p:txBody>
+          </p:sp>
+          <p:sp>
+            <p:nvSpPr>
+              <p:cNvPr id="134" name="Text Box 8">
+                <a:extLst>
+                  <a:ext uri="{FF2B5EF4-FFF2-40B4-BE49-F238E27FC236}">
+                    <a16:creationId xmlns:a16="http://schemas.microsoft.com/office/drawing/2014/main" id="{21C0EA28-4DF2-0D4F-8881-F54F52304AC8}"/>
+                  </a:ext>
+                </a:extLst>
+              </p:cNvPr>
+              <p:cNvSpPr txBox="1">
+                <a:spLocks noChangeArrowheads="1"/>
+              </p:cNvSpPr>
+              <p:nvPr/>
+            </p:nvSpPr>
+            <p:spPr bwMode="auto">
+              <a:xfrm>
+                <a:off x="3872736" y="1685424"/>
+                <a:ext cx="227626" cy="215444"/>
+              </a:xfrm>
+              <a:prstGeom prst="rect">
+                <a:avLst/>
+              </a:prstGeom>
+              <a:noFill/>
+              <a:ln w="12700">
+                <a:noFill/>
+                <a:miter lim="800000"/>
+                <a:headEnd type="none" w="sm" len="sm"/>
+                <a:tailEnd type="none" w="sm" len="sm"/>
+              </a:ln>
+              <a:effectLst/>
+            </p:spPr>
+            <p:txBody>
+              <a:bodyPr wrap="none" lIns="0" tIns="0" rIns="0" bIns="0">
+                <a:spAutoFit/>
+              </a:bodyPr>
+              <a:lstStyle/>
+              <a:p>
+                <a:pPr algn="ctr">
+                  <a:spcBef>
+                    <a:spcPct val="50000"/>
+                  </a:spcBef>
+                </a:pPr>
+                <a:r>
+                  <a:rPr lang="en-US" sz="1400" dirty="0">
+                    <a:solidFill>
+                      <a:schemeClr val="tx1"/>
+                    </a:solidFill>
+                    <a:latin typeface="+mn-lt"/>
+                  </a:rPr>
+                  <a:t>10</a:t>
+                </a:r>
+              </a:p>
+            </p:txBody>
+          </p:sp>
+          <p:sp>
+            <p:nvSpPr>
+              <p:cNvPr id="107" name="Text Box 94">
+                <a:extLst>
+                  <a:ext uri="{FF2B5EF4-FFF2-40B4-BE49-F238E27FC236}">
+                    <a16:creationId xmlns:a16="http://schemas.microsoft.com/office/drawing/2014/main" id="{2247E9F5-64C4-984F-B4A3-A19FDC24FA1B}"/>
+                  </a:ext>
+                </a:extLst>
+              </p:cNvPr>
+              <p:cNvSpPr txBox="1">
+                <a:spLocks noChangeArrowheads="1"/>
+              </p:cNvSpPr>
+              <p:nvPr/>
+            </p:nvSpPr>
+            <p:spPr bwMode="auto">
+              <a:xfrm>
+                <a:off x="3544544" y="1649310"/>
+                <a:ext cx="107401" cy="183127"/>
+              </a:xfrm>
+              <a:prstGeom prst="rect">
+                <a:avLst/>
+              </a:prstGeom>
+              <a:noFill/>
+              <a:ln w="12700">
+                <a:noFill/>
+                <a:miter lim="800000"/>
+                <a:headEnd type="none" w="sm" len="sm"/>
+                <a:tailEnd type="none" w="sm" len="sm"/>
+              </a:ln>
+              <a:effectLst/>
+            </p:spPr>
+            <p:txBody>
+              <a:bodyPr wrap="none" lIns="0" tIns="0" rIns="0" bIns="0">
+                <a:spAutoFit/>
+              </a:bodyPr>
+              <a:lstStyle/>
+              <a:p>
+                <a:pPr algn="ctr">
+                  <a:lnSpc>
+                    <a:spcPct val="85000"/>
+                  </a:lnSpc>
+                  <a:spcBef>
+                    <a:spcPct val="50000"/>
+                  </a:spcBef>
+                </a:pPr>
+                <a:r>
+                  <a:rPr lang="en-US" sz="1400" i="1" dirty="0">
+                    <a:solidFill>
+                      <a:schemeClr val="tx1"/>
+                    </a:solidFill>
+                    <a:latin typeface="+mn-lt"/>
+                  </a:rPr>
+                  <a:t>a</a:t>
+                </a:r>
+              </a:p>
+            </p:txBody>
+          </p:sp>
+          <p:sp>
+            <p:nvSpPr>
+              <p:cNvPr id="168" name="Text Box 9">
+                <a:extLst>
+                  <a:ext uri="{FF2B5EF4-FFF2-40B4-BE49-F238E27FC236}">
+                    <a16:creationId xmlns:a16="http://schemas.microsoft.com/office/drawing/2014/main" id="{ECD8C56A-D1E8-654B-BF75-F87BE51C27AA}"/>
+                  </a:ext>
+                </a:extLst>
+              </p:cNvPr>
+              <p:cNvSpPr txBox="1">
+                <a:spLocks noChangeArrowheads="1"/>
+              </p:cNvSpPr>
+              <p:nvPr/>
+            </p:nvSpPr>
+            <p:spPr bwMode="auto">
+              <a:xfrm>
+                <a:off x="3814613" y="1964333"/>
+                <a:ext cx="407164" cy="215444"/>
+              </a:xfrm>
+              <a:prstGeom prst="rect">
+                <a:avLst/>
+              </a:prstGeom>
+              <a:noFill/>
+              <a:ln w="12700">
+                <a:noFill/>
+                <a:miter lim="800000"/>
+                <a:headEnd type="none" w="sm" len="sm"/>
+                <a:tailEnd type="none" w="sm" len="sm"/>
+              </a:ln>
+              <a:effectLst/>
+            </p:spPr>
+            <p:txBody>
+              <a:bodyPr wrap="none" lIns="0" tIns="0" rIns="0" bIns="0">
+                <a:spAutoFit/>
+              </a:bodyPr>
+              <a:lstStyle/>
+              <a:p>
+                <a:pPr algn="ctr">
+                  <a:spcBef>
+                    <a:spcPct val="50000"/>
+                  </a:spcBef>
+                </a:pPr>
+                <a:r>
+                  <a:rPr lang="en-US" sz="1400" dirty="0">
+                    <a:solidFill>
+                      <a:schemeClr val="tx1"/>
+                    </a:solidFill>
+                    <a:latin typeface="+mn-lt"/>
+                  </a:rPr>
+                  <a:t>15,5</a:t>
+                </a:r>
+              </a:p>
+            </p:txBody>
+          </p:sp>
+        </p:grpSp>
+        <p:sp>
+          <p:nvSpPr>
+            <p:cNvPr id="194" name="Oval 4">
+              <a:extLst>
+                <a:ext uri="{FF2B5EF4-FFF2-40B4-BE49-F238E27FC236}">
+                  <a16:creationId xmlns:a16="http://schemas.microsoft.com/office/drawing/2014/main" id="{4A393132-2D46-524D-BB83-72CDBE010F73}"/>
                 </a:ext>
               </a:extLst>
             </p:cNvPr>
@@ -27802,7 +28076,7 @@
           </p:nvSpPr>
           <p:spPr bwMode="auto">
             <a:xfrm>
-              <a:off x="3652185" y="1630959"/>
+              <a:off x="5273139" y="2582278"/>
               <a:ext cx="728678" cy="609600"/>
             </a:xfrm>
             <a:prstGeom prst="ellipse">
@@ -27833,10 +28107,10 @@
         </p:sp>
         <p:sp>
           <p:nvSpPr>
-            <p:cNvPr id="132" name="Line 5">
+            <p:cNvPr id="195" name="Line 5">
               <a:extLst>
                 <a:ext uri="{FF2B5EF4-FFF2-40B4-BE49-F238E27FC236}">
-                  <a16:creationId xmlns:a16="http://schemas.microsoft.com/office/drawing/2014/main" id="{E36956EA-596A-E443-88C4-5228C41B41C9}"/>
+                  <a16:creationId xmlns:a16="http://schemas.microsoft.com/office/drawing/2014/main" id="{8A5F0829-F091-2C42-AD52-3EA6B230706A}"/>
                 </a:ext>
               </a:extLst>
             </p:cNvPr>
@@ -27847,8 +28121,8 @@
           </p:nvSpPr>
           <p:spPr bwMode="auto">
             <a:xfrm>
-              <a:off x="3651945" y="1935759"/>
-              <a:ext cx="728918" cy="0"/>
+              <a:off x="5275304" y="2887078"/>
+              <a:ext cx="726513" cy="0"/>
             </a:xfrm>
             <a:prstGeom prst="line">
               <a:avLst/>
@@ -27876,10 +28150,10 @@
         </p:sp>
         <p:sp>
           <p:nvSpPr>
-            <p:cNvPr id="134" name="Text Box 8">
+            <p:cNvPr id="197" name="Text Box 8">
               <a:extLst>
                 <a:ext uri="{FF2B5EF4-FFF2-40B4-BE49-F238E27FC236}">
-                  <a16:creationId xmlns:a16="http://schemas.microsoft.com/office/drawing/2014/main" id="{21C0EA28-4DF2-0D4F-8881-F54F52304AC8}"/>
+                  <a16:creationId xmlns:a16="http://schemas.microsoft.com/office/drawing/2014/main" id="{45400D39-EDBC-674F-9BD1-AEC45A2B9FAE}"/>
                 </a:ext>
               </a:extLst>
             </p:cNvPr>
@@ -27890,7 +28164,7 @@
           </p:nvSpPr>
           <p:spPr bwMode="auto">
             <a:xfrm>
-              <a:off x="3872736" y="1685424"/>
+              <a:off x="5513007" y="2645957"/>
               <a:ext cx="227626" cy="215444"/>
             </a:xfrm>
             <a:prstGeom prst="rect">
@@ -27923,17 +28197,17 @@
                   </a:solidFill>
                   <a:latin typeface="+mn-lt"/>
                 </a:rPr>
-                <a:t>10</a:t>
+                <a:t>18</a:t>
               </a:r>
             </a:p>
           </p:txBody>
         </p:sp>
         <p:sp>
           <p:nvSpPr>
-            <p:cNvPr id="107" name="Text Box 94">
+            <p:cNvPr id="199" name="Text Box 94">
               <a:extLst>
                 <a:ext uri="{FF2B5EF4-FFF2-40B4-BE49-F238E27FC236}">
-                  <a16:creationId xmlns:a16="http://schemas.microsoft.com/office/drawing/2014/main" id="{2247E9F5-64C4-984F-B4A3-A19FDC24FA1B}"/>
+                  <a16:creationId xmlns:a16="http://schemas.microsoft.com/office/drawing/2014/main" id="{35160AD7-5580-A74F-80D8-634F765AB5E4}"/>
                 </a:ext>
               </a:extLst>
             </p:cNvPr>
@@ -27944,8 +28218,8 @@
           </p:nvSpPr>
           <p:spPr bwMode="auto">
             <a:xfrm>
-              <a:off x="3544544" y="1649310"/>
-              <a:ext cx="107401" cy="183127"/>
+              <a:off x="5163094" y="2600629"/>
+              <a:ext cx="112210" cy="183127"/>
             </a:xfrm>
             <a:prstGeom prst="rect">
               <a:avLst/>
@@ -27980,17 +28254,17 @@
                   </a:solidFill>
                   <a:latin typeface="+mn-lt"/>
                 </a:rPr>
-                <a:t>a</a:t>
+                <a:t>d</a:t>
               </a:r>
             </a:p>
           </p:txBody>
         </p:sp>
         <p:sp>
           <p:nvSpPr>
-            <p:cNvPr id="168" name="Text Box 9">
+            <p:cNvPr id="200" name="Text Box 9">
               <a:extLst>
                 <a:ext uri="{FF2B5EF4-FFF2-40B4-BE49-F238E27FC236}">
-                  <a16:creationId xmlns:a16="http://schemas.microsoft.com/office/drawing/2014/main" id="{ECD8C56A-D1E8-654B-BF75-F87BE51C27AA}"/>
+                  <a16:creationId xmlns:a16="http://schemas.microsoft.com/office/drawing/2014/main" id="{E33F52CA-0213-2349-BBA4-7E993837DE8F}"/>
                 </a:ext>
               </a:extLst>
             </p:cNvPr>
@@ -28001,8 +28275,8 @@
           </p:nvSpPr>
           <p:spPr bwMode="auto">
             <a:xfrm>
-              <a:off x="3814613" y="1964333"/>
-              <a:ext cx="407164" cy="215444"/>
+              <a:off x="5397735" y="2896480"/>
+              <a:ext cx="520976" cy="215444"/>
             </a:xfrm>
             <a:prstGeom prst="rect">
               <a:avLst/>
@@ -28034,336 +28308,571 @@
                   </a:solidFill>
                   <a:latin typeface="+mn-lt"/>
                 </a:rPr>
-                <a:t>15,5</a:t>
+                <a:t>22,13</a:t>
               </a:r>
             </a:p>
           </p:txBody>
         </p:sp>
-      </p:grpSp>
-      <p:sp>
-        <p:nvSpPr>
-          <p:cNvPr id="194" name="Oval 4">
-            <a:extLst>
-              <a:ext uri="{FF2B5EF4-FFF2-40B4-BE49-F238E27FC236}">
-                <a16:creationId xmlns:a16="http://schemas.microsoft.com/office/drawing/2014/main" id="{4A393132-2D46-524D-BB83-72CDBE010F73}"/>
-              </a:ext>
-            </a:extLst>
-          </p:cNvPr>
-          <p:cNvSpPr>
-            <a:spLocks noChangeArrowheads="1"/>
-          </p:cNvSpPr>
-          <p:nvPr/>
-        </p:nvSpPr>
-        <p:spPr bwMode="auto">
-          <a:xfrm>
-            <a:off x="5273139" y="2582278"/>
-            <a:ext cx="728678" cy="609600"/>
-          </a:xfrm>
-          <a:prstGeom prst="ellipse">
-            <a:avLst/>
-          </a:prstGeom>
-          <a:solidFill>
-            <a:srgbClr val="CCFFFF"/>
-          </a:solidFill>
-          <a:ln w="12700">
-            <a:solidFill>
-              <a:schemeClr val="tx1"/>
-            </a:solidFill>
-            <a:round/>
-            <a:headEnd type="none" w="sm" len="sm"/>
-            <a:tailEnd type="none" w="sm" len="sm"/>
-          </a:ln>
-          <a:effectLst/>
-        </p:spPr>
-        <p:txBody>
-          <a:bodyPr wrap="none" anchor="ctr"/>
-          <a:lstStyle/>
-          <a:p>
-            <a:endParaRPr lang="en-US" sz="1400">
-              <a:latin typeface="+mn-lt"/>
-            </a:endParaRPr>
-          </a:p>
-        </p:txBody>
-      </p:sp>
-      <p:sp>
-        <p:nvSpPr>
-          <p:cNvPr id="195" name="Line 5">
-            <a:extLst>
-              <a:ext uri="{FF2B5EF4-FFF2-40B4-BE49-F238E27FC236}">
-                <a16:creationId xmlns:a16="http://schemas.microsoft.com/office/drawing/2014/main" id="{8A5F0829-F091-2C42-AD52-3EA6B230706A}"/>
-              </a:ext>
-            </a:extLst>
-          </p:cNvPr>
-          <p:cNvSpPr>
-            <a:spLocks noChangeShapeType="1"/>
-          </p:cNvSpPr>
-          <p:nvPr/>
-        </p:nvSpPr>
-        <p:spPr bwMode="auto">
-          <a:xfrm>
-            <a:off x="5275304" y="2887078"/>
-            <a:ext cx="726513" cy="0"/>
-          </a:xfrm>
-          <a:prstGeom prst="line">
-            <a:avLst/>
-          </a:prstGeom>
-          <a:noFill/>
-          <a:ln w="12700">
-            <a:solidFill>
-              <a:schemeClr val="tx1"/>
-            </a:solidFill>
-            <a:round/>
-            <a:headEnd type="none" w="sm" len="sm"/>
-            <a:tailEnd type="none" w="sm" len="sm"/>
-          </a:ln>
-          <a:effectLst/>
-        </p:spPr>
-        <p:txBody>
-          <a:bodyPr/>
-          <a:lstStyle/>
-          <a:p>
-            <a:endParaRPr lang="en-US" sz="1400">
-              <a:latin typeface="+mn-lt"/>
-            </a:endParaRPr>
-          </a:p>
-        </p:txBody>
-      </p:sp>
-      <p:sp>
-        <p:nvSpPr>
-          <p:cNvPr id="197" name="Text Box 8">
-            <a:extLst>
-              <a:ext uri="{FF2B5EF4-FFF2-40B4-BE49-F238E27FC236}">
-                <a16:creationId xmlns:a16="http://schemas.microsoft.com/office/drawing/2014/main" id="{45400D39-EDBC-674F-9BD1-AEC45A2B9FAE}"/>
-              </a:ext>
-            </a:extLst>
-          </p:cNvPr>
-          <p:cNvSpPr txBox="1">
-            <a:spLocks noChangeArrowheads="1"/>
-          </p:cNvSpPr>
-          <p:nvPr/>
-        </p:nvSpPr>
-        <p:spPr bwMode="auto">
-          <a:xfrm>
-            <a:off x="5513007" y="2645957"/>
-            <a:ext cx="227626" cy="215444"/>
-          </a:xfrm>
-          <a:prstGeom prst="rect">
-            <a:avLst/>
-          </a:prstGeom>
-          <a:noFill/>
-          <a:ln w="12700">
-            <a:noFill/>
-            <a:miter lim="800000"/>
-            <a:headEnd type="none" w="sm" len="sm"/>
-            <a:tailEnd type="none" w="sm" len="sm"/>
-          </a:ln>
-          <a:effectLst/>
-        </p:spPr>
-        <p:txBody>
-          <a:bodyPr wrap="none" lIns="0" tIns="0" rIns="0" bIns="0">
-            <a:spAutoFit/>
-          </a:bodyPr>
-          <a:lstStyle/>
-          <a:p>
-            <a:pPr algn="ctr">
-              <a:spcBef>
-                <a:spcPct val="50000"/>
-              </a:spcBef>
-            </a:pPr>
-            <a:r>
-              <a:rPr lang="en-US" sz="1400" dirty="0">
+        <p:grpSp>
+          <p:nvGrpSpPr>
+            <p:cNvPr id="201" name="Group 200">
+              <a:extLst>
+                <a:ext uri="{FF2B5EF4-FFF2-40B4-BE49-F238E27FC236}">
+                  <a16:creationId xmlns:a16="http://schemas.microsoft.com/office/drawing/2014/main" id="{EC10A256-53D0-B644-9CD8-3B65E1C6383E}"/>
+                </a:ext>
+              </a:extLst>
+            </p:cNvPr>
+            <p:cNvGrpSpPr/>
+            <p:nvPr/>
+          </p:nvGrpSpPr>
+          <p:grpSpPr>
+            <a:xfrm>
+              <a:off x="1241012" y="3500701"/>
+              <a:ext cx="807466" cy="609600"/>
+              <a:chOff x="3573397" y="1630959"/>
+              <a:chExt cx="807466" cy="609600"/>
+            </a:xfrm>
+          </p:grpSpPr>
+          <p:sp>
+            <p:nvSpPr>
+              <p:cNvPr id="202" name="Oval 4">
+                <a:extLst>
+                  <a:ext uri="{FF2B5EF4-FFF2-40B4-BE49-F238E27FC236}">
+                    <a16:creationId xmlns:a16="http://schemas.microsoft.com/office/drawing/2014/main" id="{5A8D43BA-FCA0-AD42-B32F-58DB90B82588}"/>
+                  </a:ext>
+                </a:extLst>
+              </p:cNvPr>
+              <p:cNvSpPr>
+                <a:spLocks noChangeArrowheads="1"/>
+              </p:cNvSpPr>
+              <p:nvPr/>
+            </p:nvSpPr>
+            <p:spPr bwMode="auto">
+              <a:xfrm>
+                <a:off x="3652185" y="1630959"/>
+                <a:ext cx="728678" cy="609600"/>
+              </a:xfrm>
+              <a:prstGeom prst="ellipse">
+                <a:avLst/>
+              </a:prstGeom>
+              <a:solidFill>
+                <a:srgbClr val="CCFFFF"/>
+              </a:solidFill>
+              <a:ln w="12700">
                 <a:solidFill>
                   <a:schemeClr val="tx1"/>
                 </a:solidFill>
-                <a:latin typeface="+mn-lt"/>
-              </a:rPr>
-              <a:t>18</a:t>
-            </a:r>
-          </a:p>
-        </p:txBody>
-      </p:sp>
-      <p:sp>
-        <p:nvSpPr>
-          <p:cNvPr id="199" name="Text Box 94">
-            <a:extLst>
-              <a:ext uri="{FF2B5EF4-FFF2-40B4-BE49-F238E27FC236}">
-                <a16:creationId xmlns:a16="http://schemas.microsoft.com/office/drawing/2014/main" id="{35160AD7-5580-A74F-80D8-634F765AB5E4}"/>
-              </a:ext>
-            </a:extLst>
-          </p:cNvPr>
-          <p:cNvSpPr txBox="1">
-            <a:spLocks noChangeArrowheads="1"/>
-          </p:cNvSpPr>
-          <p:nvPr/>
-        </p:nvSpPr>
-        <p:spPr bwMode="auto">
-          <a:xfrm>
-            <a:off x="5163094" y="2600629"/>
-            <a:ext cx="112210" cy="183127"/>
-          </a:xfrm>
-          <a:prstGeom prst="rect">
-            <a:avLst/>
-          </a:prstGeom>
-          <a:noFill/>
-          <a:ln w="12700">
-            <a:noFill/>
-            <a:miter lim="800000"/>
-            <a:headEnd type="none" w="sm" len="sm"/>
-            <a:tailEnd type="none" w="sm" len="sm"/>
-          </a:ln>
-          <a:effectLst/>
-        </p:spPr>
-        <p:txBody>
-          <a:bodyPr wrap="none" lIns="0" tIns="0" rIns="0" bIns="0">
-            <a:spAutoFit/>
-          </a:bodyPr>
-          <a:lstStyle/>
-          <a:p>
-            <a:pPr algn="ctr">
-              <a:lnSpc>
-                <a:spcPct val="85000"/>
-              </a:lnSpc>
-              <a:spcBef>
-                <a:spcPct val="50000"/>
-              </a:spcBef>
-            </a:pPr>
-            <a:r>
-              <a:rPr lang="en-US" sz="1400" i="1" dirty="0">
+                <a:round/>
+                <a:headEnd type="none" w="sm" len="sm"/>
+                <a:tailEnd type="none" w="sm" len="sm"/>
+              </a:ln>
+              <a:effectLst/>
+            </p:spPr>
+            <p:txBody>
+              <a:bodyPr wrap="none" anchor="ctr"/>
+              <a:lstStyle/>
+              <a:p>
+                <a:endParaRPr lang="en-US" sz="1400">
+                  <a:latin typeface="+mn-lt"/>
+                </a:endParaRPr>
+              </a:p>
+            </p:txBody>
+          </p:sp>
+          <p:sp>
+            <p:nvSpPr>
+              <p:cNvPr id="203" name="Line 5">
+                <a:extLst>
+                  <a:ext uri="{FF2B5EF4-FFF2-40B4-BE49-F238E27FC236}">
+                    <a16:creationId xmlns:a16="http://schemas.microsoft.com/office/drawing/2014/main" id="{F7DB695A-D04D-8B48-8DEE-878089884197}"/>
+                  </a:ext>
+                </a:extLst>
+              </p:cNvPr>
+              <p:cNvSpPr>
+                <a:spLocks noChangeShapeType="1"/>
+              </p:cNvSpPr>
+              <p:nvPr/>
+            </p:nvSpPr>
+            <p:spPr bwMode="auto">
+              <a:xfrm>
+                <a:off x="3652185" y="1935759"/>
+                <a:ext cx="728678" cy="0"/>
+              </a:xfrm>
+              <a:prstGeom prst="line">
+                <a:avLst/>
+              </a:prstGeom>
+              <a:noFill/>
+              <a:ln w="12700">
                 <a:solidFill>
                   <a:schemeClr val="tx1"/>
                 </a:solidFill>
-                <a:latin typeface="+mn-lt"/>
-              </a:rPr>
-              <a:t>d</a:t>
-            </a:r>
-          </a:p>
-        </p:txBody>
-      </p:sp>
-      <p:sp>
-        <p:nvSpPr>
-          <p:cNvPr id="200" name="Text Box 9">
-            <a:extLst>
-              <a:ext uri="{FF2B5EF4-FFF2-40B4-BE49-F238E27FC236}">
-                <a16:creationId xmlns:a16="http://schemas.microsoft.com/office/drawing/2014/main" id="{E33F52CA-0213-2349-BBA4-7E993837DE8F}"/>
-              </a:ext>
-            </a:extLst>
-          </p:cNvPr>
-          <p:cNvSpPr txBox="1">
-            <a:spLocks noChangeArrowheads="1"/>
-          </p:cNvSpPr>
-          <p:nvPr/>
-        </p:nvSpPr>
-        <p:spPr bwMode="auto">
-          <a:xfrm>
-            <a:off x="5397735" y="2896480"/>
-            <a:ext cx="520976" cy="215444"/>
-          </a:xfrm>
-          <a:prstGeom prst="rect">
-            <a:avLst/>
-          </a:prstGeom>
-          <a:noFill/>
-          <a:ln w="12700">
-            <a:noFill/>
-            <a:miter lim="800000"/>
-            <a:headEnd type="none" w="sm" len="sm"/>
-            <a:tailEnd type="none" w="sm" len="sm"/>
-          </a:ln>
-          <a:effectLst/>
-        </p:spPr>
-        <p:txBody>
-          <a:bodyPr wrap="none" lIns="0" tIns="0" rIns="0" bIns="0">
-            <a:spAutoFit/>
-          </a:bodyPr>
-          <a:lstStyle/>
-          <a:p>
-            <a:pPr algn="ctr">
-              <a:spcBef>
-                <a:spcPct val="50000"/>
-              </a:spcBef>
-            </a:pPr>
-            <a:r>
-              <a:rPr lang="en-US" sz="1400" dirty="0">
+                <a:round/>
+                <a:headEnd type="none" w="sm" len="sm"/>
+                <a:tailEnd type="none" w="sm" len="sm"/>
+              </a:ln>
+              <a:effectLst/>
+            </p:spPr>
+            <p:txBody>
+              <a:bodyPr/>
+              <a:lstStyle/>
+              <a:p>
+                <a:endParaRPr lang="en-US" sz="1400">
+                  <a:latin typeface="+mn-lt"/>
+                </a:endParaRPr>
+              </a:p>
+            </p:txBody>
+          </p:sp>
+          <p:sp>
+            <p:nvSpPr>
+              <p:cNvPr id="205" name="Text Box 8">
+                <a:extLst>
+                  <a:ext uri="{FF2B5EF4-FFF2-40B4-BE49-F238E27FC236}">
+                    <a16:creationId xmlns:a16="http://schemas.microsoft.com/office/drawing/2014/main" id="{D1A24F8D-B42C-B648-823D-B850478CE9D7}"/>
+                  </a:ext>
+                </a:extLst>
+              </p:cNvPr>
+              <p:cNvSpPr txBox="1">
+                <a:spLocks noChangeArrowheads="1"/>
+              </p:cNvSpPr>
+              <p:nvPr/>
+            </p:nvSpPr>
+            <p:spPr bwMode="auto">
+              <a:xfrm>
+                <a:off x="3918873" y="1672254"/>
+                <a:ext cx="113813" cy="215444"/>
+              </a:xfrm>
+              <a:prstGeom prst="rect">
+                <a:avLst/>
+              </a:prstGeom>
+              <a:noFill/>
+              <a:ln w="12700">
+                <a:noFill/>
+                <a:miter lim="800000"/>
+                <a:headEnd type="none" w="sm" len="sm"/>
+                <a:tailEnd type="none" w="sm" len="sm"/>
+              </a:ln>
+              <a:effectLst/>
+            </p:spPr>
+            <p:txBody>
+              <a:bodyPr wrap="none" lIns="0" tIns="0" rIns="0" bIns="0">
+                <a:spAutoFit/>
+              </a:bodyPr>
+              <a:lstStyle/>
+              <a:p>
+                <a:pPr algn="ctr">
+                  <a:spcBef>
+                    <a:spcPct val="50000"/>
+                  </a:spcBef>
+                </a:pPr>
+                <a:r>
+                  <a:rPr lang="en-US" sz="1400" dirty="0">
+                    <a:solidFill>
+                      <a:schemeClr val="tx1"/>
+                    </a:solidFill>
+                    <a:latin typeface="+mn-lt"/>
+                  </a:rPr>
+                  <a:t>1</a:t>
+                </a:r>
+              </a:p>
+            </p:txBody>
+          </p:sp>
+          <p:sp>
+            <p:nvSpPr>
+              <p:cNvPr id="207" name="Text Box 94">
+                <a:extLst>
+                  <a:ext uri="{FF2B5EF4-FFF2-40B4-BE49-F238E27FC236}">
+                    <a16:creationId xmlns:a16="http://schemas.microsoft.com/office/drawing/2014/main" id="{D91AC662-0169-8A46-9C12-B53DDB8E3C0E}"/>
+                  </a:ext>
+                </a:extLst>
+              </p:cNvPr>
+              <p:cNvSpPr txBox="1">
+                <a:spLocks noChangeArrowheads="1"/>
+              </p:cNvSpPr>
+              <p:nvPr/>
+            </p:nvSpPr>
+            <p:spPr bwMode="auto">
+              <a:xfrm>
+                <a:off x="3573397" y="1649310"/>
+                <a:ext cx="49694" cy="183127"/>
+              </a:xfrm>
+              <a:prstGeom prst="rect">
+                <a:avLst/>
+              </a:prstGeom>
+              <a:noFill/>
+              <a:ln w="12700">
+                <a:noFill/>
+                <a:miter lim="800000"/>
+                <a:headEnd type="none" w="sm" len="sm"/>
+                <a:tailEnd type="none" w="sm" len="sm"/>
+              </a:ln>
+              <a:effectLst/>
+            </p:spPr>
+            <p:txBody>
+              <a:bodyPr wrap="none" lIns="0" tIns="0" rIns="0" bIns="0">
+                <a:spAutoFit/>
+              </a:bodyPr>
+              <a:lstStyle/>
+              <a:p>
+                <a:pPr algn="ctr">
+                  <a:lnSpc>
+                    <a:spcPct val="85000"/>
+                  </a:lnSpc>
+                  <a:spcBef>
+                    <a:spcPct val="50000"/>
+                  </a:spcBef>
+                </a:pPr>
+                <a:r>
+                  <a:rPr lang="en-US" sz="1400" i="1" dirty="0" err="1">
+                    <a:solidFill>
+                      <a:schemeClr val="tx1"/>
+                    </a:solidFill>
+                    <a:latin typeface="+mn-lt"/>
+                  </a:rPr>
+                  <a:t>i</a:t>
+                </a:r>
+                <a:endParaRPr lang="en-US" sz="1400" i="1" dirty="0">
+                  <a:solidFill>
+                    <a:schemeClr val="tx1"/>
+                  </a:solidFill>
+                  <a:latin typeface="+mn-lt"/>
+                </a:endParaRPr>
+              </a:p>
+            </p:txBody>
+          </p:sp>
+          <p:sp>
+            <p:nvSpPr>
+              <p:cNvPr id="208" name="Text Box 9">
+                <a:extLst>
+                  <a:ext uri="{FF2B5EF4-FFF2-40B4-BE49-F238E27FC236}">
+                    <a16:creationId xmlns:a16="http://schemas.microsoft.com/office/drawing/2014/main" id="{EB1A8252-D2A3-BC40-AD74-E25AE474AF5A}"/>
+                  </a:ext>
+                </a:extLst>
+              </p:cNvPr>
+              <p:cNvSpPr txBox="1">
+                <a:spLocks noChangeArrowheads="1"/>
+              </p:cNvSpPr>
+              <p:nvPr/>
+            </p:nvSpPr>
+            <p:spPr bwMode="auto">
+              <a:xfrm>
+                <a:off x="3846593" y="1961646"/>
+                <a:ext cx="293350" cy="215444"/>
+              </a:xfrm>
+              <a:prstGeom prst="rect">
+                <a:avLst/>
+              </a:prstGeom>
+              <a:noFill/>
+              <a:ln w="12700">
+                <a:noFill/>
+                <a:miter lim="800000"/>
+                <a:headEnd type="none" w="sm" len="sm"/>
+                <a:tailEnd type="none" w="sm" len="sm"/>
+              </a:ln>
+              <a:effectLst/>
+            </p:spPr>
+            <p:txBody>
+              <a:bodyPr wrap="none" lIns="0" tIns="0" rIns="0" bIns="0">
+                <a:spAutoFit/>
+              </a:bodyPr>
+              <a:lstStyle/>
+              <a:p>
+                <a:pPr algn="ctr">
+                  <a:spcBef>
+                    <a:spcPct val="50000"/>
+                  </a:spcBef>
+                </a:pPr>
+                <a:r>
+                  <a:rPr lang="en-US" sz="1400" dirty="0">
+                    <a:solidFill>
+                      <a:schemeClr val="tx1"/>
+                    </a:solidFill>
+                    <a:latin typeface="+mn-lt"/>
+                  </a:rPr>
+                  <a:t>9,6</a:t>
+                </a:r>
+              </a:p>
+            </p:txBody>
+          </p:sp>
+        </p:grpSp>
+        <p:grpSp>
+          <p:nvGrpSpPr>
+            <p:cNvPr id="209" name="Group 208">
+              <a:extLst>
+                <a:ext uri="{FF2B5EF4-FFF2-40B4-BE49-F238E27FC236}">
+                  <a16:creationId xmlns:a16="http://schemas.microsoft.com/office/drawing/2014/main" id="{03D9446D-BD70-7E46-86CA-C521B061CB04}"/>
+                </a:ext>
+              </a:extLst>
+            </p:cNvPr>
+            <p:cNvGrpSpPr/>
+            <p:nvPr/>
+          </p:nvGrpSpPr>
+          <p:grpSpPr>
+            <a:xfrm>
+              <a:off x="1790256" y="2530944"/>
+              <a:ext cx="838723" cy="609600"/>
+              <a:chOff x="3542140" y="1630959"/>
+              <a:chExt cx="838723" cy="609600"/>
+            </a:xfrm>
+          </p:grpSpPr>
+          <p:sp>
+            <p:nvSpPr>
+              <p:cNvPr id="210" name="Oval 4">
+                <a:extLst>
+                  <a:ext uri="{FF2B5EF4-FFF2-40B4-BE49-F238E27FC236}">
+                    <a16:creationId xmlns:a16="http://schemas.microsoft.com/office/drawing/2014/main" id="{9BB36543-AC9E-EF4B-9F50-C9D6A607A79D}"/>
+                  </a:ext>
+                </a:extLst>
+              </p:cNvPr>
+              <p:cNvSpPr>
+                <a:spLocks noChangeArrowheads="1"/>
+              </p:cNvSpPr>
+              <p:nvPr/>
+            </p:nvSpPr>
+            <p:spPr bwMode="auto">
+              <a:xfrm>
+                <a:off x="3652185" y="1630959"/>
+                <a:ext cx="728678" cy="609600"/>
+              </a:xfrm>
+              <a:prstGeom prst="ellipse">
+                <a:avLst/>
+              </a:prstGeom>
+              <a:solidFill>
+                <a:srgbClr val="CCFFFF"/>
+              </a:solidFill>
+              <a:ln w="12700">
                 <a:solidFill>
                   <a:schemeClr val="tx1"/>
                 </a:solidFill>
-                <a:latin typeface="+mn-lt"/>
-              </a:rPr>
-              <a:t>22,13</a:t>
-            </a:r>
-          </a:p>
-        </p:txBody>
-      </p:sp>
-      <p:grpSp>
-        <p:nvGrpSpPr>
-          <p:cNvPr id="201" name="Group 200">
-            <a:extLst>
-              <a:ext uri="{FF2B5EF4-FFF2-40B4-BE49-F238E27FC236}">
-                <a16:creationId xmlns:a16="http://schemas.microsoft.com/office/drawing/2014/main" id="{EC10A256-53D0-B644-9CD8-3B65E1C6383E}"/>
-              </a:ext>
-            </a:extLst>
-          </p:cNvPr>
-          <p:cNvGrpSpPr/>
-          <p:nvPr/>
-        </p:nvGrpSpPr>
-        <p:grpSpPr>
-          <a:xfrm>
-            <a:off x="1241012" y="3500701"/>
-            <a:ext cx="807466" cy="609600"/>
-            <a:chOff x="3573397" y="1630959"/>
-            <a:chExt cx="807466" cy="609600"/>
-          </a:xfrm>
-        </p:grpSpPr>
-        <p:sp>
-          <p:nvSpPr>
-            <p:cNvPr id="202" name="Oval 4">
+                <a:round/>
+                <a:headEnd type="none" w="sm" len="sm"/>
+                <a:tailEnd type="none" w="sm" len="sm"/>
+              </a:ln>
+              <a:effectLst/>
+            </p:spPr>
+            <p:txBody>
+              <a:bodyPr wrap="none" anchor="ctr"/>
+              <a:lstStyle/>
+              <a:p>
+                <a:endParaRPr lang="en-US" sz="1400">
+                  <a:latin typeface="+mn-lt"/>
+                </a:endParaRPr>
+              </a:p>
+            </p:txBody>
+          </p:sp>
+          <p:sp>
+            <p:nvSpPr>
+              <p:cNvPr id="211" name="Line 5">
+                <a:extLst>
+                  <a:ext uri="{FF2B5EF4-FFF2-40B4-BE49-F238E27FC236}">
+                    <a16:creationId xmlns:a16="http://schemas.microsoft.com/office/drawing/2014/main" id="{B13F9580-F1A3-D04B-B3FA-93FDDB57A77E}"/>
+                  </a:ext>
+                </a:extLst>
+              </p:cNvPr>
+              <p:cNvSpPr>
+                <a:spLocks noChangeShapeType="1"/>
+              </p:cNvSpPr>
+              <p:nvPr/>
+            </p:nvSpPr>
+            <p:spPr bwMode="auto">
+              <a:xfrm>
+                <a:off x="3652185" y="1935759"/>
+                <a:ext cx="728678" cy="0"/>
+              </a:xfrm>
+              <a:prstGeom prst="line">
+                <a:avLst/>
+              </a:prstGeom>
+              <a:noFill/>
+              <a:ln w="12700">
+                <a:solidFill>
+                  <a:schemeClr val="tx1"/>
+                </a:solidFill>
+                <a:round/>
+                <a:headEnd type="none" w="sm" len="sm"/>
+                <a:tailEnd type="none" w="sm" len="sm"/>
+              </a:ln>
+              <a:effectLst/>
+            </p:spPr>
+            <p:txBody>
+              <a:bodyPr/>
+              <a:lstStyle/>
+              <a:p>
+                <a:endParaRPr lang="en-US" sz="1400">
+                  <a:latin typeface="+mn-lt"/>
+                </a:endParaRPr>
+              </a:p>
+            </p:txBody>
+          </p:sp>
+          <p:sp>
+            <p:nvSpPr>
+              <p:cNvPr id="213" name="Text Box 8">
+                <a:extLst>
+                  <a:ext uri="{FF2B5EF4-FFF2-40B4-BE49-F238E27FC236}">
+                    <a16:creationId xmlns:a16="http://schemas.microsoft.com/office/drawing/2014/main" id="{9A7AE8A8-5614-BB48-9F90-DEB955D48AAB}"/>
+                  </a:ext>
+                </a:extLst>
+              </p:cNvPr>
+              <p:cNvSpPr txBox="1">
+                <a:spLocks noChangeArrowheads="1"/>
+              </p:cNvSpPr>
+              <p:nvPr/>
+            </p:nvSpPr>
+            <p:spPr bwMode="auto">
+              <a:xfrm>
+                <a:off x="3909283" y="1682293"/>
+                <a:ext cx="113813" cy="215444"/>
+              </a:xfrm>
+              <a:prstGeom prst="rect">
+                <a:avLst/>
+              </a:prstGeom>
+              <a:noFill/>
+              <a:ln w="12700">
+                <a:noFill/>
+                <a:miter lim="800000"/>
+                <a:headEnd type="none" w="sm" len="sm"/>
+                <a:tailEnd type="none" w="sm" len="sm"/>
+              </a:ln>
+              <a:effectLst/>
+            </p:spPr>
+            <p:txBody>
+              <a:bodyPr wrap="none" lIns="0" tIns="0" rIns="0" bIns="0">
+                <a:spAutoFit/>
+              </a:bodyPr>
+              <a:lstStyle/>
+              <a:p>
+                <a:pPr algn="ctr">
+                  <a:spcBef>
+                    <a:spcPct val="50000"/>
+                  </a:spcBef>
+                </a:pPr>
+                <a:r>
+                  <a:rPr lang="en-US" sz="1400" dirty="0">
+                    <a:solidFill>
+                      <a:schemeClr val="tx1"/>
+                    </a:solidFill>
+                    <a:latin typeface="+mn-lt"/>
+                  </a:rPr>
+                  <a:t>4</a:t>
+                </a:r>
+              </a:p>
+            </p:txBody>
+          </p:sp>
+          <p:sp>
+            <p:nvSpPr>
+              <p:cNvPr id="215" name="Text Box 94">
+                <a:extLst>
+                  <a:ext uri="{FF2B5EF4-FFF2-40B4-BE49-F238E27FC236}">
+                    <a16:creationId xmlns:a16="http://schemas.microsoft.com/office/drawing/2014/main" id="{0A9F1915-7F45-6C42-A23E-D67FE5EDCCEB}"/>
+                  </a:ext>
+                </a:extLst>
+              </p:cNvPr>
+              <p:cNvSpPr txBox="1">
+                <a:spLocks noChangeArrowheads="1"/>
+              </p:cNvSpPr>
+              <p:nvPr/>
+            </p:nvSpPr>
+            <p:spPr bwMode="auto">
+              <a:xfrm>
+                <a:off x="3542140" y="1649310"/>
+                <a:ext cx="112210" cy="183127"/>
+              </a:xfrm>
+              <a:prstGeom prst="rect">
+                <a:avLst/>
+              </a:prstGeom>
+              <a:noFill/>
+              <a:ln w="12700">
+                <a:noFill/>
+                <a:miter lim="800000"/>
+                <a:headEnd type="none" w="sm" len="sm"/>
+                <a:tailEnd type="none" w="sm" len="sm"/>
+              </a:ln>
+              <a:effectLst/>
+            </p:spPr>
+            <p:txBody>
+              <a:bodyPr wrap="none" lIns="0" tIns="0" rIns="0" bIns="0">
+                <a:spAutoFit/>
+              </a:bodyPr>
+              <a:lstStyle/>
+              <a:p>
+                <a:pPr algn="ctr">
+                  <a:lnSpc>
+                    <a:spcPct val="85000"/>
+                  </a:lnSpc>
+                  <a:spcBef>
+                    <a:spcPct val="50000"/>
+                  </a:spcBef>
+                </a:pPr>
+                <a:r>
+                  <a:rPr lang="en-US" sz="1400" i="1" dirty="0">
+                    <a:solidFill>
+                      <a:schemeClr val="tx1"/>
+                    </a:solidFill>
+                    <a:latin typeface="+mn-lt"/>
+                  </a:rPr>
+                  <a:t>b</a:t>
+                </a:r>
+              </a:p>
+            </p:txBody>
+          </p:sp>
+          <p:sp>
+            <p:nvSpPr>
+              <p:cNvPr id="216" name="Text Box 9">
+                <a:extLst>
+                  <a:ext uri="{FF2B5EF4-FFF2-40B4-BE49-F238E27FC236}">
+                    <a16:creationId xmlns:a16="http://schemas.microsoft.com/office/drawing/2014/main" id="{6C754022-68B4-F44F-9454-CEBDE34C1A7E}"/>
+                  </a:ext>
+                </a:extLst>
+              </p:cNvPr>
+              <p:cNvSpPr txBox="1">
+                <a:spLocks noChangeArrowheads="1"/>
+              </p:cNvSpPr>
+              <p:nvPr/>
+            </p:nvSpPr>
+            <p:spPr bwMode="auto">
+              <a:xfrm>
+                <a:off x="3832340" y="1955345"/>
+                <a:ext cx="293350" cy="215444"/>
+              </a:xfrm>
+              <a:prstGeom prst="rect">
+                <a:avLst/>
+              </a:prstGeom>
+              <a:noFill/>
+              <a:ln w="12700">
+                <a:noFill/>
+                <a:miter lim="800000"/>
+                <a:headEnd type="none" w="sm" len="sm"/>
+                <a:tailEnd type="none" w="sm" len="sm"/>
+              </a:ln>
+              <a:effectLst/>
+            </p:spPr>
+            <p:txBody>
+              <a:bodyPr wrap="none" lIns="0" tIns="0" rIns="0" bIns="0">
+                <a:spAutoFit/>
+              </a:bodyPr>
+              <a:lstStyle/>
+              <a:p>
+                <a:pPr algn="ctr">
+                  <a:spcBef>
+                    <a:spcPct val="50000"/>
+                  </a:spcBef>
+                </a:pPr>
+                <a:r>
+                  <a:rPr lang="en-US" sz="1400" dirty="0">
+                    <a:solidFill>
+                      <a:schemeClr val="tx1"/>
+                    </a:solidFill>
+                    <a:latin typeface="+mn-lt"/>
+                  </a:rPr>
+                  <a:t>5,5</a:t>
+                </a:r>
+              </a:p>
+            </p:txBody>
+          </p:sp>
+        </p:grpSp>
+        <p:sp>
+          <p:nvSpPr>
+            <p:cNvPr id="108" name="Line 95">
               <a:extLst>
                 <a:ext uri="{FF2B5EF4-FFF2-40B4-BE49-F238E27FC236}">
-                  <a16:creationId xmlns:a16="http://schemas.microsoft.com/office/drawing/2014/main" id="{5A8D43BA-FCA0-AD42-B32F-58DB90B82588}"/>
-                </a:ext>
-              </a:extLst>
-            </p:cNvPr>
-            <p:cNvSpPr>
-              <a:spLocks noChangeArrowheads="1"/>
-            </p:cNvSpPr>
-            <p:nvPr/>
-          </p:nvSpPr>
-          <p:spPr bwMode="auto">
-            <a:xfrm>
-              <a:off x="3652185" y="1630959"/>
-              <a:ext cx="728678" cy="609600"/>
-            </a:xfrm>
-            <a:prstGeom prst="ellipse">
-              <a:avLst/>
-            </a:prstGeom>
-            <a:solidFill>
-              <a:srgbClr val="CCFFFF"/>
-            </a:solidFill>
-            <a:ln w="12700">
-              <a:solidFill>
-                <a:schemeClr val="tx1"/>
-              </a:solidFill>
-              <a:round/>
-              <a:headEnd type="none" w="sm" len="sm"/>
-              <a:tailEnd type="none" w="sm" len="sm"/>
-            </a:ln>
-            <a:effectLst/>
-          </p:spPr>
-          <p:txBody>
-            <a:bodyPr wrap="none" anchor="ctr"/>
-            <a:lstStyle/>
-            <a:p>
-              <a:endParaRPr lang="en-US" sz="1400">
-                <a:latin typeface="+mn-lt"/>
-              </a:endParaRPr>
-            </a:p>
-          </p:txBody>
-        </p:sp>
-        <p:sp>
-          <p:nvSpPr>
-            <p:cNvPr id="203" name="Line 5">
-              <a:extLst>
-                <a:ext uri="{FF2B5EF4-FFF2-40B4-BE49-F238E27FC236}">
-                  <a16:creationId xmlns:a16="http://schemas.microsoft.com/office/drawing/2014/main" id="{F7DB695A-D04D-8B48-8DEE-878089884197}"/>
+                  <a16:creationId xmlns:a16="http://schemas.microsoft.com/office/drawing/2014/main" id="{AB78CFBF-B736-E042-A20E-3860222E74A1}"/>
                 </a:ext>
               </a:extLst>
             </p:cNvPr>
@@ -28373,9 +28882,9 @@
             <p:nvPr/>
           </p:nvSpPr>
           <p:spPr bwMode="auto">
-            <a:xfrm>
-              <a:off x="3652185" y="1935759"/>
-              <a:ext cx="728678" cy="0"/>
+            <a:xfrm flipH="1" flipV="1">
+              <a:off x="2388578" y="2944724"/>
+              <a:ext cx="381000" cy="0"/>
             </a:xfrm>
             <a:prstGeom prst="line">
               <a:avLst/>
@@ -28387,7 +28896,7 @@
               </a:solidFill>
               <a:round/>
               <a:headEnd type="none" w="sm" len="sm"/>
-              <a:tailEnd type="none" w="sm" len="sm"/>
+              <a:tailEnd type="triangle" w="med" len="med"/>
             </a:ln>
             <a:effectLst/>
           </p:spPr>
@@ -28403,247 +28912,10 @@
         </p:sp>
         <p:sp>
           <p:nvSpPr>
-            <p:cNvPr id="205" name="Text Box 8">
+            <p:cNvPr id="119" name="Line 95">
               <a:extLst>
                 <a:ext uri="{FF2B5EF4-FFF2-40B4-BE49-F238E27FC236}">
-                  <a16:creationId xmlns:a16="http://schemas.microsoft.com/office/drawing/2014/main" id="{D1A24F8D-B42C-B648-823D-B850478CE9D7}"/>
-                </a:ext>
-              </a:extLst>
-            </p:cNvPr>
-            <p:cNvSpPr txBox="1">
-              <a:spLocks noChangeArrowheads="1"/>
-            </p:cNvSpPr>
-            <p:nvPr/>
-          </p:nvSpPr>
-          <p:spPr bwMode="auto">
-            <a:xfrm>
-              <a:off x="3918873" y="1672254"/>
-              <a:ext cx="113813" cy="215444"/>
-            </a:xfrm>
-            <a:prstGeom prst="rect">
-              <a:avLst/>
-            </a:prstGeom>
-            <a:noFill/>
-            <a:ln w="12700">
-              <a:noFill/>
-              <a:miter lim="800000"/>
-              <a:headEnd type="none" w="sm" len="sm"/>
-              <a:tailEnd type="none" w="sm" len="sm"/>
-            </a:ln>
-            <a:effectLst/>
-          </p:spPr>
-          <p:txBody>
-            <a:bodyPr wrap="none" lIns="0" tIns="0" rIns="0" bIns="0">
-              <a:spAutoFit/>
-            </a:bodyPr>
-            <a:lstStyle/>
-            <a:p>
-              <a:pPr algn="ctr">
-                <a:spcBef>
-                  <a:spcPct val="50000"/>
-                </a:spcBef>
-              </a:pPr>
-              <a:r>
-                <a:rPr lang="en-US" sz="1400" dirty="0">
-                  <a:solidFill>
-                    <a:schemeClr val="tx1"/>
-                  </a:solidFill>
-                  <a:latin typeface="+mn-lt"/>
-                </a:rPr>
-                <a:t>1</a:t>
-              </a:r>
-            </a:p>
-          </p:txBody>
-        </p:sp>
-        <p:sp>
-          <p:nvSpPr>
-            <p:cNvPr id="207" name="Text Box 94">
-              <a:extLst>
-                <a:ext uri="{FF2B5EF4-FFF2-40B4-BE49-F238E27FC236}">
-                  <a16:creationId xmlns:a16="http://schemas.microsoft.com/office/drawing/2014/main" id="{D91AC662-0169-8A46-9C12-B53DDB8E3C0E}"/>
-                </a:ext>
-              </a:extLst>
-            </p:cNvPr>
-            <p:cNvSpPr txBox="1">
-              <a:spLocks noChangeArrowheads="1"/>
-            </p:cNvSpPr>
-            <p:nvPr/>
-          </p:nvSpPr>
-          <p:spPr bwMode="auto">
-            <a:xfrm>
-              <a:off x="3573397" y="1649310"/>
-              <a:ext cx="49694" cy="183127"/>
-            </a:xfrm>
-            <a:prstGeom prst="rect">
-              <a:avLst/>
-            </a:prstGeom>
-            <a:noFill/>
-            <a:ln w="12700">
-              <a:noFill/>
-              <a:miter lim="800000"/>
-              <a:headEnd type="none" w="sm" len="sm"/>
-              <a:tailEnd type="none" w="sm" len="sm"/>
-            </a:ln>
-            <a:effectLst/>
-          </p:spPr>
-          <p:txBody>
-            <a:bodyPr wrap="none" lIns="0" tIns="0" rIns="0" bIns="0">
-              <a:spAutoFit/>
-            </a:bodyPr>
-            <a:lstStyle/>
-            <a:p>
-              <a:pPr algn="ctr">
-                <a:lnSpc>
-                  <a:spcPct val="85000"/>
-                </a:lnSpc>
-                <a:spcBef>
-                  <a:spcPct val="50000"/>
-                </a:spcBef>
-              </a:pPr>
-              <a:r>
-                <a:rPr lang="en-US" sz="1400" i="1" dirty="0" err="1">
-                  <a:solidFill>
-                    <a:schemeClr val="tx1"/>
-                  </a:solidFill>
-                  <a:latin typeface="+mn-lt"/>
-                </a:rPr>
-                <a:t>i</a:t>
-              </a:r>
-              <a:endParaRPr lang="en-US" sz="1400" i="1" dirty="0">
-                <a:solidFill>
-                  <a:schemeClr val="tx1"/>
-                </a:solidFill>
-                <a:latin typeface="+mn-lt"/>
-              </a:endParaRPr>
-            </a:p>
-          </p:txBody>
-        </p:sp>
-        <p:sp>
-          <p:nvSpPr>
-            <p:cNvPr id="208" name="Text Box 9">
-              <a:extLst>
-                <a:ext uri="{FF2B5EF4-FFF2-40B4-BE49-F238E27FC236}">
-                  <a16:creationId xmlns:a16="http://schemas.microsoft.com/office/drawing/2014/main" id="{EB1A8252-D2A3-BC40-AD74-E25AE474AF5A}"/>
-                </a:ext>
-              </a:extLst>
-            </p:cNvPr>
-            <p:cNvSpPr txBox="1">
-              <a:spLocks noChangeArrowheads="1"/>
-            </p:cNvSpPr>
-            <p:nvPr/>
-          </p:nvSpPr>
-          <p:spPr bwMode="auto">
-            <a:xfrm>
-              <a:off x="3846593" y="1961646"/>
-              <a:ext cx="293350" cy="215444"/>
-            </a:xfrm>
-            <a:prstGeom prst="rect">
-              <a:avLst/>
-            </a:prstGeom>
-            <a:noFill/>
-            <a:ln w="12700">
-              <a:noFill/>
-              <a:miter lim="800000"/>
-              <a:headEnd type="none" w="sm" len="sm"/>
-              <a:tailEnd type="none" w="sm" len="sm"/>
-            </a:ln>
-            <a:effectLst/>
-          </p:spPr>
-          <p:txBody>
-            <a:bodyPr wrap="none" lIns="0" tIns="0" rIns="0" bIns="0">
-              <a:spAutoFit/>
-            </a:bodyPr>
-            <a:lstStyle/>
-            <a:p>
-              <a:pPr algn="ctr">
-                <a:spcBef>
-                  <a:spcPct val="50000"/>
-                </a:spcBef>
-              </a:pPr>
-              <a:r>
-                <a:rPr lang="en-US" sz="1400" dirty="0">
-                  <a:solidFill>
-                    <a:schemeClr val="tx1"/>
-                  </a:solidFill>
-                  <a:latin typeface="+mn-lt"/>
-                </a:rPr>
-                <a:t>9,6</a:t>
-              </a:r>
-            </a:p>
-          </p:txBody>
-        </p:sp>
-      </p:grpSp>
-      <p:grpSp>
-        <p:nvGrpSpPr>
-          <p:cNvPr id="209" name="Group 208">
-            <a:extLst>
-              <a:ext uri="{FF2B5EF4-FFF2-40B4-BE49-F238E27FC236}">
-                <a16:creationId xmlns:a16="http://schemas.microsoft.com/office/drawing/2014/main" id="{03D9446D-BD70-7E46-86CA-C521B061CB04}"/>
-              </a:ext>
-            </a:extLst>
-          </p:cNvPr>
-          <p:cNvGrpSpPr/>
-          <p:nvPr/>
-        </p:nvGrpSpPr>
-        <p:grpSpPr>
-          <a:xfrm>
-            <a:off x="1790256" y="2530944"/>
-            <a:ext cx="838723" cy="609600"/>
-            <a:chOff x="3542140" y="1630959"/>
-            <a:chExt cx="838723" cy="609600"/>
-          </a:xfrm>
-        </p:grpSpPr>
-        <p:sp>
-          <p:nvSpPr>
-            <p:cNvPr id="210" name="Oval 4">
-              <a:extLst>
-                <a:ext uri="{FF2B5EF4-FFF2-40B4-BE49-F238E27FC236}">
-                  <a16:creationId xmlns:a16="http://schemas.microsoft.com/office/drawing/2014/main" id="{9BB36543-AC9E-EF4B-9F50-C9D6A607A79D}"/>
-                </a:ext>
-              </a:extLst>
-            </p:cNvPr>
-            <p:cNvSpPr>
-              <a:spLocks noChangeArrowheads="1"/>
-            </p:cNvSpPr>
-            <p:nvPr/>
-          </p:nvSpPr>
-          <p:spPr bwMode="auto">
-            <a:xfrm>
-              <a:off x="3652185" y="1630959"/>
-              <a:ext cx="728678" cy="609600"/>
-            </a:xfrm>
-            <a:prstGeom prst="ellipse">
-              <a:avLst/>
-            </a:prstGeom>
-            <a:solidFill>
-              <a:srgbClr val="CCFFFF"/>
-            </a:solidFill>
-            <a:ln w="12700">
-              <a:solidFill>
-                <a:schemeClr val="tx1"/>
-              </a:solidFill>
-              <a:round/>
-              <a:headEnd type="none" w="sm" len="sm"/>
-              <a:tailEnd type="none" w="sm" len="sm"/>
-            </a:ln>
-            <a:effectLst/>
-          </p:spPr>
-          <p:txBody>
-            <a:bodyPr wrap="none" anchor="ctr"/>
-            <a:lstStyle/>
-            <a:p>
-              <a:endParaRPr lang="en-US" sz="1400">
-                <a:latin typeface="+mn-lt"/>
-              </a:endParaRPr>
-            </a:p>
-          </p:txBody>
-        </p:sp>
-        <p:sp>
-          <p:nvSpPr>
-            <p:cNvPr id="211" name="Line 5">
-              <a:extLst>
-                <a:ext uri="{FF2B5EF4-FFF2-40B4-BE49-F238E27FC236}">
-                  <a16:creationId xmlns:a16="http://schemas.microsoft.com/office/drawing/2014/main" id="{B13F9580-F1A3-D04B-B3FA-93FDDB57A77E}"/>
+                  <a16:creationId xmlns:a16="http://schemas.microsoft.com/office/drawing/2014/main" id="{C85D3074-93FD-2641-906E-075CEEB9DDA0}"/>
                 </a:ext>
               </a:extLst>
             </p:cNvPr>
@@ -28653,9 +28925,9 @@
             <p:nvPr/>
           </p:nvSpPr>
           <p:spPr bwMode="auto">
-            <a:xfrm>
-              <a:off x="3652185" y="1935759"/>
-              <a:ext cx="728678" cy="0"/>
+            <a:xfrm flipH="1" flipV="1">
+              <a:off x="2347554" y="2713915"/>
+              <a:ext cx="381000" cy="0"/>
             </a:xfrm>
             <a:prstGeom prst="line">
               <a:avLst/>
@@ -28667,7 +28939,7 @@
               </a:solidFill>
               <a:round/>
               <a:headEnd type="none" w="sm" len="sm"/>
-              <a:tailEnd type="none" w="sm" len="sm"/>
+              <a:tailEnd type="triangle" w="med" len="med"/>
             </a:ln>
             <a:effectLst/>
           </p:spPr>
@@ -28681,1901 +28953,1650 @@
             </a:p>
           </p:txBody>
         </p:sp>
-        <p:sp>
-          <p:nvSpPr>
-            <p:cNvPr id="213" name="Text Box 8">
+        <p:grpSp>
+          <p:nvGrpSpPr>
+            <p:cNvPr id="217" name="Group 216">
               <a:extLst>
                 <a:ext uri="{FF2B5EF4-FFF2-40B4-BE49-F238E27FC236}">
-                  <a16:creationId xmlns:a16="http://schemas.microsoft.com/office/drawing/2014/main" id="{9A7AE8A8-5614-BB48-9F90-DEB955D48AAB}"/>
+                  <a16:creationId xmlns:a16="http://schemas.microsoft.com/office/drawing/2014/main" id="{D73ACF5C-2A71-5846-A043-5D0E06CCF971}"/>
                 </a:ext>
               </a:extLst>
             </p:cNvPr>
-            <p:cNvSpPr txBox="1">
-              <a:spLocks noChangeArrowheads="1"/>
-            </p:cNvSpPr>
-            <p:nvPr/>
-          </p:nvSpPr>
-          <p:spPr bwMode="auto">
+            <p:cNvGrpSpPr/>
+            <p:nvPr/>
+          </p:nvGrpSpPr>
+          <p:grpSpPr>
             <a:xfrm>
-              <a:off x="3909283" y="1682293"/>
-              <a:ext cx="113813" cy="215444"/>
-            </a:xfrm>
-            <a:prstGeom prst="rect">
-              <a:avLst/>
-            </a:prstGeom>
-            <a:noFill/>
-            <a:ln w="12700">
+              <a:off x="2752691" y="3439287"/>
+              <a:ext cx="813877" cy="609600"/>
+              <a:chOff x="3566986" y="1630959"/>
+              <a:chExt cx="813877" cy="609600"/>
+            </a:xfrm>
+          </p:grpSpPr>
+          <p:sp>
+            <p:nvSpPr>
+              <p:cNvPr id="218" name="Oval 4">
+                <a:extLst>
+                  <a:ext uri="{FF2B5EF4-FFF2-40B4-BE49-F238E27FC236}">
+                    <a16:creationId xmlns:a16="http://schemas.microsoft.com/office/drawing/2014/main" id="{68521836-B21A-EE49-956D-5A9347BF200A}"/>
+                  </a:ext>
+                </a:extLst>
+              </p:cNvPr>
+              <p:cNvSpPr>
+                <a:spLocks noChangeArrowheads="1"/>
+              </p:cNvSpPr>
+              <p:nvPr/>
+            </p:nvSpPr>
+            <p:spPr bwMode="auto">
+              <a:xfrm>
+                <a:off x="3652185" y="1630959"/>
+                <a:ext cx="728678" cy="609600"/>
+              </a:xfrm>
+              <a:prstGeom prst="ellipse">
+                <a:avLst/>
+              </a:prstGeom>
+              <a:solidFill>
+                <a:srgbClr val="CCFFFF"/>
+              </a:solidFill>
+              <a:ln w="12700">
+                <a:solidFill>
+                  <a:schemeClr val="tx1"/>
+                </a:solidFill>
+                <a:round/>
+                <a:headEnd type="none" w="sm" len="sm"/>
+                <a:tailEnd type="none" w="sm" len="sm"/>
+              </a:ln>
+              <a:effectLst/>
+            </p:spPr>
+            <p:txBody>
+              <a:bodyPr wrap="none" anchor="ctr"/>
+              <a:lstStyle/>
+              <a:p>
+                <a:endParaRPr lang="en-US" sz="1400">
+                  <a:latin typeface="+mn-lt"/>
+                </a:endParaRPr>
+              </a:p>
+            </p:txBody>
+          </p:sp>
+          <p:sp>
+            <p:nvSpPr>
+              <p:cNvPr id="219" name="Line 5">
+                <a:extLst>
+                  <a:ext uri="{FF2B5EF4-FFF2-40B4-BE49-F238E27FC236}">
+                    <a16:creationId xmlns:a16="http://schemas.microsoft.com/office/drawing/2014/main" id="{80D8B713-F895-5246-A91A-59715F59F67B}"/>
+                  </a:ext>
+                </a:extLst>
+              </p:cNvPr>
+              <p:cNvSpPr>
+                <a:spLocks noChangeShapeType="1"/>
+              </p:cNvSpPr>
+              <p:nvPr/>
+            </p:nvSpPr>
+            <p:spPr bwMode="auto">
+              <a:xfrm>
+                <a:off x="3660376" y="1935759"/>
+                <a:ext cx="720487" cy="0"/>
+              </a:xfrm>
+              <a:prstGeom prst="line">
+                <a:avLst/>
+              </a:prstGeom>
               <a:noFill/>
-              <a:miter lim="800000"/>
-              <a:headEnd type="none" w="sm" len="sm"/>
-              <a:tailEnd type="none" w="sm" len="sm"/>
-            </a:ln>
-            <a:effectLst/>
-          </p:spPr>
-          <p:txBody>
-            <a:bodyPr wrap="none" lIns="0" tIns="0" rIns="0" bIns="0">
-              <a:spAutoFit/>
-            </a:bodyPr>
-            <a:lstStyle/>
-            <a:p>
-              <a:pPr algn="ctr">
-                <a:spcBef>
-                  <a:spcPct val="50000"/>
-                </a:spcBef>
-              </a:pPr>
-              <a:r>
-                <a:rPr lang="en-US" sz="1400" dirty="0">
-                  <a:solidFill>
-                    <a:schemeClr val="tx1"/>
-                  </a:solidFill>
+              <a:ln w="12700">
+                <a:solidFill>
+                  <a:schemeClr val="tx1"/>
+                </a:solidFill>
+                <a:round/>
+                <a:headEnd type="none" w="sm" len="sm"/>
+                <a:tailEnd type="none" w="sm" len="sm"/>
+              </a:ln>
+              <a:effectLst/>
+            </p:spPr>
+            <p:txBody>
+              <a:bodyPr/>
+              <a:lstStyle/>
+              <a:p>
+                <a:endParaRPr lang="en-US" sz="1400">
                   <a:latin typeface="+mn-lt"/>
-                </a:rPr>
-                <a:t>4</a:t>
-              </a:r>
-            </a:p>
-          </p:txBody>
-        </p:sp>
-        <p:sp>
-          <p:nvSpPr>
-            <p:cNvPr id="215" name="Text Box 94">
+                </a:endParaRPr>
+              </a:p>
+            </p:txBody>
+          </p:sp>
+          <p:sp>
+            <p:nvSpPr>
+              <p:cNvPr id="221" name="Text Box 8">
+                <a:extLst>
+                  <a:ext uri="{FF2B5EF4-FFF2-40B4-BE49-F238E27FC236}">
+                    <a16:creationId xmlns:a16="http://schemas.microsoft.com/office/drawing/2014/main" id="{4948D924-89A3-F44F-B36F-B2F59B5556CF}"/>
+                  </a:ext>
+                </a:extLst>
+              </p:cNvPr>
+              <p:cNvSpPr txBox="1">
+                <a:spLocks noChangeArrowheads="1"/>
+              </p:cNvSpPr>
+              <p:nvPr/>
+            </p:nvSpPr>
+            <p:spPr bwMode="auto">
+              <a:xfrm>
+                <a:off x="3940036" y="1687339"/>
+                <a:ext cx="113813" cy="215444"/>
+              </a:xfrm>
+              <a:prstGeom prst="rect">
+                <a:avLst/>
+              </a:prstGeom>
+              <a:noFill/>
+              <a:ln w="12700">
+                <a:noFill/>
+                <a:miter lim="800000"/>
+                <a:headEnd type="none" w="sm" len="sm"/>
+                <a:tailEnd type="none" w="sm" len="sm"/>
+              </a:ln>
+              <a:effectLst/>
+            </p:spPr>
+            <p:txBody>
+              <a:bodyPr wrap="none" lIns="0" tIns="0" rIns="0" bIns="0">
+                <a:spAutoFit/>
+              </a:bodyPr>
+              <a:lstStyle/>
+              <a:p>
+                <a:pPr algn="ctr">
+                  <a:spcBef>
+                    <a:spcPct val="50000"/>
+                  </a:spcBef>
+                </a:pPr>
+                <a:r>
+                  <a:rPr lang="en-US" sz="1400" dirty="0">
+                    <a:solidFill>
+                      <a:schemeClr val="tx1"/>
+                    </a:solidFill>
+                    <a:latin typeface="+mn-lt"/>
+                  </a:rPr>
+                  <a:t>7</a:t>
+                </a:r>
+              </a:p>
+            </p:txBody>
+          </p:sp>
+          <p:sp>
+            <p:nvSpPr>
+              <p:cNvPr id="223" name="Text Box 94">
+                <a:extLst>
+                  <a:ext uri="{FF2B5EF4-FFF2-40B4-BE49-F238E27FC236}">
+                    <a16:creationId xmlns:a16="http://schemas.microsoft.com/office/drawing/2014/main" id="{96834AED-ABD3-1E44-B387-C62D3DAA8FDF}"/>
+                  </a:ext>
+                </a:extLst>
+              </p:cNvPr>
+              <p:cNvSpPr txBox="1">
+                <a:spLocks noChangeArrowheads="1"/>
+              </p:cNvSpPr>
+              <p:nvPr/>
+            </p:nvSpPr>
+            <p:spPr bwMode="auto">
+              <a:xfrm>
+                <a:off x="3566986" y="1649310"/>
+                <a:ext cx="62517" cy="183127"/>
+              </a:xfrm>
+              <a:prstGeom prst="rect">
+                <a:avLst/>
+              </a:prstGeom>
+              <a:noFill/>
+              <a:ln w="12700">
+                <a:noFill/>
+                <a:miter lim="800000"/>
+                <a:headEnd type="none" w="sm" len="sm"/>
+                <a:tailEnd type="none" w="sm" len="sm"/>
+              </a:ln>
+              <a:effectLst/>
+            </p:spPr>
+            <p:txBody>
+              <a:bodyPr wrap="none" lIns="0" tIns="0" rIns="0" bIns="0">
+                <a:spAutoFit/>
+              </a:bodyPr>
+              <a:lstStyle/>
+              <a:p>
+                <a:pPr algn="ctr">
+                  <a:lnSpc>
+                    <a:spcPct val="85000"/>
+                  </a:lnSpc>
+                  <a:spcBef>
+                    <a:spcPct val="50000"/>
+                  </a:spcBef>
+                </a:pPr>
+                <a:r>
+                  <a:rPr lang="en-US" sz="1400" i="1" dirty="0">
+                    <a:solidFill>
+                      <a:schemeClr val="tx1"/>
+                    </a:solidFill>
+                    <a:latin typeface="+mn-lt"/>
+                  </a:rPr>
+                  <a:t>f</a:t>
+                </a:r>
+              </a:p>
+            </p:txBody>
+          </p:sp>
+          <p:sp>
+            <p:nvSpPr>
+              <p:cNvPr id="224" name="Text Box 9">
+                <a:extLst>
+                  <a:ext uri="{FF2B5EF4-FFF2-40B4-BE49-F238E27FC236}">
+                    <a16:creationId xmlns:a16="http://schemas.microsoft.com/office/drawing/2014/main" id="{60826F37-7B68-2046-9C34-56141D2C6359}"/>
+                  </a:ext>
+                </a:extLst>
+              </p:cNvPr>
+              <p:cNvSpPr txBox="1">
+                <a:spLocks noChangeArrowheads="1"/>
+              </p:cNvSpPr>
+              <p:nvPr/>
+            </p:nvSpPr>
+            <p:spPr bwMode="auto">
+              <a:xfrm>
+                <a:off x="3756035" y="1959799"/>
+                <a:ext cx="520976" cy="215444"/>
+              </a:xfrm>
+              <a:prstGeom prst="rect">
+                <a:avLst/>
+              </a:prstGeom>
+              <a:noFill/>
+              <a:ln w="12700">
+                <a:noFill/>
+                <a:miter lim="800000"/>
+                <a:headEnd type="none" w="sm" len="sm"/>
+                <a:tailEnd type="none" w="sm" len="sm"/>
+              </a:ln>
+              <a:effectLst/>
+            </p:spPr>
+            <p:txBody>
+              <a:bodyPr wrap="none" lIns="0" tIns="0" rIns="0" bIns="0">
+                <a:spAutoFit/>
+              </a:bodyPr>
+              <a:lstStyle/>
+              <a:p>
+                <a:pPr algn="ctr">
+                  <a:spcBef>
+                    <a:spcPct val="50000"/>
+                  </a:spcBef>
+                </a:pPr>
+                <a:r>
+                  <a:rPr lang="en-US" sz="1400" dirty="0">
+                    <a:solidFill>
+                      <a:schemeClr val="tx1"/>
+                    </a:solidFill>
+                    <a:latin typeface="+mn-lt"/>
+                  </a:rPr>
+                  <a:t>10,10</a:t>
+                </a:r>
+              </a:p>
+            </p:txBody>
+          </p:sp>
+        </p:grpSp>
+        <p:grpSp>
+          <p:nvGrpSpPr>
+            <p:cNvPr id="225" name="Group 224">
               <a:extLst>
                 <a:ext uri="{FF2B5EF4-FFF2-40B4-BE49-F238E27FC236}">
-                  <a16:creationId xmlns:a16="http://schemas.microsoft.com/office/drawing/2014/main" id="{0A9F1915-7F45-6C42-A23E-D67FE5EDCCEB}"/>
+                  <a16:creationId xmlns:a16="http://schemas.microsoft.com/office/drawing/2014/main" id="{97DC8FD8-E3B0-A143-B967-B5F7C4433A6C}"/>
                 </a:ext>
               </a:extLst>
             </p:cNvPr>
-            <p:cNvSpPr txBox="1">
-              <a:spLocks noChangeArrowheads="1"/>
-            </p:cNvSpPr>
-            <p:nvPr/>
-          </p:nvSpPr>
-          <p:spPr bwMode="auto">
+            <p:cNvGrpSpPr/>
+            <p:nvPr/>
+          </p:nvGrpSpPr>
+          <p:grpSpPr>
             <a:xfrm>
-              <a:off x="3542140" y="1649310"/>
-              <a:ext cx="112210" cy="183127"/>
-            </a:xfrm>
-            <a:prstGeom prst="rect">
-              <a:avLst/>
-            </a:prstGeom>
-            <a:noFill/>
-            <a:ln w="12700">
+              <a:off x="1778140" y="4412266"/>
+              <a:ext cx="839525" cy="609600"/>
+              <a:chOff x="3541338" y="1630959"/>
+              <a:chExt cx="839525" cy="609600"/>
+            </a:xfrm>
+          </p:grpSpPr>
+          <p:sp>
+            <p:nvSpPr>
+              <p:cNvPr id="226" name="Oval 4">
+                <a:extLst>
+                  <a:ext uri="{FF2B5EF4-FFF2-40B4-BE49-F238E27FC236}">
+                    <a16:creationId xmlns:a16="http://schemas.microsoft.com/office/drawing/2014/main" id="{E47876A3-CFFD-C346-81D1-2145D0719071}"/>
+                  </a:ext>
+                </a:extLst>
+              </p:cNvPr>
+              <p:cNvSpPr>
+                <a:spLocks noChangeArrowheads="1"/>
+              </p:cNvSpPr>
+              <p:nvPr/>
+            </p:nvSpPr>
+            <p:spPr bwMode="auto">
+              <a:xfrm>
+                <a:off x="3652185" y="1630959"/>
+                <a:ext cx="728678" cy="609600"/>
+              </a:xfrm>
+              <a:prstGeom prst="ellipse">
+                <a:avLst/>
+              </a:prstGeom>
+              <a:solidFill>
+                <a:srgbClr val="CCFFFF"/>
+              </a:solidFill>
+              <a:ln w="12700">
+                <a:solidFill>
+                  <a:schemeClr val="tx1"/>
+                </a:solidFill>
+                <a:round/>
+                <a:headEnd type="none" w="sm" len="sm"/>
+                <a:tailEnd type="none" w="sm" len="sm"/>
+              </a:ln>
+              <a:effectLst/>
+            </p:spPr>
+            <p:txBody>
+              <a:bodyPr wrap="none" anchor="ctr"/>
+              <a:lstStyle/>
+              <a:p>
+                <a:endParaRPr lang="en-US" sz="1400">
+                  <a:latin typeface="+mn-lt"/>
+                </a:endParaRPr>
+              </a:p>
+            </p:txBody>
+          </p:sp>
+          <p:sp>
+            <p:nvSpPr>
+              <p:cNvPr id="227" name="Line 5">
+                <a:extLst>
+                  <a:ext uri="{FF2B5EF4-FFF2-40B4-BE49-F238E27FC236}">
+                    <a16:creationId xmlns:a16="http://schemas.microsoft.com/office/drawing/2014/main" id="{115A7186-125E-624B-A6C9-6E08C91C66A6}"/>
+                  </a:ext>
+                </a:extLst>
+              </p:cNvPr>
+              <p:cNvSpPr>
+                <a:spLocks noChangeShapeType="1"/>
+              </p:cNvSpPr>
+              <p:nvPr/>
+            </p:nvSpPr>
+            <p:spPr bwMode="auto">
+              <a:xfrm>
+                <a:off x="3663499" y="1935759"/>
+                <a:ext cx="717364" cy="0"/>
+              </a:xfrm>
+              <a:prstGeom prst="line">
+                <a:avLst/>
+              </a:prstGeom>
               <a:noFill/>
-              <a:miter lim="800000"/>
-              <a:headEnd type="none" w="sm" len="sm"/>
-              <a:tailEnd type="none" w="sm" len="sm"/>
-            </a:ln>
-            <a:effectLst/>
-          </p:spPr>
-          <p:txBody>
-            <a:bodyPr wrap="none" lIns="0" tIns="0" rIns="0" bIns="0">
-              <a:spAutoFit/>
-            </a:bodyPr>
-            <a:lstStyle/>
-            <a:p>
-              <a:pPr algn="ctr">
-                <a:lnSpc>
-                  <a:spcPct val="85000"/>
-                </a:lnSpc>
-                <a:spcBef>
-                  <a:spcPct val="50000"/>
-                </a:spcBef>
-              </a:pPr>
-              <a:r>
-                <a:rPr lang="en-US" sz="1400" i="1" dirty="0">
-                  <a:solidFill>
-                    <a:schemeClr val="tx1"/>
-                  </a:solidFill>
+              <a:ln w="12700">
+                <a:solidFill>
+                  <a:schemeClr val="tx1"/>
+                </a:solidFill>
+                <a:round/>
+                <a:headEnd type="none" w="sm" len="sm"/>
+                <a:tailEnd type="none" w="sm" len="sm"/>
+              </a:ln>
+              <a:effectLst/>
+            </p:spPr>
+            <p:txBody>
+              <a:bodyPr/>
+              <a:lstStyle/>
+              <a:p>
+                <a:endParaRPr lang="en-US" sz="1400">
                   <a:latin typeface="+mn-lt"/>
-                </a:rPr>
-                <a:t>b</a:t>
-              </a:r>
-            </a:p>
-          </p:txBody>
-        </p:sp>
-        <p:sp>
-          <p:nvSpPr>
-            <p:cNvPr id="216" name="Text Box 9">
+                </a:endParaRPr>
+              </a:p>
+            </p:txBody>
+          </p:sp>
+          <p:sp>
+            <p:nvSpPr>
+              <p:cNvPr id="229" name="Text Box 8">
+                <a:extLst>
+                  <a:ext uri="{FF2B5EF4-FFF2-40B4-BE49-F238E27FC236}">
+                    <a16:creationId xmlns:a16="http://schemas.microsoft.com/office/drawing/2014/main" id="{B678CD22-1B60-5F47-A9D1-E46F80CA7982}"/>
+                  </a:ext>
+                </a:extLst>
+              </p:cNvPr>
+              <p:cNvSpPr txBox="1">
+                <a:spLocks noChangeArrowheads="1"/>
+              </p:cNvSpPr>
+              <p:nvPr/>
+            </p:nvSpPr>
+            <p:spPr bwMode="auto">
+              <a:xfrm>
+                <a:off x="3933230" y="1684164"/>
+                <a:ext cx="113813" cy="215444"/>
+              </a:xfrm>
+              <a:prstGeom prst="rect">
+                <a:avLst/>
+              </a:prstGeom>
+              <a:noFill/>
+              <a:ln w="12700">
+                <a:noFill/>
+                <a:miter lim="800000"/>
+                <a:headEnd type="none" w="sm" len="sm"/>
+                <a:tailEnd type="none" w="sm" len="sm"/>
+              </a:ln>
+              <a:effectLst/>
+            </p:spPr>
+            <p:txBody>
+              <a:bodyPr wrap="none" lIns="0" tIns="0" rIns="0" bIns="0">
+                <a:spAutoFit/>
+              </a:bodyPr>
+              <a:lstStyle/>
+              <a:p>
+                <a:pPr algn="ctr">
+                  <a:spcBef>
+                    <a:spcPct val="50000"/>
+                  </a:spcBef>
+                </a:pPr>
+                <a:r>
+                  <a:rPr lang="en-US" sz="1400" dirty="0">
+                    <a:solidFill>
+                      <a:schemeClr val="tx1"/>
+                    </a:solidFill>
+                    <a:latin typeface="+mn-lt"/>
+                  </a:rPr>
+                  <a:t>2</a:t>
+                </a:r>
+              </a:p>
+            </p:txBody>
+          </p:sp>
+          <p:sp>
+            <p:nvSpPr>
+              <p:cNvPr id="231" name="Text Box 94">
+                <a:extLst>
+                  <a:ext uri="{FF2B5EF4-FFF2-40B4-BE49-F238E27FC236}">
+                    <a16:creationId xmlns:a16="http://schemas.microsoft.com/office/drawing/2014/main" id="{DE7CB23A-8343-AF47-A384-9C975B162D71}"/>
+                  </a:ext>
+                </a:extLst>
+              </p:cNvPr>
+              <p:cNvSpPr txBox="1">
+                <a:spLocks noChangeArrowheads="1"/>
+              </p:cNvSpPr>
+              <p:nvPr/>
+            </p:nvSpPr>
+            <p:spPr bwMode="auto">
+              <a:xfrm>
+                <a:off x="3541338" y="1649310"/>
+                <a:ext cx="113813" cy="183127"/>
+              </a:xfrm>
+              <a:prstGeom prst="rect">
+                <a:avLst/>
+              </a:prstGeom>
+              <a:noFill/>
+              <a:ln w="12700">
+                <a:noFill/>
+                <a:miter lim="800000"/>
+                <a:headEnd type="none" w="sm" len="sm"/>
+                <a:tailEnd type="none" w="sm" len="sm"/>
+              </a:ln>
+              <a:effectLst/>
+            </p:spPr>
+            <p:txBody>
+              <a:bodyPr wrap="none" lIns="0" tIns="0" rIns="0" bIns="0">
+                <a:spAutoFit/>
+              </a:bodyPr>
+              <a:lstStyle/>
+              <a:p>
+                <a:pPr algn="ctr">
+                  <a:lnSpc>
+                    <a:spcPct val="85000"/>
+                  </a:lnSpc>
+                  <a:spcBef>
+                    <a:spcPct val="50000"/>
+                  </a:spcBef>
+                </a:pPr>
+                <a:r>
+                  <a:rPr lang="en-US" sz="1400" i="1" dirty="0">
+                    <a:solidFill>
+                      <a:schemeClr val="tx1"/>
+                    </a:solidFill>
+                    <a:latin typeface="+mn-lt"/>
+                  </a:rPr>
+                  <a:t>h</a:t>
+                </a:r>
+              </a:p>
+            </p:txBody>
+          </p:sp>
+          <p:sp>
+            <p:nvSpPr>
+              <p:cNvPr id="232" name="Text Box 9">
+                <a:extLst>
+                  <a:ext uri="{FF2B5EF4-FFF2-40B4-BE49-F238E27FC236}">
+                    <a16:creationId xmlns:a16="http://schemas.microsoft.com/office/drawing/2014/main" id="{2A272306-7219-3C4F-9A4B-AAA056AFDB09}"/>
+                  </a:ext>
+                </a:extLst>
+              </p:cNvPr>
+              <p:cNvSpPr txBox="1">
+                <a:spLocks noChangeArrowheads="1"/>
+              </p:cNvSpPr>
+              <p:nvPr/>
+            </p:nvSpPr>
+            <p:spPr bwMode="auto">
+              <a:xfrm>
+                <a:off x="3854820" y="1974559"/>
+                <a:ext cx="293350" cy="215444"/>
+              </a:xfrm>
+              <a:prstGeom prst="rect">
+                <a:avLst/>
+              </a:prstGeom>
+              <a:noFill/>
+              <a:ln w="12700">
+                <a:noFill/>
+                <a:miter lim="800000"/>
+                <a:headEnd type="none" w="sm" len="sm"/>
+                <a:tailEnd type="none" w="sm" len="sm"/>
+              </a:ln>
+              <a:effectLst/>
+            </p:spPr>
+            <p:txBody>
+              <a:bodyPr wrap="none" lIns="0" tIns="0" rIns="0" bIns="0">
+                <a:spAutoFit/>
+              </a:bodyPr>
+              <a:lstStyle/>
+              <a:p>
+                <a:pPr algn="ctr">
+                  <a:spcBef>
+                    <a:spcPct val="50000"/>
+                  </a:spcBef>
+                </a:pPr>
+                <a:r>
+                  <a:rPr lang="en-US" sz="1400" dirty="0">
+                    <a:solidFill>
+                      <a:schemeClr val="tx1"/>
+                    </a:solidFill>
+                    <a:latin typeface="+mn-lt"/>
+                  </a:rPr>
+                  <a:t>6,6</a:t>
+                </a:r>
+              </a:p>
+            </p:txBody>
+          </p:sp>
+        </p:grpSp>
+        <p:grpSp>
+          <p:nvGrpSpPr>
+            <p:cNvPr id="233" name="Group 232">
               <a:extLst>
                 <a:ext uri="{FF2B5EF4-FFF2-40B4-BE49-F238E27FC236}">
-                  <a16:creationId xmlns:a16="http://schemas.microsoft.com/office/drawing/2014/main" id="{6C754022-68B4-F44F-9454-CEBDE34C1A7E}"/>
+                  <a16:creationId xmlns:a16="http://schemas.microsoft.com/office/drawing/2014/main" id="{D675156A-454D-0140-96FD-256C1FC5AB27}"/>
                 </a:ext>
               </a:extLst>
             </p:cNvPr>
-            <p:cNvSpPr txBox="1">
-              <a:spLocks noChangeArrowheads="1"/>
-            </p:cNvSpPr>
-            <p:nvPr/>
-          </p:nvSpPr>
-          <p:spPr bwMode="auto">
+            <p:cNvGrpSpPr/>
+            <p:nvPr/>
+          </p:nvGrpSpPr>
+          <p:grpSpPr>
             <a:xfrm>
-              <a:off x="3832340" y="1955345"/>
-              <a:ext cx="293350" cy="215444"/>
-            </a:xfrm>
-            <a:prstGeom prst="rect">
-              <a:avLst/>
-            </a:prstGeom>
-            <a:noFill/>
-            <a:ln w="12700">
+              <a:off x="4618359" y="3488500"/>
+              <a:ext cx="813877" cy="609600"/>
+              <a:chOff x="3566986" y="1630959"/>
+              <a:chExt cx="813877" cy="609600"/>
+            </a:xfrm>
+          </p:grpSpPr>
+          <p:sp>
+            <p:nvSpPr>
+              <p:cNvPr id="234" name="Oval 4">
+                <a:extLst>
+                  <a:ext uri="{FF2B5EF4-FFF2-40B4-BE49-F238E27FC236}">
+                    <a16:creationId xmlns:a16="http://schemas.microsoft.com/office/drawing/2014/main" id="{907D66EE-6CC5-4346-8365-44646F63DD26}"/>
+                  </a:ext>
+                </a:extLst>
+              </p:cNvPr>
+              <p:cNvSpPr>
+                <a:spLocks noChangeArrowheads="1"/>
+              </p:cNvSpPr>
+              <p:nvPr/>
+            </p:nvSpPr>
+            <p:spPr bwMode="auto">
+              <a:xfrm>
+                <a:off x="3652185" y="1630959"/>
+                <a:ext cx="728678" cy="609600"/>
+              </a:xfrm>
+              <a:prstGeom prst="ellipse">
+                <a:avLst/>
+              </a:prstGeom>
+              <a:solidFill>
+                <a:srgbClr val="CCFFFF"/>
+              </a:solidFill>
+              <a:ln w="12700">
+                <a:solidFill>
+                  <a:schemeClr val="tx1"/>
+                </a:solidFill>
+                <a:round/>
+                <a:headEnd type="none" w="sm" len="sm"/>
+                <a:tailEnd type="none" w="sm" len="sm"/>
+              </a:ln>
+              <a:effectLst/>
+            </p:spPr>
+            <p:txBody>
+              <a:bodyPr wrap="none" anchor="ctr"/>
+              <a:lstStyle/>
+              <a:p>
+                <a:endParaRPr lang="en-US" sz="1400">
+                  <a:latin typeface="+mn-lt"/>
+                </a:endParaRPr>
+              </a:p>
+            </p:txBody>
+          </p:sp>
+          <p:sp>
+            <p:nvSpPr>
+              <p:cNvPr id="235" name="Line 5">
+                <a:extLst>
+                  <a:ext uri="{FF2B5EF4-FFF2-40B4-BE49-F238E27FC236}">
+                    <a16:creationId xmlns:a16="http://schemas.microsoft.com/office/drawing/2014/main" id="{7A1B3ADA-DB66-F344-BA65-796180B8DB50}"/>
+                  </a:ext>
+                </a:extLst>
+              </p:cNvPr>
+              <p:cNvSpPr>
+                <a:spLocks noChangeShapeType="1"/>
+              </p:cNvSpPr>
+              <p:nvPr/>
+            </p:nvSpPr>
+            <p:spPr bwMode="auto">
+              <a:xfrm>
+                <a:off x="3652185" y="1935759"/>
+                <a:ext cx="728678" cy="0"/>
+              </a:xfrm>
+              <a:prstGeom prst="line">
+                <a:avLst/>
+              </a:prstGeom>
               <a:noFill/>
-              <a:miter lim="800000"/>
-              <a:headEnd type="none" w="sm" len="sm"/>
-              <a:tailEnd type="none" w="sm" len="sm"/>
-            </a:ln>
-            <a:effectLst/>
-          </p:spPr>
-          <p:txBody>
-            <a:bodyPr wrap="none" lIns="0" tIns="0" rIns="0" bIns="0">
-              <a:spAutoFit/>
-            </a:bodyPr>
-            <a:lstStyle/>
-            <a:p>
-              <a:pPr algn="ctr">
-                <a:spcBef>
-                  <a:spcPct val="50000"/>
-                </a:spcBef>
-              </a:pPr>
-              <a:r>
-                <a:rPr lang="en-US" sz="1400" dirty="0">
-                  <a:solidFill>
-                    <a:schemeClr val="tx1"/>
-                  </a:solidFill>
+              <a:ln w="12700">
+                <a:solidFill>
+                  <a:schemeClr val="tx1"/>
+                </a:solidFill>
+                <a:round/>
+                <a:headEnd type="none" w="sm" len="sm"/>
+                <a:tailEnd type="none" w="sm" len="sm"/>
+              </a:ln>
+              <a:effectLst/>
+            </p:spPr>
+            <p:txBody>
+              <a:bodyPr/>
+              <a:lstStyle/>
+              <a:p>
+                <a:endParaRPr lang="en-US" sz="1400">
                   <a:latin typeface="+mn-lt"/>
-                </a:rPr>
-                <a:t>5,5</a:t>
-              </a:r>
-            </a:p>
-          </p:txBody>
-        </p:sp>
-      </p:grpSp>
-      <p:sp>
-        <p:nvSpPr>
-          <p:cNvPr id="108" name="Line 95">
-            <a:extLst>
-              <a:ext uri="{FF2B5EF4-FFF2-40B4-BE49-F238E27FC236}">
-                <a16:creationId xmlns:a16="http://schemas.microsoft.com/office/drawing/2014/main" id="{AB78CFBF-B736-E042-A20E-3860222E74A1}"/>
-              </a:ext>
-            </a:extLst>
-          </p:cNvPr>
-          <p:cNvSpPr>
-            <a:spLocks noChangeShapeType="1"/>
-          </p:cNvSpPr>
-          <p:nvPr/>
-        </p:nvSpPr>
-        <p:spPr bwMode="auto">
-          <a:xfrm flipH="1" flipV="1">
-            <a:off x="2388578" y="2944724"/>
-            <a:ext cx="381000" cy="0"/>
-          </a:xfrm>
-          <a:prstGeom prst="line">
-            <a:avLst/>
-          </a:prstGeom>
-          <a:noFill/>
-          <a:ln w="12700">
-            <a:solidFill>
-              <a:schemeClr val="tx1"/>
-            </a:solidFill>
-            <a:round/>
-            <a:headEnd type="none" w="sm" len="sm"/>
-            <a:tailEnd type="triangle" w="med" len="med"/>
-          </a:ln>
-          <a:effectLst/>
-        </p:spPr>
-        <p:txBody>
-          <a:bodyPr/>
-          <a:lstStyle/>
-          <a:p>
-            <a:endParaRPr lang="en-US" sz="1400">
-              <a:latin typeface="+mn-lt"/>
-            </a:endParaRPr>
-          </a:p>
-        </p:txBody>
-      </p:sp>
-      <p:sp>
-        <p:nvSpPr>
-          <p:cNvPr id="119" name="Line 95">
-            <a:extLst>
-              <a:ext uri="{FF2B5EF4-FFF2-40B4-BE49-F238E27FC236}">
-                <a16:creationId xmlns:a16="http://schemas.microsoft.com/office/drawing/2014/main" id="{C85D3074-93FD-2641-906E-075CEEB9DDA0}"/>
-              </a:ext>
-            </a:extLst>
-          </p:cNvPr>
-          <p:cNvSpPr>
-            <a:spLocks noChangeShapeType="1"/>
-          </p:cNvSpPr>
-          <p:nvPr/>
-        </p:nvSpPr>
-        <p:spPr bwMode="auto">
-          <a:xfrm flipH="1" flipV="1">
-            <a:off x="2347554" y="2713915"/>
-            <a:ext cx="381000" cy="0"/>
-          </a:xfrm>
-          <a:prstGeom prst="line">
-            <a:avLst/>
-          </a:prstGeom>
-          <a:noFill/>
-          <a:ln w="12700">
-            <a:solidFill>
-              <a:schemeClr val="tx1"/>
-            </a:solidFill>
-            <a:round/>
-            <a:headEnd type="none" w="sm" len="sm"/>
-            <a:tailEnd type="triangle" w="med" len="med"/>
-          </a:ln>
-          <a:effectLst/>
-        </p:spPr>
-        <p:txBody>
-          <a:bodyPr/>
-          <a:lstStyle/>
-          <a:p>
-            <a:endParaRPr lang="en-US" sz="1400">
-              <a:latin typeface="+mn-lt"/>
-            </a:endParaRPr>
-          </a:p>
-        </p:txBody>
-      </p:sp>
-      <p:grpSp>
-        <p:nvGrpSpPr>
-          <p:cNvPr id="217" name="Group 216">
-            <a:extLst>
-              <a:ext uri="{FF2B5EF4-FFF2-40B4-BE49-F238E27FC236}">
-                <a16:creationId xmlns:a16="http://schemas.microsoft.com/office/drawing/2014/main" id="{D73ACF5C-2A71-5846-A043-5D0E06CCF971}"/>
-              </a:ext>
-            </a:extLst>
-          </p:cNvPr>
-          <p:cNvGrpSpPr/>
-          <p:nvPr/>
-        </p:nvGrpSpPr>
-        <p:grpSpPr>
-          <a:xfrm>
-            <a:off x="2752691" y="3439287"/>
-            <a:ext cx="813877" cy="609600"/>
-            <a:chOff x="3566986" y="1630959"/>
-            <a:chExt cx="813877" cy="609600"/>
-          </a:xfrm>
-        </p:grpSpPr>
-        <p:sp>
-          <p:nvSpPr>
-            <p:cNvPr id="218" name="Oval 4">
+                </a:endParaRPr>
+              </a:p>
+            </p:txBody>
+          </p:sp>
+          <p:sp>
+            <p:nvSpPr>
+              <p:cNvPr id="237" name="Text Box 8">
+                <a:extLst>
+                  <a:ext uri="{FF2B5EF4-FFF2-40B4-BE49-F238E27FC236}">
+                    <a16:creationId xmlns:a16="http://schemas.microsoft.com/office/drawing/2014/main" id="{6FDEAE0A-DB18-3C43-BC55-72F52A39B54A}"/>
+                  </a:ext>
+                </a:extLst>
+              </p:cNvPr>
+              <p:cNvSpPr txBox="1">
+                <a:spLocks noChangeArrowheads="1"/>
+              </p:cNvSpPr>
+              <p:nvPr/>
+            </p:nvSpPr>
+            <p:spPr bwMode="auto">
+              <a:xfrm>
+                <a:off x="3869098" y="1700877"/>
+                <a:ext cx="227626" cy="215444"/>
+              </a:xfrm>
+              <a:prstGeom prst="rect">
+                <a:avLst/>
+              </a:prstGeom>
+              <a:noFill/>
+              <a:ln w="12700">
+                <a:noFill/>
+                <a:miter lim="800000"/>
+                <a:headEnd type="none" w="sm" len="sm"/>
+                <a:tailEnd type="none" w="sm" len="sm"/>
+              </a:ln>
+              <a:effectLst/>
+            </p:spPr>
+            <p:txBody>
+              <a:bodyPr wrap="none" lIns="0" tIns="0" rIns="0" bIns="0">
+                <a:spAutoFit/>
+              </a:bodyPr>
+              <a:lstStyle/>
+              <a:p>
+                <a:pPr algn="ctr">
+                  <a:spcBef>
+                    <a:spcPct val="50000"/>
+                  </a:spcBef>
+                </a:pPr>
+                <a:r>
+                  <a:rPr lang="en-US" sz="1400" dirty="0">
+                    <a:solidFill>
+                      <a:schemeClr val="tx1"/>
+                    </a:solidFill>
+                    <a:latin typeface="+mn-lt"/>
+                  </a:rPr>
+                  <a:t>14</a:t>
+                </a:r>
+              </a:p>
+            </p:txBody>
+          </p:sp>
+          <p:sp>
+            <p:nvSpPr>
+              <p:cNvPr id="239" name="Text Box 94">
+                <a:extLst>
+                  <a:ext uri="{FF2B5EF4-FFF2-40B4-BE49-F238E27FC236}">
+                    <a16:creationId xmlns:a16="http://schemas.microsoft.com/office/drawing/2014/main" id="{4C9E570A-3480-9349-8B69-0651695987F0}"/>
+                  </a:ext>
+                </a:extLst>
+              </p:cNvPr>
+              <p:cNvSpPr txBox="1">
+                <a:spLocks noChangeArrowheads="1"/>
+              </p:cNvSpPr>
+              <p:nvPr/>
+            </p:nvSpPr>
+            <p:spPr bwMode="auto">
+              <a:xfrm>
+                <a:off x="3566986" y="1649310"/>
+                <a:ext cx="62517" cy="183127"/>
+              </a:xfrm>
+              <a:prstGeom prst="rect">
+                <a:avLst/>
+              </a:prstGeom>
+              <a:noFill/>
+              <a:ln w="12700">
+                <a:noFill/>
+                <a:miter lim="800000"/>
+                <a:headEnd type="none" w="sm" len="sm"/>
+                <a:tailEnd type="none" w="sm" len="sm"/>
+              </a:ln>
+              <a:effectLst/>
+            </p:spPr>
+            <p:txBody>
+              <a:bodyPr wrap="none" lIns="0" tIns="0" rIns="0" bIns="0">
+                <a:spAutoFit/>
+              </a:bodyPr>
+              <a:lstStyle/>
+              <a:p>
+                <a:pPr algn="ctr">
+                  <a:lnSpc>
+                    <a:spcPct val="85000"/>
+                  </a:lnSpc>
+                  <a:spcBef>
+                    <a:spcPct val="50000"/>
+                  </a:spcBef>
+                </a:pPr>
+                <a:r>
+                  <a:rPr lang="en-US" sz="1400" i="1" dirty="0">
+                    <a:solidFill>
+                      <a:schemeClr val="tx1"/>
+                    </a:solidFill>
+                    <a:latin typeface="+mn-lt"/>
+                  </a:rPr>
+                  <a:t>j</a:t>
+                </a:r>
+              </a:p>
+            </p:txBody>
+          </p:sp>
+          <p:sp>
+            <p:nvSpPr>
+              <p:cNvPr id="240" name="Text Box 9">
+                <a:extLst>
+                  <a:ext uri="{FF2B5EF4-FFF2-40B4-BE49-F238E27FC236}">
+                    <a16:creationId xmlns:a16="http://schemas.microsoft.com/office/drawing/2014/main" id="{84B2D3F1-4D32-F342-9E88-9C4EA5394B94}"/>
+                  </a:ext>
+                </a:extLst>
+              </p:cNvPr>
+              <p:cNvSpPr txBox="1">
+                <a:spLocks noChangeArrowheads="1"/>
+              </p:cNvSpPr>
+              <p:nvPr/>
+            </p:nvSpPr>
+            <p:spPr bwMode="auto">
+              <a:xfrm>
+                <a:off x="3751435" y="1956910"/>
+                <a:ext cx="520976" cy="215444"/>
+              </a:xfrm>
+              <a:prstGeom prst="rect">
+                <a:avLst/>
+              </a:prstGeom>
+              <a:noFill/>
+              <a:ln w="12700">
+                <a:noFill/>
+                <a:miter lim="800000"/>
+                <a:headEnd type="none" w="sm" len="sm"/>
+                <a:tailEnd type="none" w="sm" len="sm"/>
+              </a:ln>
+              <a:effectLst/>
+            </p:spPr>
+            <p:txBody>
+              <a:bodyPr wrap="none" lIns="0" tIns="0" rIns="0" bIns="0">
+                <a:spAutoFit/>
+              </a:bodyPr>
+              <a:lstStyle/>
+              <a:p>
+                <a:pPr algn="ctr">
+                  <a:spcBef>
+                    <a:spcPct val="50000"/>
+                  </a:spcBef>
+                </a:pPr>
+                <a:r>
+                  <a:rPr lang="en-US" sz="1400" dirty="0">
+                    <a:solidFill>
+                      <a:schemeClr val="tx1"/>
+                    </a:solidFill>
+                    <a:latin typeface="+mn-lt"/>
+                  </a:rPr>
+                  <a:t>18,13</a:t>
+                </a:r>
+              </a:p>
+            </p:txBody>
+          </p:sp>
+        </p:grpSp>
+        <p:grpSp>
+          <p:nvGrpSpPr>
+            <p:cNvPr id="241" name="Group 240">
               <a:extLst>
                 <a:ext uri="{FF2B5EF4-FFF2-40B4-BE49-F238E27FC236}">
-                  <a16:creationId xmlns:a16="http://schemas.microsoft.com/office/drawing/2014/main" id="{68521836-B21A-EE49-956D-5A9347BF200A}"/>
+                  <a16:creationId xmlns:a16="http://schemas.microsoft.com/office/drawing/2014/main" id="{BAD9F86A-0A95-3544-835B-50C0AA9265C4}"/>
                 </a:ext>
               </a:extLst>
             </p:cNvPr>
-            <p:cNvSpPr>
-              <a:spLocks noChangeArrowheads="1"/>
-            </p:cNvSpPr>
-            <p:nvPr/>
-          </p:nvSpPr>
-          <p:spPr bwMode="auto">
+            <p:cNvGrpSpPr/>
+            <p:nvPr/>
+          </p:nvGrpSpPr>
+          <p:grpSpPr>
             <a:xfrm>
-              <a:off x="3652185" y="1630959"/>
-              <a:ext cx="728678" cy="609600"/>
-            </a:xfrm>
-            <a:prstGeom prst="ellipse">
-              <a:avLst/>
-            </a:prstGeom>
-            <a:solidFill>
-              <a:srgbClr val="CCFFFF"/>
-            </a:solidFill>
-            <a:ln w="12700">
-              <a:solidFill>
-                <a:schemeClr val="tx1"/>
-              </a:solidFill>
-              <a:round/>
-              <a:headEnd type="none" w="sm" len="sm"/>
-              <a:tailEnd type="none" w="sm" len="sm"/>
-            </a:ln>
-            <a:effectLst/>
-          </p:spPr>
-          <p:txBody>
-            <a:bodyPr wrap="none" anchor="ctr"/>
-            <a:lstStyle/>
-            <a:p>
-              <a:endParaRPr lang="en-US" sz="1400">
-                <a:latin typeface="+mn-lt"/>
-              </a:endParaRPr>
-            </a:p>
-          </p:txBody>
-        </p:sp>
-        <p:sp>
-          <p:nvSpPr>
-            <p:cNvPr id="219" name="Line 5">
+              <a:off x="3930444" y="4397418"/>
+              <a:ext cx="838723" cy="609600"/>
+              <a:chOff x="3542140" y="1630959"/>
+              <a:chExt cx="838723" cy="609600"/>
+            </a:xfrm>
+          </p:grpSpPr>
+          <p:sp>
+            <p:nvSpPr>
+              <p:cNvPr id="242" name="Oval 4">
+                <a:extLst>
+                  <a:ext uri="{FF2B5EF4-FFF2-40B4-BE49-F238E27FC236}">
+                    <a16:creationId xmlns:a16="http://schemas.microsoft.com/office/drawing/2014/main" id="{B89F2194-23A7-D64B-92A2-CF01833974DC}"/>
+                  </a:ext>
+                </a:extLst>
+              </p:cNvPr>
+              <p:cNvSpPr>
+                <a:spLocks noChangeArrowheads="1"/>
+              </p:cNvSpPr>
+              <p:nvPr/>
+            </p:nvSpPr>
+            <p:spPr bwMode="auto">
+              <a:xfrm>
+                <a:off x="3652185" y="1630959"/>
+                <a:ext cx="728678" cy="609600"/>
+              </a:xfrm>
+              <a:prstGeom prst="ellipse">
+                <a:avLst/>
+              </a:prstGeom>
+              <a:solidFill>
+                <a:srgbClr val="CCFFFF"/>
+              </a:solidFill>
+              <a:ln w="12700">
+                <a:solidFill>
+                  <a:schemeClr val="tx1"/>
+                </a:solidFill>
+                <a:round/>
+                <a:headEnd type="none" w="sm" len="sm"/>
+                <a:tailEnd type="none" w="sm" len="sm"/>
+              </a:ln>
+              <a:effectLst/>
+            </p:spPr>
+            <p:txBody>
+              <a:bodyPr wrap="none" anchor="ctr"/>
+              <a:lstStyle/>
+              <a:p>
+                <a:endParaRPr lang="en-US" sz="1400">
+                  <a:latin typeface="+mn-lt"/>
+                </a:endParaRPr>
+              </a:p>
+            </p:txBody>
+          </p:sp>
+          <p:sp>
+            <p:nvSpPr>
+              <p:cNvPr id="243" name="Line 5">
+                <a:extLst>
+                  <a:ext uri="{FF2B5EF4-FFF2-40B4-BE49-F238E27FC236}">
+                    <a16:creationId xmlns:a16="http://schemas.microsoft.com/office/drawing/2014/main" id="{A57D7F44-AA05-A045-B5EA-E184FB197F28}"/>
+                  </a:ext>
+                </a:extLst>
+              </p:cNvPr>
+              <p:cNvSpPr>
+                <a:spLocks noChangeShapeType="1"/>
+              </p:cNvSpPr>
+              <p:nvPr/>
+            </p:nvSpPr>
+            <p:spPr bwMode="auto">
+              <a:xfrm>
+                <a:off x="3652185" y="1935759"/>
+                <a:ext cx="728678" cy="0"/>
+              </a:xfrm>
+              <a:prstGeom prst="line">
+                <a:avLst/>
+              </a:prstGeom>
+              <a:noFill/>
+              <a:ln w="12700">
+                <a:solidFill>
+                  <a:schemeClr val="tx1"/>
+                </a:solidFill>
+                <a:round/>
+                <a:headEnd type="none" w="sm" len="sm"/>
+                <a:tailEnd type="none" w="sm" len="sm"/>
+              </a:ln>
+              <a:effectLst/>
+            </p:spPr>
+            <p:txBody>
+              <a:bodyPr/>
+              <a:lstStyle/>
+              <a:p>
+                <a:endParaRPr lang="en-US" sz="1400">
+                  <a:latin typeface="+mn-lt"/>
+                </a:endParaRPr>
+              </a:p>
+            </p:txBody>
+          </p:sp>
+          <p:sp>
+            <p:nvSpPr>
+              <p:cNvPr id="245" name="Text Box 8">
+                <a:extLst>
+                  <a:ext uri="{FF2B5EF4-FFF2-40B4-BE49-F238E27FC236}">
+                    <a16:creationId xmlns:a16="http://schemas.microsoft.com/office/drawing/2014/main" id="{6067A2EE-76BE-7E4E-A36C-D30F1A79159D}"/>
+                  </a:ext>
+                </a:extLst>
+              </p:cNvPr>
+              <p:cNvSpPr txBox="1">
+                <a:spLocks noChangeArrowheads="1"/>
+              </p:cNvSpPr>
+              <p:nvPr/>
+            </p:nvSpPr>
+            <p:spPr bwMode="auto">
+              <a:xfrm>
+                <a:off x="3874660" y="1699012"/>
+                <a:ext cx="227626" cy="215444"/>
+              </a:xfrm>
+              <a:prstGeom prst="rect">
+                <a:avLst/>
+              </a:prstGeom>
+              <a:noFill/>
+              <a:ln w="12700">
+                <a:noFill/>
+                <a:miter lim="800000"/>
+                <a:headEnd type="none" w="sm" len="sm"/>
+                <a:tailEnd type="none" w="sm" len="sm"/>
+              </a:ln>
+              <a:effectLst/>
+            </p:spPr>
+            <p:txBody>
+              <a:bodyPr wrap="none" lIns="0" tIns="0" rIns="0" bIns="0">
+                <a:spAutoFit/>
+              </a:bodyPr>
+              <a:lstStyle/>
+              <a:p>
+                <a:pPr algn="ctr">
+                  <a:spcBef>
+                    <a:spcPct val="50000"/>
+                  </a:spcBef>
+                </a:pPr>
+                <a:r>
+                  <a:rPr lang="en-US" sz="1400" dirty="0">
+                    <a:solidFill>
+                      <a:schemeClr val="tx1"/>
+                    </a:solidFill>
+                    <a:latin typeface="+mn-lt"/>
+                  </a:rPr>
+                  <a:t>11</a:t>
+                </a:r>
+              </a:p>
+            </p:txBody>
+          </p:sp>
+          <p:sp>
+            <p:nvSpPr>
+              <p:cNvPr id="247" name="Text Box 94">
+                <a:extLst>
+                  <a:ext uri="{FF2B5EF4-FFF2-40B4-BE49-F238E27FC236}">
+                    <a16:creationId xmlns:a16="http://schemas.microsoft.com/office/drawing/2014/main" id="{409FB3C2-885E-BA48-B883-678F5B1A687A}"/>
+                  </a:ext>
+                </a:extLst>
+              </p:cNvPr>
+              <p:cNvSpPr txBox="1">
+                <a:spLocks noChangeArrowheads="1"/>
+              </p:cNvSpPr>
+              <p:nvPr/>
+            </p:nvSpPr>
+            <p:spPr bwMode="auto">
+              <a:xfrm>
+                <a:off x="3542140" y="1649310"/>
+                <a:ext cx="112210" cy="183127"/>
+              </a:xfrm>
+              <a:prstGeom prst="rect">
+                <a:avLst/>
+              </a:prstGeom>
+              <a:noFill/>
+              <a:ln w="12700">
+                <a:noFill/>
+                <a:miter lim="800000"/>
+                <a:headEnd type="none" w="sm" len="sm"/>
+                <a:tailEnd type="none" w="sm" len="sm"/>
+              </a:ln>
+              <a:effectLst/>
+            </p:spPr>
+            <p:txBody>
+              <a:bodyPr wrap="none" lIns="0" tIns="0" rIns="0" bIns="0">
+                <a:spAutoFit/>
+              </a:bodyPr>
+              <a:lstStyle/>
+              <a:p>
+                <a:pPr algn="ctr">
+                  <a:lnSpc>
+                    <a:spcPct val="85000"/>
+                  </a:lnSpc>
+                  <a:spcBef>
+                    <a:spcPct val="50000"/>
+                  </a:spcBef>
+                </a:pPr>
+                <a:r>
+                  <a:rPr lang="en-US" sz="1400" i="1" dirty="0">
+                    <a:solidFill>
+                      <a:schemeClr val="tx1"/>
+                    </a:solidFill>
+                    <a:latin typeface="+mn-lt"/>
+                  </a:rPr>
+                  <a:t>g</a:t>
+                </a:r>
+              </a:p>
+            </p:txBody>
+          </p:sp>
+          <p:sp>
+            <p:nvSpPr>
+              <p:cNvPr id="248" name="Text Box 9">
+                <a:extLst>
+                  <a:ext uri="{FF2B5EF4-FFF2-40B4-BE49-F238E27FC236}">
+                    <a16:creationId xmlns:a16="http://schemas.microsoft.com/office/drawing/2014/main" id="{69705DE5-E2C7-5440-A485-23122B36EFA4}"/>
+                  </a:ext>
+                </a:extLst>
+              </p:cNvPr>
+              <p:cNvSpPr txBox="1">
+                <a:spLocks noChangeArrowheads="1"/>
+              </p:cNvSpPr>
+              <p:nvPr/>
+            </p:nvSpPr>
+            <p:spPr bwMode="auto">
+              <a:xfrm>
+                <a:off x="3765114" y="1959799"/>
+                <a:ext cx="520976" cy="215444"/>
+              </a:xfrm>
+              <a:prstGeom prst="rect">
+                <a:avLst/>
+              </a:prstGeom>
+              <a:noFill/>
+              <a:ln w="12700">
+                <a:noFill/>
+                <a:miter lim="800000"/>
+                <a:headEnd type="none" w="sm" len="sm"/>
+                <a:tailEnd type="none" w="sm" len="sm"/>
+              </a:ln>
+              <a:effectLst/>
+            </p:spPr>
+            <p:txBody>
+              <a:bodyPr wrap="none" lIns="0" tIns="0" rIns="0" bIns="0">
+                <a:spAutoFit/>
+              </a:bodyPr>
+              <a:lstStyle/>
+              <a:p>
+                <a:pPr algn="ctr">
+                  <a:spcBef>
+                    <a:spcPct val="50000"/>
+                  </a:spcBef>
+                </a:pPr>
+                <a:r>
+                  <a:rPr lang="en-US" sz="1400" dirty="0">
+                    <a:solidFill>
+                      <a:schemeClr val="tx1"/>
+                    </a:solidFill>
+                    <a:latin typeface="+mn-lt"/>
+                  </a:rPr>
+                  <a:t>13,13</a:t>
+                </a:r>
+              </a:p>
+            </p:txBody>
+          </p:sp>
+        </p:grpSp>
+        <p:grpSp>
+          <p:nvGrpSpPr>
+            <p:cNvPr id="249" name="Group 248">
               <a:extLst>
                 <a:ext uri="{FF2B5EF4-FFF2-40B4-BE49-F238E27FC236}">
-                  <a16:creationId xmlns:a16="http://schemas.microsoft.com/office/drawing/2014/main" id="{80D8B713-F895-5246-A91A-59715F59F67B}"/>
+                  <a16:creationId xmlns:a16="http://schemas.microsoft.com/office/drawing/2014/main" id="{9825299A-B77E-0D45-8C85-B22BB7EBC796}"/>
                 </a:ext>
               </a:extLst>
             </p:cNvPr>
-            <p:cNvSpPr>
-              <a:spLocks noChangeShapeType="1"/>
-            </p:cNvSpPr>
-            <p:nvPr/>
-          </p:nvSpPr>
-          <p:spPr bwMode="auto">
+            <p:cNvGrpSpPr/>
+            <p:nvPr/>
+          </p:nvGrpSpPr>
+          <p:grpSpPr>
             <a:xfrm>
-              <a:off x="3660376" y="1935759"/>
-              <a:ext cx="720487" cy="0"/>
-            </a:xfrm>
-            <a:prstGeom prst="line">
-              <a:avLst/>
-            </a:prstGeom>
-            <a:noFill/>
-            <a:ln w="12700">
-              <a:solidFill>
-                <a:schemeClr val="tx1"/>
-              </a:solidFill>
-              <a:round/>
-              <a:headEnd type="none" w="sm" len="sm"/>
-              <a:tailEnd type="none" w="sm" len="sm"/>
-            </a:ln>
-            <a:effectLst/>
-          </p:spPr>
-          <p:txBody>
-            <a:bodyPr/>
-            <a:lstStyle/>
-            <a:p>
-              <a:endParaRPr lang="en-US" sz="1400">
-                <a:latin typeface="+mn-lt"/>
-              </a:endParaRPr>
-            </a:p>
-          </p:txBody>
-        </p:sp>
-        <p:sp>
-          <p:nvSpPr>
-            <p:cNvPr id="221" name="Text Box 8">
+              <a:off x="5853411" y="3489956"/>
+              <a:ext cx="829105" cy="609600"/>
+              <a:chOff x="3551758" y="1630959"/>
+              <a:chExt cx="829105" cy="609600"/>
+            </a:xfrm>
+          </p:grpSpPr>
+          <p:sp>
+            <p:nvSpPr>
+              <p:cNvPr id="250" name="Oval 4">
+                <a:extLst>
+                  <a:ext uri="{FF2B5EF4-FFF2-40B4-BE49-F238E27FC236}">
+                    <a16:creationId xmlns:a16="http://schemas.microsoft.com/office/drawing/2014/main" id="{63A2E8CC-2E7A-BE4C-A734-448F283C20EA}"/>
+                  </a:ext>
+                </a:extLst>
+              </p:cNvPr>
+              <p:cNvSpPr>
+                <a:spLocks noChangeArrowheads="1"/>
+              </p:cNvSpPr>
+              <p:nvPr/>
+            </p:nvSpPr>
+            <p:spPr bwMode="auto">
+              <a:xfrm>
+                <a:off x="3652185" y="1630959"/>
+                <a:ext cx="728678" cy="609600"/>
+              </a:xfrm>
+              <a:prstGeom prst="ellipse">
+                <a:avLst/>
+              </a:prstGeom>
+              <a:solidFill>
+                <a:srgbClr val="CCFFFF"/>
+              </a:solidFill>
+              <a:ln w="12700">
+                <a:solidFill>
+                  <a:schemeClr val="tx1"/>
+                </a:solidFill>
+                <a:round/>
+                <a:headEnd type="none" w="sm" len="sm"/>
+                <a:tailEnd type="none" w="sm" len="sm"/>
+              </a:ln>
+              <a:effectLst/>
+            </p:spPr>
+            <p:txBody>
+              <a:bodyPr wrap="none" anchor="ctr"/>
+              <a:lstStyle/>
+              <a:p>
+                <a:endParaRPr lang="en-US" sz="1400">
+                  <a:latin typeface="+mn-lt"/>
+                </a:endParaRPr>
+              </a:p>
+            </p:txBody>
+          </p:sp>
+          <p:sp>
+            <p:nvSpPr>
+              <p:cNvPr id="251" name="Line 5">
+                <a:extLst>
+                  <a:ext uri="{FF2B5EF4-FFF2-40B4-BE49-F238E27FC236}">
+                    <a16:creationId xmlns:a16="http://schemas.microsoft.com/office/drawing/2014/main" id="{B5736B55-00A7-0448-9636-664F17A70AEA}"/>
+                  </a:ext>
+                </a:extLst>
+              </p:cNvPr>
+              <p:cNvSpPr>
+                <a:spLocks noChangeShapeType="1"/>
+              </p:cNvSpPr>
+              <p:nvPr/>
+            </p:nvSpPr>
+            <p:spPr bwMode="auto">
+              <a:xfrm>
+                <a:off x="3652185" y="1935759"/>
+                <a:ext cx="728678" cy="0"/>
+              </a:xfrm>
+              <a:prstGeom prst="line">
+                <a:avLst/>
+              </a:prstGeom>
+              <a:noFill/>
+              <a:ln w="12700">
+                <a:solidFill>
+                  <a:schemeClr val="tx1"/>
+                </a:solidFill>
+                <a:round/>
+                <a:headEnd type="none" w="sm" len="sm"/>
+                <a:tailEnd type="none" w="sm" len="sm"/>
+              </a:ln>
+              <a:effectLst/>
+            </p:spPr>
+            <p:txBody>
+              <a:bodyPr/>
+              <a:lstStyle/>
+              <a:p>
+                <a:endParaRPr lang="en-US" sz="1400">
+                  <a:latin typeface="+mn-lt"/>
+                </a:endParaRPr>
+              </a:p>
+            </p:txBody>
+          </p:sp>
+          <p:sp>
+            <p:nvSpPr>
+              <p:cNvPr id="253" name="Text Box 8">
+                <a:extLst>
+                  <a:ext uri="{FF2B5EF4-FFF2-40B4-BE49-F238E27FC236}">
+                    <a16:creationId xmlns:a16="http://schemas.microsoft.com/office/drawing/2014/main" id="{8EEAD0A7-5489-7E47-99D0-C0181F0AF704}"/>
+                  </a:ext>
+                </a:extLst>
+              </p:cNvPr>
+              <p:cNvSpPr txBox="1">
+                <a:spLocks noChangeArrowheads="1"/>
+              </p:cNvSpPr>
+              <p:nvPr/>
+            </p:nvSpPr>
+            <p:spPr bwMode="auto">
+              <a:xfrm>
+                <a:off x="3852055" y="1688184"/>
+                <a:ext cx="227626" cy="215444"/>
+              </a:xfrm>
+              <a:prstGeom prst="rect">
+                <a:avLst/>
+              </a:prstGeom>
+              <a:noFill/>
+              <a:ln w="12700">
+                <a:noFill/>
+                <a:miter lim="800000"/>
+                <a:headEnd type="none" w="sm" len="sm"/>
+                <a:tailEnd type="none" w="sm" len="sm"/>
+              </a:ln>
+              <a:effectLst/>
+            </p:spPr>
+            <p:txBody>
+              <a:bodyPr wrap="none" lIns="0" tIns="0" rIns="0" bIns="0">
+                <a:spAutoFit/>
+              </a:bodyPr>
+              <a:lstStyle/>
+              <a:p>
+                <a:pPr algn="ctr">
+                  <a:spcBef>
+                    <a:spcPct val="50000"/>
+                  </a:spcBef>
+                </a:pPr>
+                <a:r>
+                  <a:rPr lang="en-US" sz="1400" dirty="0">
+                    <a:solidFill>
+                      <a:schemeClr val="tx1"/>
+                    </a:solidFill>
+                    <a:latin typeface="+mn-lt"/>
+                  </a:rPr>
+                  <a:t>20</a:t>
+                </a:r>
+              </a:p>
+            </p:txBody>
+          </p:sp>
+          <p:sp>
+            <p:nvSpPr>
+              <p:cNvPr id="255" name="Text Box 94">
+                <a:extLst>
+                  <a:ext uri="{FF2B5EF4-FFF2-40B4-BE49-F238E27FC236}">
+                    <a16:creationId xmlns:a16="http://schemas.microsoft.com/office/drawing/2014/main" id="{9945DE63-5560-AB4B-BD8E-FC0D520D3178}"/>
+                  </a:ext>
+                </a:extLst>
+              </p:cNvPr>
+              <p:cNvSpPr txBox="1">
+                <a:spLocks noChangeArrowheads="1"/>
+              </p:cNvSpPr>
+              <p:nvPr/>
+            </p:nvSpPr>
+            <p:spPr bwMode="auto">
+              <a:xfrm>
+                <a:off x="3551758" y="1649310"/>
+                <a:ext cx="92974" cy="183127"/>
+              </a:xfrm>
+              <a:prstGeom prst="rect">
+                <a:avLst/>
+              </a:prstGeom>
+              <a:noFill/>
+              <a:ln w="12700">
+                <a:noFill/>
+                <a:miter lim="800000"/>
+                <a:headEnd type="none" w="sm" len="sm"/>
+                <a:tailEnd type="none" w="sm" len="sm"/>
+              </a:ln>
+              <a:effectLst/>
+            </p:spPr>
+            <p:txBody>
+              <a:bodyPr wrap="none" lIns="0" tIns="0" rIns="0" bIns="0">
+                <a:spAutoFit/>
+              </a:bodyPr>
+              <a:lstStyle/>
+              <a:p>
+                <a:pPr algn="ctr">
+                  <a:lnSpc>
+                    <a:spcPct val="85000"/>
+                  </a:lnSpc>
+                  <a:spcBef>
+                    <a:spcPct val="50000"/>
+                  </a:spcBef>
+                </a:pPr>
+                <a:r>
+                  <a:rPr lang="en-US" sz="1400" i="1" dirty="0">
+                    <a:solidFill>
+                      <a:schemeClr val="tx1"/>
+                    </a:solidFill>
+                    <a:latin typeface="+mn-lt"/>
+                  </a:rPr>
+                  <a:t>c</a:t>
+                </a:r>
+              </a:p>
+            </p:txBody>
+          </p:sp>
+          <p:sp>
+            <p:nvSpPr>
+              <p:cNvPr id="256" name="Text Box 9">
+                <a:extLst>
+                  <a:ext uri="{FF2B5EF4-FFF2-40B4-BE49-F238E27FC236}">
+                    <a16:creationId xmlns:a16="http://schemas.microsoft.com/office/drawing/2014/main" id="{0411E360-A355-014F-8C39-5E294183C815}"/>
+                  </a:ext>
+                </a:extLst>
+              </p:cNvPr>
+              <p:cNvSpPr txBox="1">
+                <a:spLocks noChangeArrowheads="1"/>
+              </p:cNvSpPr>
+              <p:nvPr/>
+            </p:nvSpPr>
+            <p:spPr bwMode="auto">
+              <a:xfrm>
+                <a:off x="3756036" y="1952206"/>
+                <a:ext cx="520976" cy="215444"/>
+              </a:xfrm>
+              <a:prstGeom prst="rect">
+                <a:avLst/>
+              </a:prstGeom>
+              <a:noFill/>
+              <a:ln w="12700">
+                <a:noFill/>
+                <a:miter lim="800000"/>
+                <a:headEnd type="none" w="sm" len="sm"/>
+                <a:tailEnd type="none" w="sm" len="sm"/>
+              </a:ln>
+              <a:effectLst/>
+            </p:spPr>
+            <p:txBody>
+              <a:bodyPr wrap="none" lIns="0" tIns="0" rIns="0" bIns="0">
+                <a:spAutoFit/>
+              </a:bodyPr>
+              <a:lstStyle/>
+              <a:p>
+                <a:pPr algn="ctr">
+                  <a:spcBef>
+                    <a:spcPct val="50000"/>
+                  </a:spcBef>
+                </a:pPr>
+                <a:r>
+                  <a:rPr lang="en-US" sz="1400" dirty="0">
+                    <a:solidFill>
+                      <a:schemeClr val="tx1"/>
+                    </a:solidFill>
+                    <a:latin typeface="+mn-lt"/>
+                  </a:rPr>
+                  <a:t>21,21</a:t>
+                </a:r>
+              </a:p>
+            </p:txBody>
+          </p:sp>
+        </p:grpSp>
+        <p:grpSp>
+          <p:nvGrpSpPr>
+            <p:cNvPr id="257" name="Group 256">
               <a:extLst>
                 <a:ext uri="{FF2B5EF4-FFF2-40B4-BE49-F238E27FC236}">
-                  <a16:creationId xmlns:a16="http://schemas.microsoft.com/office/drawing/2014/main" id="{4948D924-89A3-F44F-B36F-B2F59B5556CF}"/>
+                  <a16:creationId xmlns:a16="http://schemas.microsoft.com/office/drawing/2014/main" id="{94A8C14B-3094-5D4D-8C18-E24A79EBA554}"/>
                 </a:ext>
               </a:extLst>
             </p:cNvPr>
-            <p:cNvSpPr txBox="1">
-              <a:spLocks noChangeArrowheads="1"/>
-            </p:cNvSpPr>
-            <p:nvPr/>
-          </p:nvSpPr>
-          <p:spPr bwMode="auto">
+            <p:cNvGrpSpPr/>
+            <p:nvPr/>
+          </p:nvGrpSpPr>
+          <p:grpSpPr>
             <a:xfrm>
-              <a:off x="3940036" y="1687339"/>
-              <a:ext cx="113813" cy="215444"/>
-            </a:xfrm>
-            <a:prstGeom prst="rect">
-              <a:avLst/>
-            </a:prstGeom>
-            <a:noFill/>
-            <a:ln w="12700">
+              <a:off x="5268653" y="4388052"/>
+              <a:ext cx="836319" cy="609600"/>
+              <a:chOff x="3544544" y="1630959"/>
+              <a:chExt cx="836319" cy="609600"/>
+            </a:xfrm>
+          </p:grpSpPr>
+          <p:sp>
+            <p:nvSpPr>
+              <p:cNvPr id="258" name="Oval 4">
+                <a:extLst>
+                  <a:ext uri="{FF2B5EF4-FFF2-40B4-BE49-F238E27FC236}">
+                    <a16:creationId xmlns:a16="http://schemas.microsoft.com/office/drawing/2014/main" id="{BAB62480-131E-A94C-BB72-33D9029F87B6}"/>
+                  </a:ext>
+                </a:extLst>
+              </p:cNvPr>
+              <p:cNvSpPr>
+                <a:spLocks noChangeArrowheads="1"/>
+              </p:cNvSpPr>
+              <p:nvPr/>
+            </p:nvSpPr>
+            <p:spPr bwMode="auto">
+              <a:xfrm>
+                <a:off x="3652185" y="1630959"/>
+                <a:ext cx="728678" cy="609600"/>
+              </a:xfrm>
+              <a:prstGeom prst="ellipse">
+                <a:avLst/>
+              </a:prstGeom>
+              <a:solidFill>
+                <a:srgbClr val="CCFFFF"/>
+              </a:solidFill>
+              <a:ln w="12700">
+                <a:solidFill>
+                  <a:schemeClr val="tx1"/>
+                </a:solidFill>
+                <a:round/>
+                <a:headEnd type="none" w="sm" len="sm"/>
+                <a:tailEnd type="none" w="sm" len="sm"/>
+              </a:ln>
+              <a:effectLst/>
+            </p:spPr>
+            <p:txBody>
+              <a:bodyPr wrap="none" anchor="ctr"/>
+              <a:lstStyle/>
+              <a:p>
+                <a:endParaRPr lang="en-US" sz="1400">
+                  <a:latin typeface="+mn-lt"/>
+                </a:endParaRPr>
+              </a:p>
+            </p:txBody>
+          </p:sp>
+          <p:sp>
+            <p:nvSpPr>
+              <p:cNvPr id="259" name="Line 5">
+                <a:extLst>
+                  <a:ext uri="{FF2B5EF4-FFF2-40B4-BE49-F238E27FC236}">
+                    <a16:creationId xmlns:a16="http://schemas.microsoft.com/office/drawing/2014/main" id="{9225A1A9-2330-8245-95DE-D93180985CCE}"/>
+                  </a:ext>
+                </a:extLst>
+              </p:cNvPr>
+              <p:cNvSpPr>
+                <a:spLocks noChangeShapeType="1"/>
+              </p:cNvSpPr>
+              <p:nvPr/>
+            </p:nvSpPr>
+            <p:spPr bwMode="auto">
+              <a:xfrm>
+                <a:off x="3651946" y="1935759"/>
+                <a:ext cx="728917" cy="0"/>
+              </a:xfrm>
+              <a:prstGeom prst="line">
+                <a:avLst/>
+              </a:prstGeom>
               <a:noFill/>
-              <a:miter lim="800000"/>
-              <a:headEnd type="none" w="sm" len="sm"/>
-              <a:tailEnd type="none" w="sm" len="sm"/>
-            </a:ln>
-            <a:effectLst/>
-          </p:spPr>
-          <p:txBody>
-            <a:bodyPr wrap="none" lIns="0" tIns="0" rIns="0" bIns="0">
-              <a:spAutoFit/>
-            </a:bodyPr>
-            <a:lstStyle/>
-            <a:p>
-              <a:pPr algn="ctr">
-                <a:spcBef>
-                  <a:spcPct val="50000"/>
-                </a:spcBef>
-              </a:pPr>
-              <a:r>
-                <a:rPr lang="en-US" sz="1400" dirty="0">
-                  <a:solidFill>
-                    <a:schemeClr val="tx1"/>
-                  </a:solidFill>
+              <a:ln w="12700">
+                <a:solidFill>
+                  <a:schemeClr val="tx1"/>
+                </a:solidFill>
+                <a:round/>
+                <a:headEnd type="none" w="sm" len="sm"/>
+                <a:tailEnd type="none" w="sm" len="sm"/>
+              </a:ln>
+              <a:effectLst/>
+            </p:spPr>
+            <p:txBody>
+              <a:bodyPr/>
+              <a:lstStyle/>
+              <a:p>
+                <a:endParaRPr lang="en-US" sz="1400">
                   <a:latin typeface="+mn-lt"/>
-                </a:rPr>
-                <a:t>7</a:t>
-              </a:r>
-            </a:p>
-          </p:txBody>
-        </p:sp>
-        <p:sp>
-          <p:nvSpPr>
-            <p:cNvPr id="223" name="Text Box 94">
-              <a:extLst>
-                <a:ext uri="{FF2B5EF4-FFF2-40B4-BE49-F238E27FC236}">
-                  <a16:creationId xmlns:a16="http://schemas.microsoft.com/office/drawing/2014/main" id="{96834AED-ABD3-1E44-B387-C62D3DAA8FDF}"/>
-                </a:ext>
-              </a:extLst>
-            </p:cNvPr>
-            <p:cNvSpPr txBox="1">
-              <a:spLocks noChangeArrowheads="1"/>
-            </p:cNvSpPr>
-            <p:nvPr/>
-          </p:nvSpPr>
-          <p:spPr bwMode="auto">
-            <a:xfrm>
-              <a:off x="3566986" y="1649310"/>
-              <a:ext cx="62517" cy="183127"/>
-            </a:xfrm>
-            <a:prstGeom prst="rect">
-              <a:avLst/>
-            </a:prstGeom>
-            <a:noFill/>
-            <a:ln w="12700">
+                </a:endParaRPr>
+              </a:p>
+            </p:txBody>
+          </p:sp>
+          <p:sp>
+            <p:nvSpPr>
+              <p:cNvPr id="261" name="Text Box 8">
+                <a:extLst>
+                  <a:ext uri="{FF2B5EF4-FFF2-40B4-BE49-F238E27FC236}">
+                    <a16:creationId xmlns:a16="http://schemas.microsoft.com/office/drawing/2014/main" id="{EBC20EE9-A7CD-B646-8AF3-F0D03E2E7788}"/>
+                  </a:ext>
+                </a:extLst>
+              </p:cNvPr>
+              <p:cNvSpPr txBox="1">
+                <a:spLocks noChangeArrowheads="1"/>
+              </p:cNvSpPr>
+              <p:nvPr/>
+            </p:nvSpPr>
+            <p:spPr bwMode="auto">
+              <a:xfrm>
+                <a:off x="3872256" y="1696439"/>
+                <a:ext cx="227626" cy="215444"/>
+              </a:xfrm>
+              <a:prstGeom prst="rect">
+                <a:avLst/>
+              </a:prstGeom>
               <a:noFill/>
-              <a:miter lim="800000"/>
-              <a:headEnd type="none" w="sm" len="sm"/>
-              <a:tailEnd type="none" w="sm" len="sm"/>
-            </a:ln>
-            <a:effectLst/>
-          </p:spPr>
-          <p:txBody>
-            <a:bodyPr wrap="none" lIns="0" tIns="0" rIns="0" bIns="0">
-              <a:spAutoFit/>
-            </a:bodyPr>
-            <a:lstStyle/>
-            <a:p>
-              <a:pPr algn="ctr">
-                <a:lnSpc>
-                  <a:spcPct val="85000"/>
-                </a:lnSpc>
-                <a:spcBef>
-                  <a:spcPct val="50000"/>
-                </a:spcBef>
-              </a:pPr>
-              <a:r>
-                <a:rPr lang="en-US" sz="1400" i="1" dirty="0">
-                  <a:solidFill>
-                    <a:schemeClr val="tx1"/>
-                  </a:solidFill>
-                  <a:latin typeface="+mn-lt"/>
-                </a:rPr>
-                <a:t>f</a:t>
-              </a:r>
-            </a:p>
-          </p:txBody>
-        </p:sp>
-        <p:sp>
-          <p:nvSpPr>
-            <p:cNvPr id="224" name="Text Box 9">
-              <a:extLst>
-                <a:ext uri="{FF2B5EF4-FFF2-40B4-BE49-F238E27FC236}">
-                  <a16:creationId xmlns:a16="http://schemas.microsoft.com/office/drawing/2014/main" id="{60826F37-7B68-2046-9C34-56141D2C6359}"/>
-                </a:ext>
-              </a:extLst>
-            </p:cNvPr>
-            <p:cNvSpPr txBox="1">
-              <a:spLocks noChangeArrowheads="1"/>
-            </p:cNvSpPr>
-            <p:nvPr/>
-          </p:nvSpPr>
-          <p:spPr bwMode="auto">
-            <a:xfrm>
-              <a:off x="3756035" y="1959799"/>
-              <a:ext cx="520976" cy="215444"/>
-            </a:xfrm>
-            <a:prstGeom prst="rect">
-              <a:avLst/>
-            </a:prstGeom>
-            <a:noFill/>
-            <a:ln w="12700">
+              <a:ln w="12700">
+                <a:noFill/>
+                <a:miter lim="800000"/>
+                <a:headEnd type="none" w="sm" len="sm"/>
+                <a:tailEnd type="none" w="sm" len="sm"/>
+              </a:ln>
+              <a:effectLst/>
+            </p:spPr>
+            <p:txBody>
+              <a:bodyPr wrap="none" lIns="0" tIns="0" rIns="0" bIns="0">
+                <a:spAutoFit/>
+              </a:bodyPr>
+              <a:lstStyle/>
+              <a:p>
+                <a:pPr algn="ctr">
+                  <a:spcBef>
+                    <a:spcPct val="50000"/>
+                  </a:spcBef>
+                </a:pPr>
+                <a:r>
+                  <a:rPr lang="en-US" sz="1400" dirty="0">
+                    <a:solidFill>
+                      <a:schemeClr val="tx1"/>
+                    </a:solidFill>
+                    <a:latin typeface="+mn-lt"/>
+                  </a:rPr>
+                  <a:t>16</a:t>
+                </a:r>
+              </a:p>
+            </p:txBody>
+          </p:sp>
+          <p:sp>
+            <p:nvSpPr>
+              <p:cNvPr id="263" name="Text Box 94">
+                <a:extLst>
+                  <a:ext uri="{FF2B5EF4-FFF2-40B4-BE49-F238E27FC236}">
+                    <a16:creationId xmlns:a16="http://schemas.microsoft.com/office/drawing/2014/main" id="{6A092C1D-D120-394E-8434-69715F3014D3}"/>
+                  </a:ext>
+                </a:extLst>
+              </p:cNvPr>
+              <p:cNvSpPr txBox="1">
+                <a:spLocks noChangeArrowheads="1"/>
+              </p:cNvSpPr>
+              <p:nvPr/>
+            </p:nvSpPr>
+            <p:spPr bwMode="auto">
+              <a:xfrm>
+                <a:off x="3544544" y="1649310"/>
+                <a:ext cx="107402" cy="183127"/>
+              </a:xfrm>
+              <a:prstGeom prst="rect">
+                <a:avLst/>
+              </a:prstGeom>
               <a:noFill/>
-              <a:miter lim="800000"/>
-              <a:headEnd type="none" w="sm" len="sm"/>
-              <a:tailEnd type="none" w="sm" len="sm"/>
-            </a:ln>
-            <a:effectLst/>
-          </p:spPr>
-          <p:txBody>
-            <a:bodyPr wrap="none" lIns="0" tIns="0" rIns="0" bIns="0">
-              <a:spAutoFit/>
-            </a:bodyPr>
-            <a:lstStyle/>
-            <a:p>
-              <a:pPr algn="ctr">
-                <a:spcBef>
-                  <a:spcPct val="50000"/>
-                </a:spcBef>
-              </a:pPr>
-              <a:r>
-                <a:rPr lang="en-US" sz="1400" dirty="0">
-                  <a:solidFill>
-                    <a:schemeClr val="tx1"/>
-                  </a:solidFill>
-                  <a:latin typeface="+mn-lt"/>
-                </a:rPr>
-                <a:t>10,10</a:t>
-              </a:r>
-            </a:p>
-          </p:txBody>
-        </p:sp>
-      </p:grpSp>
-      <p:grpSp>
-        <p:nvGrpSpPr>
-          <p:cNvPr id="225" name="Group 224">
-            <a:extLst>
-              <a:ext uri="{FF2B5EF4-FFF2-40B4-BE49-F238E27FC236}">
-                <a16:creationId xmlns:a16="http://schemas.microsoft.com/office/drawing/2014/main" id="{97DC8FD8-E3B0-A143-B967-B5F7C4433A6C}"/>
-              </a:ext>
-            </a:extLst>
-          </p:cNvPr>
-          <p:cNvGrpSpPr/>
-          <p:nvPr/>
-        </p:nvGrpSpPr>
-        <p:grpSpPr>
-          <a:xfrm>
-            <a:off x="1778140" y="4412266"/>
-            <a:ext cx="839525" cy="609600"/>
-            <a:chOff x="3541338" y="1630959"/>
-            <a:chExt cx="839525" cy="609600"/>
-          </a:xfrm>
-        </p:grpSpPr>
-        <p:sp>
-          <p:nvSpPr>
-            <p:cNvPr id="226" name="Oval 4">
-              <a:extLst>
-                <a:ext uri="{FF2B5EF4-FFF2-40B4-BE49-F238E27FC236}">
-                  <a16:creationId xmlns:a16="http://schemas.microsoft.com/office/drawing/2014/main" id="{E47876A3-CFFD-C346-81D1-2145D0719071}"/>
-                </a:ext>
-              </a:extLst>
-            </p:cNvPr>
-            <p:cNvSpPr>
-              <a:spLocks noChangeArrowheads="1"/>
-            </p:cNvSpPr>
-            <p:nvPr/>
-          </p:nvSpPr>
-          <p:spPr bwMode="auto">
-            <a:xfrm>
-              <a:off x="3652185" y="1630959"/>
-              <a:ext cx="728678" cy="609600"/>
-            </a:xfrm>
-            <a:prstGeom prst="ellipse">
-              <a:avLst/>
-            </a:prstGeom>
-            <a:solidFill>
-              <a:srgbClr val="CCFFFF"/>
-            </a:solidFill>
-            <a:ln w="12700">
-              <a:solidFill>
-                <a:schemeClr val="tx1"/>
-              </a:solidFill>
-              <a:round/>
-              <a:headEnd type="none" w="sm" len="sm"/>
-              <a:tailEnd type="none" w="sm" len="sm"/>
-            </a:ln>
-            <a:effectLst/>
-          </p:spPr>
-          <p:txBody>
-            <a:bodyPr wrap="none" anchor="ctr"/>
-            <a:lstStyle/>
-            <a:p>
-              <a:endParaRPr lang="en-US" sz="1400">
-                <a:latin typeface="+mn-lt"/>
-              </a:endParaRPr>
-            </a:p>
-          </p:txBody>
-        </p:sp>
-        <p:sp>
-          <p:nvSpPr>
-            <p:cNvPr id="227" name="Line 5">
-              <a:extLst>
-                <a:ext uri="{FF2B5EF4-FFF2-40B4-BE49-F238E27FC236}">
-                  <a16:creationId xmlns:a16="http://schemas.microsoft.com/office/drawing/2014/main" id="{115A7186-125E-624B-A6C9-6E08C91C66A6}"/>
-                </a:ext>
-              </a:extLst>
-            </p:cNvPr>
-            <p:cNvSpPr>
-              <a:spLocks noChangeShapeType="1"/>
-            </p:cNvSpPr>
-            <p:nvPr/>
-          </p:nvSpPr>
-          <p:spPr bwMode="auto">
-            <a:xfrm>
-              <a:off x="3663499" y="1935759"/>
-              <a:ext cx="717364" cy="0"/>
-            </a:xfrm>
-            <a:prstGeom prst="line">
-              <a:avLst/>
-            </a:prstGeom>
-            <a:noFill/>
-            <a:ln w="12700">
-              <a:solidFill>
-                <a:schemeClr val="tx1"/>
-              </a:solidFill>
-              <a:round/>
-              <a:headEnd type="none" w="sm" len="sm"/>
-              <a:tailEnd type="none" w="sm" len="sm"/>
-            </a:ln>
-            <a:effectLst/>
-          </p:spPr>
-          <p:txBody>
-            <a:bodyPr/>
-            <a:lstStyle/>
-            <a:p>
-              <a:endParaRPr lang="en-US" sz="1400">
-                <a:latin typeface="+mn-lt"/>
-              </a:endParaRPr>
-            </a:p>
-          </p:txBody>
-        </p:sp>
-        <p:sp>
-          <p:nvSpPr>
-            <p:cNvPr id="229" name="Text Box 8">
-              <a:extLst>
-                <a:ext uri="{FF2B5EF4-FFF2-40B4-BE49-F238E27FC236}">
-                  <a16:creationId xmlns:a16="http://schemas.microsoft.com/office/drawing/2014/main" id="{B678CD22-1B60-5F47-A9D1-E46F80CA7982}"/>
-                </a:ext>
-              </a:extLst>
-            </p:cNvPr>
-            <p:cNvSpPr txBox="1">
-              <a:spLocks noChangeArrowheads="1"/>
-            </p:cNvSpPr>
-            <p:nvPr/>
-          </p:nvSpPr>
-          <p:spPr bwMode="auto">
-            <a:xfrm>
-              <a:off x="3933230" y="1684164"/>
-              <a:ext cx="113813" cy="215444"/>
-            </a:xfrm>
-            <a:prstGeom prst="rect">
-              <a:avLst/>
-            </a:prstGeom>
-            <a:noFill/>
-            <a:ln w="12700">
+              <a:ln w="12700">
+                <a:noFill/>
+                <a:miter lim="800000"/>
+                <a:headEnd type="none" w="sm" len="sm"/>
+                <a:tailEnd type="none" w="sm" len="sm"/>
+              </a:ln>
+              <a:effectLst/>
+            </p:spPr>
+            <p:txBody>
+              <a:bodyPr wrap="none" lIns="0" tIns="0" rIns="0" bIns="0">
+                <a:spAutoFit/>
+              </a:bodyPr>
+              <a:lstStyle/>
+              <a:p>
+                <a:pPr algn="ctr">
+                  <a:lnSpc>
+                    <a:spcPct val="85000"/>
+                  </a:lnSpc>
+                  <a:spcBef>
+                    <a:spcPct val="50000"/>
+                  </a:spcBef>
+                </a:pPr>
+                <a:r>
+                  <a:rPr lang="en-US" sz="1400" i="1" dirty="0">
+                    <a:solidFill>
+                      <a:schemeClr val="tx1"/>
+                    </a:solidFill>
+                    <a:latin typeface="+mn-lt"/>
+                  </a:rPr>
+                  <a:t>e</a:t>
+                </a:r>
+              </a:p>
+            </p:txBody>
+          </p:sp>
+          <p:sp>
+            <p:nvSpPr>
+              <p:cNvPr id="264" name="Text Box 9">
+                <a:extLst>
+                  <a:ext uri="{FF2B5EF4-FFF2-40B4-BE49-F238E27FC236}">
+                    <a16:creationId xmlns:a16="http://schemas.microsoft.com/office/drawing/2014/main" id="{43C3A616-F9B5-3142-B302-D9A4E3944F80}"/>
+                  </a:ext>
+                </a:extLst>
+              </p:cNvPr>
+              <p:cNvSpPr txBox="1">
+                <a:spLocks noChangeArrowheads="1"/>
+              </p:cNvSpPr>
+              <p:nvPr/>
+            </p:nvSpPr>
+            <p:spPr bwMode="auto">
+              <a:xfrm>
+                <a:off x="3756732" y="1960539"/>
+                <a:ext cx="520976" cy="215444"/>
+              </a:xfrm>
+              <a:prstGeom prst="rect">
+                <a:avLst/>
+              </a:prstGeom>
               <a:noFill/>
-              <a:miter lim="800000"/>
-              <a:headEnd type="none" w="sm" len="sm"/>
-              <a:tailEnd type="none" w="sm" len="sm"/>
-            </a:ln>
-            <a:effectLst/>
-          </p:spPr>
-          <p:txBody>
-            <a:bodyPr wrap="none" lIns="0" tIns="0" rIns="0" bIns="0">
-              <a:spAutoFit/>
-            </a:bodyPr>
-            <a:lstStyle/>
-            <a:p>
-              <a:pPr algn="ctr">
-                <a:spcBef>
-                  <a:spcPct val="50000"/>
-                </a:spcBef>
-              </a:pPr>
-              <a:r>
-                <a:rPr lang="en-US" sz="1400" dirty="0">
-                  <a:solidFill>
-                    <a:schemeClr val="tx1"/>
-                  </a:solidFill>
-                  <a:latin typeface="+mn-lt"/>
-                </a:rPr>
-                <a:t>2</a:t>
-              </a:r>
-            </a:p>
-          </p:txBody>
-        </p:sp>
-        <p:sp>
-          <p:nvSpPr>
-            <p:cNvPr id="231" name="Text Box 94">
-              <a:extLst>
-                <a:ext uri="{FF2B5EF4-FFF2-40B4-BE49-F238E27FC236}">
-                  <a16:creationId xmlns:a16="http://schemas.microsoft.com/office/drawing/2014/main" id="{DE7CB23A-8343-AF47-A384-9C975B162D71}"/>
-                </a:ext>
-              </a:extLst>
-            </p:cNvPr>
-            <p:cNvSpPr txBox="1">
-              <a:spLocks noChangeArrowheads="1"/>
-            </p:cNvSpPr>
-            <p:nvPr/>
-          </p:nvSpPr>
-          <p:spPr bwMode="auto">
-            <a:xfrm>
-              <a:off x="3541338" y="1649310"/>
-              <a:ext cx="113813" cy="183127"/>
-            </a:xfrm>
-            <a:prstGeom prst="rect">
-              <a:avLst/>
-            </a:prstGeom>
-            <a:noFill/>
-            <a:ln w="12700">
-              <a:noFill/>
-              <a:miter lim="800000"/>
-              <a:headEnd type="none" w="sm" len="sm"/>
-              <a:tailEnd type="none" w="sm" len="sm"/>
-            </a:ln>
-            <a:effectLst/>
-          </p:spPr>
-          <p:txBody>
-            <a:bodyPr wrap="none" lIns="0" tIns="0" rIns="0" bIns="0">
-              <a:spAutoFit/>
-            </a:bodyPr>
-            <a:lstStyle/>
-            <a:p>
-              <a:pPr algn="ctr">
-                <a:lnSpc>
-                  <a:spcPct val="85000"/>
-                </a:lnSpc>
-                <a:spcBef>
-                  <a:spcPct val="50000"/>
-                </a:spcBef>
-              </a:pPr>
-              <a:r>
-                <a:rPr lang="en-US" sz="1400" i="1" dirty="0">
-                  <a:solidFill>
-                    <a:schemeClr val="tx1"/>
-                  </a:solidFill>
-                  <a:latin typeface="+mn-lt"/>
-                </a:rPr>
-                <a:t>h</a:t>
-              </a:r>
-            </a:p>
-          </p:txBody>
-        </p:sp>
-        <p:sp>
-          <p:nvSpPr>
-            <p:cNvPr id="232" name="Text Box 9">
-              <a:extLst>
-                <a:ext uri="{FF2B5EF4-FFF2-40B4-BE49-F238E27FC236}">
-                  <a16:creationId xmlns:a16="http://schemas.microsoft.com/office/drawing/2014/main" id="{2A272306-7219-3C4F-9A4B-AAA056AFDB09}"/>
-                </a:ext>
-              </a:extLst>
-            </p:cNvPr>
-            <p:cNvSpPr txBox="1">
-              <a:spLocks noChangeArrowheads="1"/>
-            </p:cNvSpPr>
-            <p:nvPr/>
-          </p:nvSpPr>
-          <p:spPr bwMode="auto">
-            <a:xfrm>
-              <a:off x="3854820" y="1974559"/>
-              <a:ext cx="293350" cy="215444"/>
-            </a:xfrm>
-            <a:prstGeom prst="rect">
-              <a:avLst/>
-            </a:prstGeom>
-            <a:noFill/>
-            <a:ln w="12700">
-              <a:noFill/>
-              <a:miter lim="800000"/>
-              <a:headEnd type="none" w="sm" len="sm"/>
-              <a:tailEnd type="none" w="sm" len="sm"/>
-            </a:ln>
-            <a:effectLst/>
-          </p:spPr>
-          <p:txBody>
-            <a:bodyPr wrap="none" lIns="0" tIns="0" rIns="0" bIns="0">
-              <a:spAutoFit/>
-            </a:bodyPr>
-            <a:lstStyle/>
-            <a:p>
-              <a:pPr algn="ctr">
-                <a:spcBef>
-                  <a:spcPct val="50000"/>
-                </a:spcBef>
-              </a:pPr>
-              <a:r>
-                <a:rPr lang="en-US" sz="1400" dirty="0">
-                  <a:solidFill>
-                    <a:schemeClr val="tx1"/>
-                  </a:solidFill>
-                  <a:latin typeface="+mn-lt"/>
-                </a:rPr>
-                <a:t>6,6</a:t>
-              </a:r>
-            </a:p>
-          </p:txBody>
-        </p:sp>
-      </p:grpSp>
-      <p:grpSp>
-        <p:nvGrpSpPr>
-          <p:cNvPr id="233" name="Group 232">
-            <a:extLst>
-              <a:ext uri="{FF2B5EF4-FFF2-40B4-BE49-F238E27FC236}">
-                <a16:creationId xmlns:a16="http://schemas.microsoft.com/office/drawing/2014/main" id="{D675156A-454D-0140-96FD-256C1FC5AB27}"/>
-              </a:ext>
-            </a:extLst>
-          </p:cNvPr>
-          <p:cNvGrpSpPr/>
-          <p:nvPr/>
-        </p:nvGrpSpPr>
-        <p:grpSpPr>
-          <a:xfrm>
-            <a:off x="4618359" y="3488500"/>
-            <a:ext cx="813877" cy="609600"/>
-            <a:chOff x="3566986" y="1630959"/>
-            <a:chExt cx="813877" cy="609600"/>
-          </a:xfrm>
-        </p:grpSpPr>
-        <p:sp>
-          <p:nvSpPr>
-            <p:cNvPr id="234" name="Oval 4">
-              <a:extLst>
-                <a:ext uri="{FF2B5EF4-FFF2-40B4-BE49-F238E27FC236}">
-                  <a16:creationId xmlns:a16="http://schemas.microsoft.com/office/drawing/2014/main" id="{907D66EE-6CC5-4346-8365-44646F63DD26}"/>
-                </a:ext>
-              </a:extLst>
-            </p:cNvPr>
-            <p:cNvSpPr>
-              <a:spLocks noChangeArrowheads="1"/>
-            </p:cNvSpPr>
-            <p:nvPr/>
-          </p:nvSpPr>
-          <p:spPr bwMode="auto">
-            <a:xfrm>
-              <a:off x="3652185" y="1630959"/>
-              <a:ext cx="728678" cy="609600"/>
-            </a:xfrm>
-            <a:prstGeom prst="ellipse">
-              <a:avLst/>
-            </a:prstGeom>
-            <a:solidFill>
-              <a:srgbClr val="CCFFFF"/>
-            </a:solidFill>
-            <a:ln w="12700">
-              <a:solidFill>
-                <a:schemeClr val="tx1"/>
-              </a:solidFill>
-              <a:round/>
-              <a:headEnd type="none" w="sm" len="sm"/>
-              <a:tailEnd type="none" w="sm" len="sm"/>
-            </a:ln>
-            <a:effectLst/>
-          </p:spPr>
-          <p:txBody>
-            <a:bodyPr wrap="none" anchor="ctr"/>
-            <a:lstStyle/>
-            <a:p>
-              <a:endParaRPr lang="en-US" sz="1400">
-                <a:latin typeface="+mn-lt"/>
-              </a:endParaRPr>
-            </a:p>
-          </p:txBody>
-        </p:sp>
-        <p:sp>
-          <p:nvSpPr>
-            <p:cNvPr id="235" name="Line 5">
-              <a:extLst>
-                <a:ext uri="{FF2B5EF4-FFF2-40B4-BE49-F238E27FC236}">
-                  <a16:creationId xmlns:a16="http://schemas.microsoft.com/office/drawing/2014/main" id="{7A1B3ADA-DB66-F344-BA65-796180B8DB50}"/>
-                </a:ext>
-              </a:extLst>
-            </p:cNvPr>
-            <p:cNvSpPr>
-              <a:spLocks noChangeShapeType="1"/>
-            </p:cNvSpPr>
-            <p:nvPr/>
-          </p:nvSpPr>
-          <p:spPr bwMode="auto">
-            <a:xfrm>
-              <a:off x="3652185" y="1935759"/>
-              <a:ext cx="728678" cy="0"/>
-            </a:xfrm>
-            <a:prstGeom prst="line">
-              <a:avLst/>
-            </a:prstGeom>
-            <a:noFill/>
-            <a:ln w="12700">
-              <a:solidFill>
-                <a:schemeClr val="tx1"/>
-              </a:solidFill>
-              <a:round/>
-              <a:headEnd type="none" w="sm" len="sm"/>
-              <a:tailEnd type="none" w="sm" len="sm"/>
-            </a:ln>
-            <a:effectLst/>
-          </p:spPr>
-          <p:txBody>
-            <a:bodyPr/>
-            <a:lstStyle/>
-            <a:p>
-              <a:endParaRPr lang="en-US" sz="1400">
-                <a:latin typeface="+mn-lt"/>
-              </a:endParaRPr>
-            </a:p>
-          </p:txBody>
-        </p:sp>
-        <p:sp>
-          <p:nvSpPr>
-            <p:cNvPr id="237" name="Text Box 8">
-              <a:extLst>
-                <a:ext uri="{FF2B5EF4-FFF2-40B4-BE49-F238E27FC236}">
-                  <a16:creationId xmlns:a16="http://schemas.microsoft.com/office/drawing/2014/main" id="{6FDEAE0A-DB18-3C43-BC55-72F52A39B54A}"/>
-                </a:ext>
-              </a:extLst>
-            </p:cNvPr>
-            <p:cNvSpPr txBox="1">
-              <a:spLocks noChangeArrowheads="1"/>
-            </p:cNvSpPr>
-            <p:nvPr/>
-          </p:nvSpPr>
-          <p:spPr bwMode="auto">
-            <a:xfrm>
-              <a:off x="3869098" y="1700877"/>
-              <a:ext cx="227626" cy="215444"/>
-            </a:xfrm>
-            <a:prstGeom prst="rect">
-              <a:avLst/>
-            </a:prstGeom>
-            <a:noFill/>
-            <a:ln w="12700">
-              <a:noFill/>
-              <a:miter lim="800000"/>
-              <a:headEnd type="none" w="sm" len="sm"/>
-              <a:tailEnd type="none" w="sm" len="sm"/>
-            </a:ln>
-            <a:effectLst/>
-          </p:spPr>
-          <p:txBody>
-            <a:bodyPr wrap="none" lIns="0" tIns="0" rIns="0" bIns="0">
-              <a:spAutoFit/>
-            </a:bodyPr>
-            <a:lstStyle/>
-            <a:p>
-              <a:pPr algn="ctr">
-                <a:spcBef>
-                  <a:spcPct val="50000"/>
-                </a:spcBef>
-              </a:pPr>
-              <a:r>
-                <a:rPr lang="en-US" sz="1400" dirty="0">
-                  <a:solidFill>
-                    <a:schemeClr val="tx1"/>
-                  </a:solidFill>
-                  <a:latin typeface="+mn-lt"/>
-                </a:rPr>
-                <a:t>14</a:t>
-              </a:r>
-            </a:p>
-          </p:txBody>
-        </p:sp>
-        <p:sp>
-          <p:nvSpPr>
-            <p:cNvPr id="239" name="Text Box 94">
-              <a:extLst>
-                <a:ext uri="{FF2B5EF4-FFF2-40B4-BE49-F238E27FC236}">
-                  <a16:creationId xmlns:a16="http://schemas.microsoft.com/office/drawing/2014/main" id="{4C9E570A-3480-9349-8B69-0651695987F0}"/>
-                </a:ext>
-              </a:extLst>
-            </p:cNvPr>
-            <p:cNvSpPr txBox="1">
-              <a:spLocks noChangeArrowheads="1"/>
-            </p:cNvSpPr>
-            <p:nvPr/>
-          </p:nvSpPr>
-          <p:spPr bwMode="auto">
-            <a:xfrm>
-              <a:off x="3566986" y="1649310"/>
-              <a:ext cx="62517" cy="183127"/>
-            </a:xfrm>
-            <a:prstGeom prst="rect">
-              <a:avLst/>
-            </a:prstGeom>
-            <a:noFill/>
-            <a:ln w="12700">
-              <a:noFill/>
-              <a:miter lim="800000"/>
-              <a:headEnd type="none" w="sm" len="sm"/>
-              <a:tailEnd type="none" w="sm" len="sm"/>
-            </a:ln>
-            <a:effectLst/>
-          </p:spPr>
-          <p:txBody>
-            <a:bodyPr wrap="none" lIns="0" tIns="0" rIns="0" bIns="0">
-              <a:spAutoFit/>
-            </a:bodyPr>
-            <a:lstStyle/>
-            <a:p>
-              <a:pPr algn="ctr">
-                <a:lnSpc>
-                  <a:spcPct val="85000"/>
-                </a:lnSpc>
-                <a:spcBef>
-                  <a:spcPct val="50000"/>
-                </a:spcBef>
-              </a:pPr>
-              <a:r>
-                <a:rPr lang="en-US" sz="1400" i="1" dirty="0">
-                  <a:solidFill>
-                    <a:schemeClr val="tx1"/>
-                  </a:solidFill>
-                  <a:latin typeface="+mn-lt"/>
-                </a:rPr>
-                <a:t>j</a:t>
-              </a:r>
-            </a:p>
-          </p:txBody>
-        </p:sp>
-        <p:sp>
-          <p:nvSpPr>
-            <p:cNvPr id="240" name="Text Box 9">
-              <a:extLst>
-                <a:ext uri="{FF2B5EF4-FFF2-40B4-BE49-F238E27FC236}">
-                  <a16:creationId xmlns:a16="http://schemas.microsoft.com/office/drawing/2014/main" id="{84B2D3F1-4D32-F342-9E88-9C4EA5394B94}"/>
-                </a:ext>
-              </a:extLst>
-            </p:cNvPr>
-            <p:cNvSpPr txBox="1">
-              <a:spLocks noChangeArrowheads="1"/>
-            </p:cNvSpPr>
-            <p:nvPr/>
-          </p:nvSpPr>
-          <p:spPr bwMode="auto">
-            <a:xfrm>
-              <a:off x="3751435" y="1956910"/>
-              <a:ext cx="520976" cy="215444"/>
-            </a:xfrm>
-            <a:prstGeom prst="rect">
-              <a:avLst/>
-            </a:prstGeom>
-            <a:noFill/>
-            <a:ln w="12700">
-              <a:noFill/>
-              <a:miter lim="800000"/>
-              <a:headEnd type="none" w="sm" len="sm"/>
-              <a:tailEnd type="none" w="sm" len="sm"/>
-            </a:ln>
-            <a:effectLst/>
-          </p:spPr>
-          <p:txBody>
-            <a:bodyPr wrap="none" lIns="0" tIns="0" rIns="0" bIns="0">
-              <a:spAutoFit/>
-            </a:bodyPr>
-            <a:lstStyle/>
-            <a:p>
-              <a:pPr algn="ctr">
-                <a:spcBef>
-                  <a:spcPct val="50000"/>
-                </a:spcBef>
-              </a:pPr>
-              <a:r>
-                <a:rPr lang="en-US" sz="1400" dirty="0">
-                  <a:solidFill>
-                    <a:schemeClr val="tx1"/>
-                  </a:solidFill>
-                  <a:latin typeface="+mn-lt"/>
-                </a:rPr>
-                <a:t>18,13</a:t>
-              </a:r>
-            </a:p>
-          </p:txBody>
-        </p:sp>
-      </p:grpSp>
-      <p:grpSp>
-        <p:nvGrpSpPr>
-          <p:cNvPr id="241" name="Group 240">
-            <a:extLst>
-              <a:ext uri="{FF2B5EF4-FFF2-40B4-BE49-F238E27FC236}">
-                <a16:creationId xmlns:a16="http://schemas.microsoft.com/office/drawing/2014/main" id="{BAD9F86A-0A95-3544-835B-50C0AA9265C4}"/>
-              </a:ext>
-            </a:extLst>
-          </p:cNvPr>
-          <p:cNvGrpSpPr/>
-          <p:nvPr/>
-        </p:nvGrpSpPr>
-        <p:grpSpPr>
-          <a:xfrm>
-            <a:off x="3930444" y="4397418"/>
-            <a:ext cx="838723" cy="609600"/>
-            <a:chOff x="3542140" y="1630959"/>
-            <a:chExt cx="838723" cy="609600"/>
-          </a:xfrm>
-        </p:grpSpPr>
-        <p:sp>
-          <p:nvSpPr>
-            <p:cNvPr id="242" name="Oval 4">
-              <a:extLst>
-                <a:ext uri="{FF2B5EF4-FFF2-40B4-BE49-F238E27FC236}">
-                  <a16:creationId xmlns:a16="http://schemas.microsoft.com/office/drawing/2014/main" id="{B89F2194-23A7-D64B-92A2-CF01833974DC}"/>
-                </a:ext>
-              </a:extLst>
-            </p:cNvPr>
-            <p:cNvSpPr>
-              <a:spLocks noChangeArrowheads="1"/>
-            </p:cNvSpPr>
-            <p:nvPr/>
-          </p:nvSpPr>
-          <p:spPr bwMode="auto">
-            <a:xfrm>
-              <a:off x="3652185" y="1630959"/>
-              <a:ext cx="728678" cy="609600"/>
-            </a:xfrm>
-            <a:prstGeom prst="ellipse">
-              <a:avLst/>
-            </a:prstGeom>
-            <a:solidFill>
-              <a:srgbClr val="CCFFFF"/>
-            </a:solidFill>
-            <a:ln w="12700">
-              <a:solidFill>
-                <a:schemeClr val="tx1"/>
-              </a:solidFill>
-              <a:round/>
-              <a:headEnd type="none" w="sm" len="sm"/>
-              <a:tailEnd type="none" w="sm" len="sm"/>
-            </a:ln>
-            <a:effectLst/>
-          </p:spPr>
-          <p:txBody>
-            <a:bodyPr wrap="none" anchor="ctr"/>
-            <a:lstStyle/>
-            <a:p>
-              <a:endParaRPr lang="en-US" sz="1400">
-                <a:latin typeface="+mn-lt"/>
-              </a:endParaRPr>
-            </a:p>
-          </p:txBody>
-        </p:sp>
-        <p:sp>
-          <p:nvSpPr>
-            <p:cNvPr id="243" name="Line 5">
-              <a:extLst>
-                <a:ext uri="{FF2B5EF4-FFF2-40B4-BE49-F238E27FC236}">
-                  <a16:creationId xmlns:a16="http://schemas.microsoft.com/office/drawing/2014/main" id="{A57D7F44-AA05-A045-B5EA-E184FB197F28}"/>
-                </a:ext>
-              </a:extLst>
-            </p:cNvPr>
-            <p:cNvSpPr>
-              <a:spLocks noChangeShapeType="1"/>
-            </p:cNvSpPr>
-            <p:nvPr/>
-          </p:nvSpPr>
-          <p:spPr bwMode="auto">
-            <a:xfrm>
-              <a:off x="3652185" y="1935759"/>
-              <a:ext cx="728678" cy="0"/>
-            </a:xfrm>
-            <a:prstGeom prst="line">
-              <a:avLst/>
-            </a:prstGeom>
-            <a:noFill/>
-            <a:ln w="12700">
-              <a:solidFill>
-                <a:schemeClr val="tx1"/>
-              </a:solidFill>
-              <a:round/>
-              <a:headEnd type="none" w="sm" len="sm"/>
-              <a:tailEnd type="none" w="sm" len="sm"/>
-            </a:ln>
-            <a:effectLst/>
-          </p:spPr>
-          <p:txBody>
-            <a:bodyPr/>
-            <a:lstStyle/>
-            <a:p>
-              <a:endParaRPr lang="en-US" sz="1400">
-                <a:latin typeface="+mn-lt"/>
-              </a:endParaRPr>
-            </a:p>
-          </p:txBody>
-        </p:sp>
-        <p:sp>
-          <p:nvSpPr>
-            <p:cNvPr id="245" name="Text Box 8">
-              <a:extLst>
-                <a:ext uri="{FF2B5EF4-FFF2-40B4-BE49-F238E27FC236}">
-                  <a16:creationId xmlns:a16="http://schemas.microsoft.com/office/drawing/2014/main" id="{6067A2EE-76BE-7E4E-A36C-D30F1A79159D}"/>
-                </a:ext>
-              </a:extLst>
-            </p:cNvPr>
-            <p:cNvSpPr txBox="1">
-              <a:spLocks noChangeArrowheads="1"/>
-            </p:cNvSpPr>
-            <p:nvPr/>
-          </p:nvSpPr>
-          <p:spPr bwMode="auto">
-            <a:xfrm>
-              <a:off x="3874660" y="1699012"/>
-              <a:ext cx="227626" cy="215444"/>
-            </a:xfrm>
-            <a:prstGeom prst="rect">
-              <a:avLst/>
-            </a:prstGeom>
-            <a:noFill/>
-            <a:ln w="12700">
-              <a:noFill/>
-              <a:miter lim="800000"/>
-              <a:headEnd type="none" w="sm" len="sm"/>
-              <a:tailEnd type="none" w="sm" len="sm"/>
-            </a:ln>
-            <a:effectLst/>
-          </p:spPr>
-          <p:txBody>
-            <a:bodyPr wrap="none" lIns="0" tIns="0" rIns="0" bIns="0">
-              <a:spAutoFit/>
-            </a:bodyPr>
-            <a:lstStyle/>
-            <a:p>
-              <a:pPr algn="ctr">
-                <a:spcBef>
-                  <a:spcPct val="50000"/>
-                </a:spcBef>
-              </a:pPr>
-              <a:r>
-                <a:rPr lang="en-US" sz="1400" dirty="0">
-                  <a:solidFill>
-                    <a:schemeClr val="tx1"/>
-                  </a:solidFill>
-                  <a:latin typeface="+mn-lt"/>
-                </a:rPr>
-                <a:t>11</a:t>
-              </a:r>
-            </a:p>
-          </p:txBody>
-        </p:sp>
-        <p:sp>
-          <p:nvSpPr>
-            <p:cNvPr id="247" name="Text Box 94">
-              <a:extLst>
-                <a:ext uri="{FF2B5EF4-FFF2-40B4-BE49-F238E27FC236}">
-                  <a16:creationId xmlns:a16="http://schemas.microsoft.com/office/drawing/2014/main" id="{409FB3C2-885E-BA48-B883-678F5B1A687A}"/>
-                </a:ext>
-              </a:extLst>
-            </p:cNvPr>
-            <p:cNvSpPr txBox="1">
-              <a:spLocks noChangeArrowheads="1"/>
-            </p:cNvSpPr>
-            <p:nvPr/>
-          </p:nvSpPr>
-          <p:spPr bwMode="auto">
-            <a:xfrm>
-              <a:off x="3542140" y="1649310"/>
-              <a:ext cx="112210" cy="183127"/>
-            </a:xfrm>
-            <a:prstGeom prst="rect">
-              <a:avLst/>
-            </a:prstGeom>
-            <a:noFill/>
-            <a:ln w="12700">
-              <a:noFill/>
-              <a:miter lim="800000"/>
-              <a:headEnd type="none" w="sm" len="sm"/>
-              <a:tailEnd type="none" w="sm" len="sm"/>
-            </a:ln>
-            <a:effectLst/>
-          </p:spPr>
-          <p:txBody>
-            <a:bodyPr wrap="none" lIns="0" tIns="0" rIns="0" bIns="0">
-              <a:spAutoFit/>
-            </a:bodyPr>
-            <a:lstStyle/>
-            <a:p>
-              <a:pPr algn="ctr">
-                <a:lnSpc>
-                  <a:spcPct val="85000"/>
-                </a:lnSpc>
-                <a:spcBef>
-                  <a:spcPct val="50000"/>
-                </a:spcBef>
-              </a:pPr>
-              <a:r>
-                <a:rPr lang="en-US" sz="1400" i="1" dirty="0">
-                  <a:solidFill>
-                    <a:schemeClr val="tx1"/>
-                  </a:solidFill>
-                  <a:latin typeface="+mn-lt"/>
-                </a:rPr>
-                <a:t>g</a:t>
-              </a:r>
-            </a:p>
-          </p:txBody>
-        </p:sp>
-        <p:sp>
-          <p:nvSpPr>
-            <p:cNvPr id="248" name="Text Box 9">
-              <a:extLst>
-                <a:ext uri="{FF2B5EF4-FFF2-40B4-BE49-F238E27FC236}">
-                  <a16:creationId xmlns:a16="http://schemas.microsoft.com/office/drawing/2014/main" id="{69705DE5-E2C7-5440-A485-23122B36EFA4}"/>
-                </a:ext>
-              </a:extLst>
-            </p:cNvPr>
-            <p:cNvSpPr txBox="1">
-              <a:spLocks noChangeArrowheads="1"/>
-            </p:cNvSpPr>
-            <p:nvPr/>
-          </p:nvSpPr>
-          <p:spPr bwMode="auto">
-            <a:xfrm>
-              <a:off x="3765114" y="1959799"/>
-              <a:ext cx="520976" cy="215444"/>
-            </a:xfrm>
-            <a:prstGeom prst="rect">
-              <a:avLst/>
-            </a:prstGeom>
-            <a:noFill/>
-            <a:ln w="12700">
-              <a:noFill/>
-              <a:miter lim="800000"/>
-              <a:headEnd type="none" w="sm" len="sm"/>
-              <a:tailEnd type="none" w="sm" len="sm"/>
-            </a:ln>
-            <a:effectLst/>
-          </p:spPr>
-          <p:txBody>
-            <a:bodyPr wrap="none" lIns="0" tIns="0" rIns="0" bIns="0">
-              <a:spAutoFit/>
-            </a:bodyPr>
-            <a:lstStyle/>
-            <a:p>
-              <a:pPr algn="ctr">
-                <a:spcBef>
-                  <a:spcPct val="50000"/>
-                </a:spcBef>
-              </a:pPr>
-              <a:r>
-                <a:rPr lang="en-US" sz="1400" dirty="0">
-                  <a:solidFill>
-                    <a:schemeClr val="tx1"/>
-                  </a:solidFill>
-                  <a:latin typeface="+mn-lt"/>
-                </a:rPr>
-                <a:t>13,13</a:t>
-              </a:r>
-            </a:p>
-          </p:txBody>
-        </p:sp>
-      </p:grpSp>
-      <p:grpSp>
-        <p:nvGrpSpPr>
-          <p:cNvPr id="249" name="Group 248">
-            <a:extLst>
-              <a:ext uri="{FF2B5EF4-FFF2-40B4-BE49-F238E27FC236}">
-                <a16:creationId xmlns:a16="http://schemas.microsoft.com/office/drawing/2014/main" id="{9825299A-B77E-0D45-8C85-B22BB7EBC796}"/>
-              </a:ext>
-            </a:extLst>
-          </p:cNvPr>
-          <p:cNvGrpSpPr/>
-          <p:nvPr/>
-        </p:nvGrpSpPr>
-        <p:grpSpPr>
-          <a:xfrm>
-            <a:off x="5853411" y="3489956"/>
-            <a:ext cx="829105" cy="609600"/>
-            <a:chOff x="3551758" y="1630959"/>
-            <a:chExt cx="829105" cy="609600"/>
-          </a:xfrm>
-        </p:grpSpPr>
-        <p:sp>
-          <p:nvSpPr>
-            <p:cNvPr id="250" name="Oval 4">
-              <a:extLst>
-                <a:ext uri="{FF2B5EF4-FFF2-40B4-BE49-F238E27FC236}">
-                  <a16:creationId xmlns:a16="http://schemas.microsoft.com/office/drawing/2014/main" id="{63A2E8CC-2E7A-BE4C-A734-448F283C20EA}"/>
-                </a:ext>
-              </a:extLst>
-            </p:cNvPr>
-            <p:cNvSpPr>
-              <a:spLocks noChangeArrowheads="1"/>
-            </p:cNvSpPr>
-            <p:nvPr/>
-          </p:nvSpPr>
-          <p:spPr bwMode="auto">
-            <a:xfrm>
-              <a:off x="3652185" y="1630959"/>
-              <a:ext cx="728678" cy="609600"/>
-            </a:xfrm>
-            <a:prstGeom prst="ellipse">
-              <a:avLst/>
-            </a:prstGeom>
-            <a:solidFill>
-              <a:srgbClr val="CCFFFF"/>
-            </a:solidFill>
-            <a:ln w="12700">
-              <a:solidFill>
-                <a:schemeClr val="tx1"/>
-              </a:solidFill>
-              <a:round/>
-              <a:headEnd type="none" w="sm" len="sm"/>
-              <a:tailEnd type="none" w="sm" len="sm"/>
-            </a:ln>
-            <a:effectLst/>
-          </p:spPr>
-          <p:txBody>
-            <a:bodyPr wrap="none" anchor="ctr"/>
-            <a:lstStyle/>
-            <a:p>
-              <a:endParaRPr lang="en-US" sz="1400">
-                <a:latin typeface="+mn-lt"/>
-              </a:endParaRPr>
-            </a:p>
-          </p:txBody>
-        </p:sp>
-        <p:sp>
-          <p:nvSpPr>
-            <p:cNvPr id="251" name="Line 5">
-              <a:extLst>
-                <a:ext uri="{FF2B5EF4-FFF2-40B4-BE49-F238E27FC236}">
-                  <a16:creationId xmlns:a16="http://schemas.microsoft.com/office/drawing/2014/main" id="{B5736B55-00A7-0448-9636-664F17A70AEA}"/>
-                </a:ext>
-              </a:extLst>
-            </p:cNvPr>
-            <p:cNvSpPr>
-              <a:spLocks noChangeShapeType="1"/>
-            </p:cNvSpPr>
-            <p:nvPr/>
-          </p:nvSpPr>
-          <p:spPr bwMode="auto">
-            <a:xfrm>
-              <a:off x="3652185" y="1935759"/>
-              <a:ext cx="728678" cy="0"/>
-            </a:xfrm>
-            <a:prstGeom prst="line">
-              <a:avLst/>
-            </a:prstGeom>
-            <a:noFill/>
-            <a:ln w="12700">
-              <a:solidFill>
-                <a:schemeClr val="tx1"/>
-              </a:solidFill>
-              <a:round/>
-              <a:headEnd type="none" w="sm" len="sm"/>
-              <a:tailEnd type="none" w="sm" len="sm"/>
-            </a:ln>
-            <a:effectLst/>
-          </p:spPr>
-          <p:txBody>
-            <a:bodyPr/>
-            <a:lstStyle/>
-            <a:p>
-              <a:endParaRPr lang="en-US" sz="1400">
-                <a:latin typeface="+mn-lt"/>
-              </a:endParaRPr>
-            </a:p>
-          </p:txBody>
-        </p:sp>
-        <p:sp>
-          <p:nvSpPr>
-            <p:cNvPr id="253" name="Text Box 8">
-              <a:extLst>
-                <a:ext uri="{FF2B5EF4-FFF2-40B4-BE49-F238E27FC236}">
-                  <a16:creationId xmlns:a16="http://schemas.microsoft.com/office/drawing/2014/main" id="{8EEAD0A7-5489-7E47-99D0-C0181F0AF704}"/>
-                </a:ext>
-              </a:extLst>
-            </p:cNvPr>
-            <p:cNvSpPr txBox="1">
-              <a:spLocks noChangeArrowheads="1"/>
-            </p:cNvSpPr>
-            <p:nvPr/>
-          </p:nvSpPr>
-          <p:spPr bwMode="auto">
-            <a:xfrm>
-              <a:off x="3852055" y="1688184"/>
-              <a:ext cx="227626" cy="215444"/>
-            </a:xfrm>
-            <a:prstGeom prst="rect">
-              <a:avLst/>
-            </a:prstGeom>
-            <a:noFill/>
-            <a:ln w="12700">
-              <a:noFill/>
-              <a:miter lim="800000"/>
-              <a:headEnd type="none" w="sm" len="sm"/>
-              <a:tailEnd type="none" w="sm" len="sm"/>
-            </a:ln>
-            <a:effectLst/>
-          </p:spPr>
-          <p:txBody>
-            <a:bodyPr wrap="none" lIns="0" tIns="0" rIns="0" bIns="0">
-              <a:spAutoFit/>
-            </a:bodyPr>
-            <a:lstStyle/>
-            <a:p>
-              <a:pPr algn="ctr">
-                <a:spcBef>
-                  <a:spcPct val="50000"/>
-                </a:spcBef>
-              </a:pPr>
-              <a:r>
-                <a:rPr lang="en-US" sz="1400" dirty="0">
-                  <a:solidFill>
-                    <a:schemeClr val="tx1"/>
-                  </a:solidFill>
-                  <a:latin typeface="+mn-lt"/>
-                </a:rPr>
-                <a:t>20</a:t>
-              </a:r>
-            </a:p>
-          </p:txBody>
-        </p:sp>
-        <p:sp>
-          <p:nvSpPr>
-            <p:cNvPr id="255" name="Text Box 94">
-              <a:extLst>
-                <a:ext uri="{FF2B5EF4-FFF2-40B4-BE49-F238E27FC236}">
-                  <a16:creationId xmlns:a16="http://schemas.microsoft.com/office/drawing/2014/main" id="{9945DE63-5560-AB4B-BD8E-FC0D520D3178}"/>
-                </a:ext>
-              </a:extLst>
-            </p:cNvPr>
-            <p:cNvSpPr txBox="1">
-              <a:spLocks noChangeArrowheads="1"/>
-            </p:cNvSpPr>
-            <p:nvPr/>
-          </p:nvSpPr>
-          <p:spPr bwMode="auto">
-            <a:xfrm>
-              <a:off x="3551758" y="1649310"/>
-              <a:ext cx="92974" cy="183127"/>
-            </a:xfrm>
-            <a:prstGeom prst="rect">
-              <a:avLst/>
-            </a:prstGeom>
-            <a:noFill/>
-            <a:ln w="12700">
-              <a:noFill/>
-              <a:miter lim="800000"/>
-              <a:headEnd type="none" w="sm" len="sm"/>
-              <a:tailEnd type="none" w="sm" len="sm"/>
-            </a:ln>
-            <a:effectLst/>
-          </p:spPr>
-          <p:txBody>
-            <a:bodyPr wrap="none" lIns="0" tIns="0" rIns="0" bIns="0">
-              <a:spAutoFit/>
-            </a:bodyPr>
-            <a:lstStyle/>
-            <a:p>
-              <a:pPr algn="ctr">
-                <a:lnSpc>
-                  <a:spcPct val="85000"/>
-                </a:lnSpc>
-                <a:spcBef>
-                  <a:spcPct val="50000"/>
-                </a:spcBef>
-              </a:pPr>
-              <a:r>
-                <a:rPr lang="en-US" sz="1400" i="1" dirty="0">
-                  <a:solidFill>
-                    <a:schemeClr val="tx1"/>
-                  </a:solidFill>
-                  <a:latin typeface="+mn-lt"/>
-                </a:rPr>
-                <a:t>c</a:t>
-              </a:r>
-            </a:p>
-          </p:txBody>
-        </p:sp>
-        <p:sp>
-          <p:nvSpPr>
-            <p:cNvPr id="256" name="Text Box 9">
-              <a:extLst>
-                <a:ext uri="{FF2B5EF4-FFF2-40B4-BE49-F238E27FC236}">
-                  <a16:creationId xmlns:a16="http://schemas.microsoft.com/office/drawing/2014/main" id="{0411E360-A355-014F-8C39-5E294183C815}"/>
-                </a:ext>
-              </a:extLst>
-            </p:cNvPr>
-            <p:cNvSpPr txBox="1">
-              <a:spLocks noChangeArrowheads="1"/>
-            </p:cNvSpPr>
-            <p:nvPr/>
-          </p:nvSpPr>
-          <p:spPr bwMode="auto">
-            <a:xfrm>
-              <a:off x="3756036" y="1952206"/>
-              <a:ext cx="520976" cy="215444"/>
-            </a:xfrm>
-            <a:prstGeom prst="rect">
-              <a:avLst/>
-            </a:prstGeom>
-            <a:noFill/>
-            <a:ln w="12700">
-              <a:noFill/>
-              <a:miter lim="800000"/>
-              <a:headEnd type="none" w="sm" len="sm"/>
-              <a:tailEnd type="none" w="sm" len="sm"/>
-            </a:ln>
-            <a:effectLst/>
-          </p:spPr>
-          <p:txBody>
-            <a:bodyPr wrap="none" lIns="0" tIns="0" rIns="0" bIns="0">
-              <a:spAutoFit/>
-            </a:bodyPr>
-            <a:lstStyle/>
-            <a:p>
-              <a:pPr algn="ctr">
-                <a:spcBef>
-                  <a:spcPct val="50000"/>
-                </a:spcBef>
-              </a:pPr>
-              <a:r>
-                <a:rPr lang="en-US" sz="1400" dirty="0">
-                  <a:solidFill>
-                    <a:schemeClr val="tx1"/>
-                  </a:solidFill>
-                  <a:latin typeface="+mn-lt"/>
-                </a:rPr>
-                <a:t>21,21</a:t>
-              </a:r>
-            </a:p>
-          </p:txBody>
-        </p:sp>
-      </p:grpSp>
-      <p:grpSp>
-        <p:nvGrpSpPr>
-          <p:cNvPr id="257" name="Group 256">
-            <a:extLst>
-              <a:ext uri="{FF2B5EF4-FFF2-40B4-BE49-F238E27FC236}">
-                <a16:creationId xmlns:a16="http://schemas.microsoft.com/office/drawing/2014/main" id="{94A8C14B-3094-5D4D-8C18-E24A79EBA554}"/>
-              </a:ext>
-            </a:extLst>
-          </p:cNvPr>
-          <p:cNvGrpSpPr/>
-          <p:nvPr/>
-        </p:nvGrpSpPr>
-        <p:grpSpPr>
-          <a:xfrm>
-            <a:off x="5268653" y="4388052"/>
-            <a:ext cx="836319" cy="609600"/>
-            <a:chOff x="3544544" y="1630959"/>
-            <a:chExt cx="836319" cy="609600"/>
-          </a:xfrm>
-        </p:grpSpPr>
-        <p:sp>
-          <p:nvSpPr>
-            <p:cNvPr id="258" name="Oval 4">
-              <a:extLst>
-                <a:ext uri="{FF2B5EF4-FFF2-40B4-BE49-F238E27FC236}">
-                  <a16:creationId xmlns:a16="http://schemas.microsoft.com/office/drawing/2014/main" id="{BAB62480-131E-A94C-BB72-33D9029F87B6}"/>
-                </a:ext>
-              </a:extLst>
-            </p:cNvPr>
-            <p:cNvSpPr>
-              <a:spLocks noChangeArrowheads="1"/>
-            </p:cNvSpPr>
-            <p:nvPr/>
-          </p:nvSpPr>
-          <p:spPr bwMode="auto">
-            <a:xfrm>
-              <a:off x="3652185" y="1630959"/>
-              <a:ext cx="728678" cy="609600"/>
-            </a:xfrm>
-            <a:prstGeom prst="ellipse">
-              <a:avLst/>
-            </a:prstGeom>
-            <a:solidFill>
-              <a:srgbClr val="CCFFFF"/>
-            </a:solidFill>
-            <a:ln w="12700">
-              <a:solidFill>
-                <a:schemeClr val="tx1"/>
-              </a:solidFill>
-              <a:round/>
-              <a:headEnd type="none" w="sm" len="sm"/>
-              <a:tailEnd type="none" w="sm" len="sm"/>
-            </a:ln>
-            <a:effectLst/>
-          </p:spPr>
-          <p:txBody>
-            <a:bodyPr wrap="none" anchor="ctr"/>
-            <a:lstStyle/>
-            <a:p>
-              <a:endParaRPr lang="en-US" sz="1400">
-                <a:latin typeface="+mn-lt"/>
-              </a:endParaRPr>
-            </a:p>
-          </p:txBody>
-        </p:sp>
-        <p:sp>
-          <p:nvSpPr>
-            <p:cNvPr id="259" name="Line 5">
-              <a:extLst>
-                <a:ext uri="{FF2B5EF4-FFF2-40B4-BE49-F238E27FC236}">
-                  <a16:creationId xmlns:a16="http://schemas.microsoft.com/office/drawing/2014/main" id="{9225A1A9-2330-8245-95DE-D93180985CCE}"/>
-                </a:ext>
-              </a:extLst>
-            </p:cNvPr>
-            <p:cNvSpPr>
-              <a:spLocks noChangeShapeType="1"/>
-            </p:cNvSpPr>
-            <p:nvPr/>
-          </p:nvSpPr>
-          <p:spPr bwMode="auto">
-            <a:xfrm>
-              <a:off x="3651946" y="1935759"/>
-              <a:ext cx="728917" cy="0"/>
-            </a:xfrm>
-            <a:prstGeom prst="line">
-              <a:avLst/>
-            </a:prstGeom>
-            <a:noFill/>
-            <a:ln w="12700">
-              <a:solidFill>
-                <a:schemeClr val="tx1"/>
-              </a:solidFill>
-              <a:round/>
-              <a:headEnd type="none" w="sm" len="sm"/>
-              <a:tailEnd type="none" w="sm" len="sm"/>
-            </a:ln>
-            <a:effectLst/>
-          </p:spPr>
-          <p:txBody>
-            <a:bodyPr/>
-            <a:lstStyle/>
-            <a:p>
-              <a:endParaRPr lang="en-US" sz="1400">
-                <a:latin typeface="+mn-lt"/>
-              </a:endParaRPr>
-            </a:p>
-          </p:txBody>
-        </p:sp>
-        <p:sp>
-          <p:nvSpPr>
-            <p:cNvPr id="261" name="Text Box 8">
-              <a:extLst>
-                <a:ext uri="{FF2B5EF4-FFF2-40B4-BE49-F238E27FC236}">
-                  <a16:creationId xmlns:a16="http://schemas.microsoft.com/office/drawing/2014/main" id="{EBC20EE9-A7CD-B646-8AF3-F0D03E2E7788}"/>
-                </a:ext>
-              </a:extLst>
-            </p:cNvPr>
-            <p:cNvSpPr txBox="1">
-              <a:spLocks noChangeArrowheads="1"/>
-            </p:cNvSpPr>
-            <p:nvPr/>
-          </p:nvSpPr>
-          <p:spPr bwMode="auto">
-            <a:xfrm>
-              <a:off x="3872256" y="1696439"/>
-              <a:ext cx="227626" cy="215444"/>
-            </a:xfrm>
-            <a:prstGeom prst="rect">
-              <a:avLst/>
-            </a:prstGeom>
-            <a:noFill/>
-            <a:ln w="12700">
-              <a:noFill/>
-              <a:miter lim="800000"/>
-              <a:headEnd type="none" w="sm" len="sm"/>
-              <a:tailEnd type="none" w="sm" len="sm"/>
-            </a:ln>
-            <a:effectLst/>
-          </p:spPr>
-          <p:txBody>
-            <a:bodyPr wrap="none" lIns="0" tIns="0" rIns="0" bIns="0">
-              <a:spAutoFit/>
-            </a:bodyPr>
-            <a:lstStyle/>
-            <a:p>
-              <a:pPr algn="ctr">
-                <a:spcBef>
-                  <a:spcPct val="50000"/>
-                </a:spcBef>
-              </a:pPr>
-              <a:r>
-                <a:rPr lang="en-US" sz="1400" dirty="0">
-                  <a:solidFill>
-                    <a:schemeClr val="tx1"/>
-                  </a:solidFill>
-                  <a:latin typeface="+mn-lt"/>
-                </a:rPr>
-                <a:t>16</a:t>
-              </a:r>
-            </a:p>
-          </p:txBody>
-        </p:sp>
-        <p:sp>
-          <p:nvSpPr>
-            <p:cNvPr id="263" name="Text Box 94">
-              <a:extLst>
-                <a:ext uri="{FF2B5EF4-FFF2-40B4-BE49-F238E27FC236}">
-                  <a16:creationId xmlns:a16="http://schemas.microsoft.com/office/drawing/2014/main" id="{6A092C1D-D120-394E-8434-69715F3014D3}"/>
-                </a:ext>
-              </a:extLst>
-            </p:cNvPr>
-            <p:cNvSpPr txBox="1">
-              <a:spLocks noChangeArrowheads="1"/>
-            </p:cNvSpPr>
-            <p:nvPr/>
-          </p:nvSpPr>
-          <p:spPr bwMode="auto">
-            <a:xfrm>
-              <a:off x="3544544" y="1649310"/>
-              <a:ext cx="107402" cy="183127"/>
-            </a:xfrm>
-            <a:prstGeom prst="rect">
-              <a:avLst/>
-            </a:prstGeom>
-            <a:noFill/>
-            <a:ln w="12700">
-              <a:noFill/>
-              <a:miter lim="800000"/>
-              <a:headEnd type="none" w="sm" len="sm"/>
-              <a:tailEnd type="none" w="sm" len="sm"/>
-            </a:ln>
-            <a:effectLst/>
-          </p:spPr>
-          <p:txBody>
-            <a:bodyPr wrap="none" lIns="0" tIns="0" rIns="0" bIns="0">
-              <a:spAutoFit/>
-            </a:bodyPr>
-            <a:lstStyle/>
-            <a:p>
-              <a:pPr algn="ctr">
-                <a:lnSpc>
-                  <a:spcPct val="85000"/>
-                </a:lnSpc>
-                <a:spcBef>
-                  <a:spcPct val="50000"/>
-                </a:spcBef>
-              </a:pPr>
-              <a:r>
-                <a:rPr lang="en-US" sz="1400" i="1" dirty="0">
-                  <a:solidFill>
-                    <a:schemeClr val="tx1"/>
-                  </a:solidFill>
-                  <a:latin typeface="+mn-lt"/>
-                </a:rPr>
-                <a:t>e</a:t>
-              </a:r>
-            </a:p>
-          </p:txBody>
-        </p:sp>
-        <p:sp>
-          <p:nvSpPr>
-            <p:cNvPr id="264" name="Text Box 9">
-              <a:extLst>
-                <a:ext uri="{FF2B5EF4-FFF2-40B4-BE49-F238E27FC236}">
-                  <a16:creationId xmlns:a16="http://schemas.microsoft.com/office/drawing/2014/main" id="{43C3A616-F9B5-3142-B302-D9A4E3944F80}"/>
-                </a:ext>
-              </a:extLst>
-            </p:cNvPr>
-            <p:cNvSpPr txBox="1">
-              <a:spLocks noChangeArrowheads="1"/>
-            </p:cNvSpPr>
-            <p:nvPr/>
-          </p:nvSpPr>
-          <p:spPr bwMode="auto">
-            <a:xfrm>
-              <a:off x="3756732" y="1960539"/>
-              <a:ext cx="520976" cy="215444"/>
-            </a:xfrm>
-            <a:prstGeom prst="rect">
-              <a:avLst/>
-            </a:prstGeom>
-            <a:noFill/>
-            <a:ln w="12700">
-              <a:noFill/>
-              <a:miter lim="800000"/>
-              <a:headEnd type="none" w="sm" len="sm"/>
-              <a:tailEnd type="none" w="sm" len="sm"/>
-            </a:ln>
-            <a:effectLst/>
-          </p:spPr>
-          <p:txBody>
-            <a:bodyPr wrap="none" lIns="0" tIns="0" rIns="0" bIns="0">
-              <a:spAutoFit/>
-            </a:bodyPr>
-            <a:lstStyle/>
-            <a:p>
-              <a:pPr algn="ctr">
-                <a:spcBef>
-                  <a:spcPct val="50000"/>
-                </a:spcBef>
-              </a:pPr>
-              <a:r>
-                <a:rPr lang="en-US" sz="1400" dirty="0">
-                  <a:solidFill>
-                    <a:schemeClr val="tx1"/>
-                  </a:solidFill>
-                  <a:latin typeface="+mn-lt"/>
-                </a:rPr>
-                <a:t>17,17</a:t>
-              </a:r>
-            </a:p>
-          </p:txBody>
-        </p:sp>
+              <a:ln w="12700">
+                <a:noFill/>
+                <a:miter lim="800000"/>
+                <a:headEnd type="none" w="sm" len="sm"/>
+                <a:tailEnd type="none" w="sm" len="sm"/>
+              </a:ln>
+              <a:effectLst/>
+            </p:spPr>
+            <p:txBody>
+              <a:bodyPr wrap="none" lIns="0" tIns="0" rIns="0" bIns="0">
+                <a:spAutoFit/>
+              </a:bodyPr>
+              <a:lstStyle/>
+              <a:p>
+                <a:pPr algn="ctr">
+                  <a:spcBef>
+                    <a:spcPct val="50000"/>
+                  </a:spcBef>
+                </a:pPr>
+                <a:r>
+                  <a:rPr lang="en-US" sz="1400" dirty="0">
+                    <a:solidFill>
+                      <a:schemeClr val="tx1"/>
+                    </a:solidFill>
+                    <a:latin typeface="+mn-lt"/>
+                  </a:rPr>
+                  <a:t>17,17</a:t>
+                </a:r>
+              </a:p>
+            </p:txBody>
+          </p:sp>
+        </p:grpSp>
       </p:grpSp>
     </p:spTree>
     <p:extLst>
